--- a/Docs/AbschlussPräsi_lo.pptx
+++ b/Docs/AbschlussPräsi_lo.pptx
@@ -33,6 +33,7 @@
     <p:sldId id="280" r:id="rId28"/>
     <p:sldId id="281" r:id="rId29"/>
     <p:sldId id="282" r:id="rId30"/>
+    <p:sldId id="283" r:id="rId31"/>
   </p:sldIdLst>
   <p:sldSz cx="12192000" cy="6858000"/>
   <p:notesSz cx="7772400" cy="10058400"/>
@@ -80,7 +81,7 @@
       </p:grpSpPr>
       <p:sp>
         <p:nvSpPr>
-          <p:cNvPr id="25" name="PlaceHolder 1"/>
+          <p:cNvPr id="28" name="PlaceHolder 1"/>
           <p:cNvSpPr>
             <a:spLocks noGrp="1"/>
           </p:cNvSpPr>
@@ -90,8 +91,8 @@
         </p:nvSpPr>
         <p:spPr>
           <a:xfrm>
-            <a:off x="609480" y="273600"/>
-            <a:ext cx="10972440" cy="1144800"/>
+            <a:off x="838080" y="365040"/>
+            <a:ext cx="10515240" cy="1325160"/>
           </a:xfrm>
           <a:prstGeom prst="rect">
             <a:avLst/>
@@ -100,14 +101,13 @@
         <p:txBody>
           <a:bodyPr lIns="0" rIns="0" tIns="0" bIns="0" anchor="ctr"/>
           <a:p>
-            <a:pPr algn="ctr"/>
-            <a:endParaRPr/>
-          </a:p>
-        </p:txBody>
-      </p:sp>
-      <p:sp>
-        <p:nvSpPr>
-          <p:cNvPr id="26" name="PlaceHolder 2"/>
+            <a:endParaRPr/>
+          </a:p>
+        </p:txBody>
+      </p:sp>
+      <p:sp>
+        <p:nvSpPr>
+          <p:cNvPr id="29" name="PlaceHolder 2"/>
           <p:cNvSpPr>
             <a:spLocks noGrp="1"/>
           </p:cNvSpPr>
@@ -117,8 +117,8 @@
         </p:nvSpPr>
         <p:spPr>
           <a:xfrm>
-            <a:off x="609480" y="1604520"/>
-            <a:ext cx="10972440" cy="1896840"/>
+            <a:off x="838080" y="1825560"/>
+            <a:ext cx="10515240" cy="2075040"/>
           </a:xfrm>
           <a:prstGeom prst="rect">
             <a:avLst/>
@@ -133,7 +133,7 @@
       </p:sp>
       <p:sp>
         <p:nvSpPr>
-          <p:cNvPr id="27" name="PlaceHolder 3"/>
+          <p:cNvPr id="30" name="PlaceHolder 3"/>
           <p:cNvSpPr>
             <a:spLocks noGrp="1"/>
           </p:cNvSpPr>
@@ -143,8 +143,8 @@
         </p:nvSpPr>
         <p:spPr>
           <a:xfrm>
-            <a:off x="609480" y="3682080"/>
-            <a:ext cx="10972440" cy="1896840"/>
+            <a:off x="838080" y="4098240"/>
+            <a:ext cx="10515240" cy="2075040"/>
           </a:xfrm>
           <a:prstGeom prst="rect">
             <a:avLst/>
@@ -181,7 +181,7 @@
       </p:grpSpPr>
       <p:sp>
         <p:nvSpPr>
-          <p:cNvPr id="28" name="PlaceHolder 1"/>
+          <p:cNvPr id="31" name="PlaceHolder 1"/>
           <p:cNvSpPr>
             <a:spLocks noGrp="1"/>
           </p:cNvSpPr>
@@ -191,8 +191,8 @@
         </p:nvSpPr>
         <p:spPr>
           <a:xfrm>
-            <a:off x="609480" y="273600"/>
-            <a:ext cx="10972440" cy="1144800"/>
+            <a:off x="838080" y="365040"/>
+            <a:ext cx="10515240" cy="1325160"/>
           </a:xfrm>
           <a:prstGeom prst="rect">
             <a:avLst/>
@@ -201,14 +201,13 @@
         <p:txBody>
           <a:bodyPr lIns="0" rIns="0" tIns="0" bIns="0" anchor="ctr"/>
           <a:p>
-            <a:pPr algn="ctr"/>
-            <a:endParaRPr/>
-          </a:p>
-        </p:txBody>
-      </p:sp>
-      <p:sp>
-        <p:nvSpPr>
-          <p:cNvPr id="29" name="PlaceHolder 2"/>
+            <a:endParaRPr/>
+          </a:p>
+        </p:txBody>
+      </p:sp>
+      <p:sp>
+        <p:nvSpPr>
+          <p:cNvPr id="32" name="PlaceHolder 2"/>
           <p:cNvSpPr>
             <a:spLocks noGrp="1"/>
           </p:cNvSpPr>
@@ -218,8 +217,8 @@
         </p:nvSpPr>
         <p:spPr>
           <a:xfrm>
-            <a:off x="609480" y="1604520"/>
-            <a:ext cx="5354280" cy="1896840"/>
+            <a:off x="838080" y="1825560"/>
+            <a:ext cx="5131080" cy="2075040"/>
           </a:xfrm>
           <a:prstGeom prst="rect">
             <a:avLst/>
@@ -234,7 +233,7 @@
       </p:sp>
       <p:sp>
         <p:nvSpPr>
-          <p:cNvPr id="30" name="PlaceHolder 3"/>
+          <p:cNvPr id="33" name="PlaceHolder 3"/>
           <p:cNvSpPr>
             <a:spLocks noGrp="1"/>
           </p:cNvSpPr>
@@ -244,8 +243,8 @@
         </p:nvSpPr>
         <p:spPr>
           <a:xfrm>
-            <a:off x="6231960" y="1604520"/>
-            <a:ext cx="5354280" cy="1896840"/>
+            <a:off x="6226200" y="1825560"/>
+            <a:ext cx="5131080" cy="2075040"/>
           </a:xfrm>
           <a:prstGeom prst="rect">
             <a:avLst/>
@@ -260,7 +259,7 @@
       </p:sp>
       <p:sp>
         <p:nvSpPr>
-          <p:cNvPr id="31" name="PlaceHolder 4"/>
+          <p:cNvPr id="34" name="PlaceHolder 4"/>
           <p:cNvSpPr>
             <a:spLocks noGrp="1"/>
           </p:cNvSpPr>
@@ -270,8 +269,8 @@
         </p:nvSpPr>
         <p:spPr>
           <a:xfrm>
-            <a:off x="6231960" y="3682080"/>
-            <a:ext cx="5354280" cy="1896840"/>
+            <a:off x="6226200" y="4098240"/>
+            <a:ext cx="5131080" cy="2075040"/>
           </a:xfrm>
           <a:prstGeom prst="rect">
             <a:avLst/>
@@ -286,7 +285,7 @@
       </p:sp>
       <p:sp>
         <p:nvSpPr>
-          <p:cNvPr id="32" name="PlaceHolder 5"/>
+          <p:cNvPr id="35" name="PlaceHolder 5"/>
           <p:cNvSpPr>
             <a:spLocks noGrp="1"/>
           </p:cNvSpPr>
@@ -296,8 +295,8 @@
         </p:nvSpPr>
         <p:spPr>
           <a:xfrm>
-            <a:off x="609480" y="3682080"/>
-            <a:ext cx="5354280" cy="1896840"/>
+            <a:off x="838080" y="4098240"/>
+            <a:ext cx="5131080" cy="2075040"/>
           </a:xfrm>
           <a:prstGeom prst="rect">
             <a:avLst/>
@@ -334,7 +333,7 @@
       </p:grpSpPr>
       <p:sp>
         <p:nvSpPr>
-          <p:cNvPr id="33" name="PlaceHolder 1"/>
+          <p:cNvPr id="36" name="PlaceHolder 1"/>
           <p:cNvSpPr>
             <a:spLocks noGrp="1"/>
           </p:cNvSpPr>
@@ -344,8 +343,8 @@
         </p:nvSpPr>
         <p:spPr>
           <a:xfrm>
-            <a:off x="609480" y="273600"/>
-            <a:ext cx="10972440" cy="1144800"/>
+            <a:off x="838080" y="365040"/>
+            <a:ext cx="10515240" cy="1325160"/>
           </a:xfrm>
           <a:prstGeom prst="rect">
             <a:avLst/>
@@ -354,14 +353,13 @@
         <p:txBody>
           <a:bodyPr lIns="0" rIns="0" tIns="0" bIns="0" anchor="ctr"/>
           <a:p>
-            <a:pPr algn="ctr"/>
-            <a:endParaRPr/>
-          </a:p>
-        </p:txBody>
-      </p:sp>
-      <p:sp>
-        <p:nvSpPr>
-          <p:cNvPr id="34" name="PlaceHolder 2"/>
+            <a:endParaRPr/>
+          </a:p>
+        </p:txBody>
+      </p:sp>
+      <p:sp>
+        <p:nvSpPr>
+          <p:cNvPr id="37" name="PlaceHolder 2"/>
           <p:cNvSpPr>
             <a:spLocks noGrp="1"/>
           </p:cNvSpPr>
@@ -371,8 +369,8 @@
         </p:nvSpPr>
         <p:spPr>
           <a:xfrm>
-            <a:off x="609480" y="1604520"/>
-            <a:ext cx="10972440" cy="3977280"/>
+            <a:off x="838080" y="1825560"/>
+            <a:ext cx="10515240" cy="4350960"/>
           </a:xfrm>
           <a:prstGeom prst="rect">
             <a:avLst/>
@@ -387,7 +385,7 @@
       </p:sp>
       <p:sp>
         <p:nvSpPr>
-          <p:cNvPr id="35" name="PlaceHolder 3"/>
+          <p:cNvPr id="38" name="PlaceHolder 3"/>
           <p:cNvSpPr>
             <a:spLocks noGrp="1"/>
           </p:cNvSpPr>
@@ -397,8 +395,8 @@
         </p:nvSpPr>
         <p:spPr>
           <a:xfrm>
-            <a:off x="609480" y="1604520"/>
-            <a:ext cx="10972440" cy="3977280"/>
+            <a:off x="838080" y="1825560"/>
+            <a:ext cx="10515240" cy="4350960"/>
           </a:xfrm>
           <a:prstGeom prst="rect">
             <a:avLst/>
@@ -413,7 +411,7 @@
       </p:sp>
       <p:pic>
         <p:nvPicPr>
-          <p:cNvPr id="36" name="" descr=""/>
+          <p:cNvPr id="39" name="" descr=""/>
           <p:cNvPicPr/>
           <p:nvPr/>
         </p:nvPicPr>
@@ -423,8 +421,8 @@
         </p:blipFill>
         <p:spPr>
           <a:xfrm>
-            <a:off x="3602880" y="1604520"/>
-            <a:ext cx="4984920" cy="3977280"/>
+            <a:off x="3368880" y="1825560"/>
+            <a:ext cx="5452920" cy="4350960"/>
           </a:xfrm>
           <a:prstGeom prst="rect">
             <a:avLst/>
@@ -436,7 +434,7 @@
       </p:pic>
       <p:pic>
         <p:nvPicPr>
-          <p:cNvPr id="37" name="" descr=""/>
+          <p:cNvPr id="40" name="" descr=""/>
           <p:cNvPicPr/>
           <p:nvPr/>
         </p:nvPicPr>
@@ -446,8 +444,8 @@
         </p:blipFill>
         <p:spPr>
           <a:xfrm>
-            <a:off x="3602880" y="1604520"/>
-            <a:ext cx="4984920" cy="3977280"/>
+            <a:off x="3368880" y="1825560"/>
+            <a:ext cx="5452920" cy="4350960"/>
           </a:xfrm>
           <a:prstGeom prst="rect">
             <a:avLst/>
@@ -503,7 +501,7 @@
       </p:grpSpPr>
       <p:sp>
         <p:nvSpPr>
-          <p:cNvPr id="41" name="PlaceHolder 1"/>
+          <p:cNvPr id="47" name="PlaceHolder 1"/>
           <p:cNvSpPr>
             <a:spLocks noGrp="1"/>
           </p:cNvSpPr>
@@ -513,8 +511,8 @@
         </p:nvSpPr>
         <p:spPr>
           <a:xfrm>
-            <a:off x="609480" y="273600"/>
-            <a:ext cx="10972440" cy="1144800"/>
+            <a:off x="838080" y="365040"/>
+            <a:ext cx="10515240" cy="1325160"/>
           </a:xfrm>
           <a:prstGeom prst="rect">
             <a:avLst/>
@@ -523,14 +521,13 @@
         <p:txBody>
           <a:bodyPr lIns="0" rIns="0" tIns="0" bIns="0" anchor="ctr"/>
           <a:p>
-            <a:pPr algn="ctr"/>
-            <a:endParaRPr/>
-          </a:p>
-        </p:txBody>
-      </p:sp>
-      <p:sp>
-        <p:nvSpPr>
-          <p:cNvPr id="42" name="PlaceHolder 2"/>
+            <a:endParaRPr/>
+          </a:p>
+        </p:txBody>
+      </p:sp>
+      <p:sp>
+        <p:nvSpPr>
+          <p:cNvPr id="48" name="PlaceHolder 2"/>
           <p:cNvSpPr>
             <a:spLocks noGrp="1"/>
           </p:cNvSpPr>
@@ -540,8 +537,8 @@
         </p:nvSpPr>
         <p:spPr>
           <a:xfrm>
-            <a:off x="609480" y="1604520"/>
-            <a:ext cx="10972440" cy="3977280"/>
+            <a:off x="838080" y="1825560"/>
+            <a:ext cx="10515240" cy="4350960"/>
           </a:xfrm>
           <a:prstGeom prst="rect">
             <a:avLst/>
@@ -579,7 +576,7 @@
       </p:grpSpPr>
       <p:sp>
         <p:nvSpPr>
-          <p:cNvPr id="43" name="PlaceHolder 1"/>
+          <p:cNvPr id="49" name="PlaceHolder 1"/>
           <p:cNvSpPr>
             <a:spLocks noGrp="1"/>
           </p:cNvSpPr>
@@ -589,8 +586,8 @@
         </p:nvSpPr>
         <p:spPr>
           <a:xfrm>
-            <a:off x="609480" y="273600"/>
-            <a:ext cx="10972440" cy="1144800"/>
+            <a:off x="838080" y="365040"/>
+            <a:ext cx="10515240" cy="1325160"/>
           </a:xfrm>
           <a:prstGeom prst="rect">
             <a:avLst/>
@@ -599,14 +596,13 @@
         <p:txBody>
           <a:bodyPr lIns="0" rIns="0" tIns="0" bIns="0" anchor="ctr"/>
           <a:p>
-            <a:pPr algn="ctr"/>
-            <a:endParaRPr/>
-          </a:p>
-        </p:txBody>
-      </p:sp>
-      <p:sp>
-        <p:nvSpPr>
-          <p:cNvPr id="44" name="PlaceHolder 2"/>
+            <a:endParaRPr/>
+          </a:p>
+        </p:txBody>
+      </p:sp>
+      <p:sp>
+        <p:nvSpPr>
+          <p:cNvPr id="50" name="PlaceHolder 2"/>
           <p:cNvSpPr>
             <a:spLocks noGrp="1"/>
           </p:cNvSpPr>
@@ -616,8 +612,8 @@
         </p:nvSpPr>
         <p:spPr>
           <a:xfrm>
-            <a:off x="609480" y="1604520"/>
-            <a:ext cx="10972440" cy="3977280"/>
+            <a:off x="838080" y="1825560"/>
+            <a:ext cx="10515240" cy="4350960"/>
           </a:xfrm>
           <a:prstGeom prst="rect">
             <a:avLst/>
@@ -654,7 +650,7 @@
       </p:grpSpPr>
       <p:sp>
         <p:nvSpPr>
-          <p:cNvPr id="45" name="PlaceHolder 1"/>
+          <p:cNvPr id="51" name="PlaceHolder 1"/>
           <p:cNvSpPr>
             <a:spLocks noGrp="1"/>
           </p:cNvSpPr>
@@ -664,8 +660,8 @@
         </p:nvSpPr>
         <p:spPr>
           <a:xfrm>
-            <a:off x="609480" y="273600"/>
-            <a:ext cx="10972440" cy="1144800"/>
+            <a:off x="838080" y="365040"/>
+            <a:ext cx="10515240" cy="1325160"/>
           </a:xfrm>
           <a:prstGeom prst="rect">
             <a:avLst/>
@@ -674,14 +670,13 @@
         <p:txBody>
           <a:bodyPr lIns="0" rIns="0" tIns="0" bIns="0" anchor="ctr"/>
           <a:p>
-            <a:pPr algn="ctr"/>
-            <a:endParaRPr/>
-          </a:p>
-        </p:txBody>
-      </p:sp>
-      <p:sp>
-        <p:nvSpPr>
-          <p:cNvPr id="46" name="PlaceHolder 2"/>
+            <a:endParaRPr/>
+          </a:p>
+        </p:txBody>
+      </p:sp>
+      <p:sp>
+        <p:nvSpPr>
+          <p:cNvPr id="52" name="PlaceHolder 2"/>
           <p:cNvSpPr>
             <a:spLocks noGrp="1"/>
           </p:cNvSpPr>
@@ -691,8 +686,8 @@
         </p:nvSpPr>
         <p:spPr>
           <a:xfrm>
-            <a:off x="609480" y="1604520"/>
-            <a:ext cx="5354280" cy="3977280"/>
+            <a:off x="838080" y="1825560"/>
+            <a:ext cx="5131080" cy="4350960"/>
           </a:xfrm>
           <a:prstGeom prst="rect">
             <a:avLst/>
@@ -707,7 +702,7 @@
       </p:sp>
       <p:sp>
         <p:nvSpPr>
-          <p:cNvPr id="47" name="PlaceHolder 3"/>
+          <p:cNvPr id="53" name="PlaceHolder 3"/>
           <p:cNvSpPr>
             <a:spLocks noGrp="1"/>
           </p:cNvSpPr>
@@ -717,8 +712,8 @@
         </p:nvSpPr>
         <p:spPr>
           <a:xfrm>
-            <a:off x="6231960" y="1604520"/>
-            <a:ext cx="5354280" cy="3977280"/>
+            <a:off x="6226200" y="1825560"/>
+            <a:ext cx="5131080" cy="4350960"/>
           </a:xfrm>
           <a:prstGeom prst="rect">
             <a:avLst/>
@@ -755,7 +750,7 @@
       </p:grpSpPr>
       <p:sp>
         <p:nvSpPr>
-          <p:cNvPr id="48" name="PlaceHolder 1"/>
+          <p:cNvPr id="54" name="PlaceHolder 1"/>
           <p:cNvSpPr>
             <a:spLocks noGrp="1"/>
           </p:cNvSpPr>
@@ -765,8 +760,8 @@
         </p:nvSpPr>
         <p:spPr>
           <a:xfrm>
-            <a:off x="609480" y="273600"/>
-            <a:ext cx="10972440" cy="1144800"/>
+            <a:off x="838080" y="365040"/>
+            <a:ext cx="10515240" cy="1325160"/>
           </a:xfrm>
           <a:prstGeom prst="rect">
             <a:avLst/>
@@ -775,7 +770,6 @@
         <p:txBody>
           <a:bodyPr lIns="0" rIns="0" tIns="0" bIns="0" anchor="ctr"/>
           <a:p>
-            <a:pPr algn="ctr"/>
             <a:endParaRPr/>
           </a:p>
         </p:txBody>
@@ -804,7 +798,7 @@
       </p:grpSpPr>
       <p:sp>
         <p:nvSpPr>
-          <p:cNvPr id="49" name="PlaceHolder 1"/>
+          <p:cNvPr id="55" name="PlaceHolder 1"/>
           <p:cNvSpPr>
             <a:spLocks noGrp="1"/>
           </p:cNvSpPr>
@@ -814,8 +808,8 @@
         </p:nvSpPr>
         <p:spPr>
           <a:xfrm>
-            <a:off x="609480" y="273600"/>
-            <a:ext cx="10972440" cy="5307840"/>
+            <a:off x="838080" y="365040"/>
+            <a:ext cx="10515240" cy="6144120"/>
           </a:xfrm>
           <a:prstGeom prst="rect">
             <a:avLst/>
@@ -853,7 +847,7 @@
       </p:grpSpPr>
       <p:sp>
         <p:nvSpPr>
-          <p:cNvPr id="50" name="PlaceHolder 1"/>
+          <p:cNvPr id="56" name="PlaceHolder 1"/>
           <p:cNvSpPr>
             <a:spLocks noGrp="1"/>
           </p:cNvSpPr>
@@ -863,8 +857,8 @@
         </p:nvSpPr>
         <p:spPr>
           <a:xfrm>
-            <a:off x="609480" y="273600"/>
-            <a:ext cx="10972440" cy="1144800"/>
+            <a:off x="838080" y="365040"/>
+            <a:ext cx="10515240" cy="1325160"/>
           </a:xfrm>
           <a:prstGeom prst="rect">
             <a:avLst/>
@@ -873,14 +867,13 @@
         <p:txBody>
           <a:bodyPr lIns="0" rIns="0" tIns="0" bIns="0" anchor="ctr"/>
           <a:p>
-            <a:pPr algn="ctr"/>
-            <a:endParaRPr/>
-          </a:p>
-        </p:txBody>
-      </p:sp>
-      <p:sp>
-        <p:nvSpPr>
-          <p:cNvPr id="51" name="PlaceHolder 2"/>
+            <a:endParaRPr/>
+          </a:p>
+        </p:txBody>
+      </p:sp>
+      <p:sp>
+        <p:nvSpPr>
+          <p:cNvPr id="57" name="PlaceHolder 2"/>
           <p:cNvSpPr>
             <a:spLocks noGrp="1"/>
           </p:cNvSpPr>
@@ -890,8 +883,8 @@
         </p:nvSpPr>
         <p:spPr>
           <a:xfrm>
-            <a:off x="609480" y="1604520"/>
-            <a:ext cx="5354280" cy="1896840"/>
+            <a:off x="838080" y="1825560"/>
+            <a:ext cx="5131080" cy="2075040"/>
           </a:xfrm>
           <a:prstGeom prst="rect">
             <a:avLst/>
@@ -906,7 +899,7 @@
       </p:sp>
       <p:sp>
         <p:nvSpPr>
-          <p:cNvPr id="52" name="PlaceHolder 3"/>
+          <p:cNvPr id="58" name="PlaceHolder 3"/>
           <p:cNvSpPr>
             <a:spLocks noGrp="1"/>
           </p:cNvSpPr>
@@ -916,8 +909,8 @@
         </p:nvSpPr>
         <p:spPr>
           <a:xfrm>
-            <a:off x="609480" y="3682080"/>
-            <a:ext cx="5354280" cy="1896840"/>
+            <a:off x="838080" y="4098240"/>
+            <a:ext cx="5131080" cy="2075040"/>
           </a:xfrm>
           <a:prstGeom prst="rect">
             <a:avLst/>
@@ -932,7 +925,7 @@
       </p:sp>
       <p:sp>
         <p:nvSpPr>
-          <p:cNvPr id="53" name="PlaceHolder 4"/>
+          <p:cNvPr id="59" name="PlaceHolder 4"/>
           <p:cNvSpPr>
             <a:spLocks noGrp="1"/>
           </p:cNvSpPr>
@@ -942,8 +935,8 @@
         </p:nvSpPr>
         <p:spPr>
           <a:xfrm>
-            <a:off x="6231960" y="1604520"/>
-            <a:ext cx="5354280" cy="3977280"/>
+            <a:off x="6226200" y="1825560"/>
+            <a:ext cx="5131080" cy="4350960"/>
           </a:xfrm>
           <a:prstGeom prst="rect">
             <a:avLst/>
@@ -980,7 +973,7 @@
       </p:grpSpPr>
       <p:sp>
         <p:nvSpPr>
-          <p:cNvPr id="4" name="PlaceHolder 1"/>
+          <p:cNvPr id="7" name="PlaceHolder 1"/>
           <p:cNvSpPr>
             <a:spLocks noGrp="1"/>
           </p:cNvSpPr>
@@ -990,8 +983,8 @@
         </p:nvSpPr>
         <p:spPr>
           <a:xfrm>
-            <a:off x="609480" y="273600"/>
-            <a:ext cx="10972440" cy="1144800"/>
+            <a:off x="838080" y="365040"/>
+            <a:ext cx="10515240" cy="1325160"/>
           </a:xfrm>
           <a:prstGeom prst="rect">
             <a:avLst/>
@@ -1000,14 +993,13 @@
         <p:txBody>
           <a:bodyPr lIns="0" rIns="0" tIns="0" bIns="0" anchor="ctr"/>
           <a:p>
-            <a:pPr algn="ctr"/>
-            <a:endParaRPr/>
-          </a:p>
-        </p:txBody>
-      </p:sp>
-      <p:sp>
-        <p:nvSpPr>
-          <p:cNvPr id="5" name="PlaceHolder 2"/>
+            <a:endParaRPr/>
+          </a:p>
+        </p:txBody>
+      </p:sp>
+      <p:sp>
+        <p:nvSpPr>
+          <p:cNvPr id="8" name="PlaceHolder 2"/>
           <p:cNvSpPr>
             <a:spLocks noGrp="1"/>
           </p:cNvSpPr>
@@ -1017,8 +1009,8 @@
         </p:nvSpPr>
         <p:spPr>
           <a:xfrm>
-            <a:off x="609480" y="1604520"/>
-            <a:ext cx="10972440" cy="3977280"/>
+            <a:off x="838080" y="1825560"/>
+            <a:ext cx="10515240" cy="4350960"/>
           </a:xfrm>
           <a:prstGeom prst="rect">
             <a:avLst/>
@@ -1056,7 +1048,7 @@
       </p:grpSpPr>
       <p:sp>
         <p:nvSpPr>
-          <p:cNvPr id="54" name="PlaceHolder 1"/>
+          <p:cNvPr id="60" name="PlaceHolder 1"/>
           <p:cNvSpPr>
             <a:spLocks noGrp="1"/>
           </p:cNvSpPr>
@@ -1066,8 +1058,8 @@
         </p:nvSpPr>
         <p:spPr>
           <a:xfrm>
-            <a:off x="609480" y="273600"/>
-            <a:ext cx="10972440" cy="1144800"/>
+            <a:off x="838080" y="365040"/>
+            <a:ext cx="10515240" cy="1325160"/>
           </a:xfrm>
           <a:prstGeom prst="rect">
             <a:avLst/>
@@ -1076,14 +1068,13 @@
         <p:txBody>
           <a:bodyPr lIns="0" rIns="0" tIns="0" bIns="0" anchor="ctr"/>
           <a:p>
-            <a:pPr algn="ctr"/>
-            <a:endParaRPr/>
-          </a:p>
-        </p:txBody>
-      </p:sp>
-      <p:sp>
-        <p:nvSpPr>
-          <p:cNvPr id="55" name="PlaceHolder 2"/>
+            <a:endParaRPr/>
+          </a:p>
+        </p:txBody>
+      </p:sp>
+      <p:sp>
+        <p:nvSpPr>
+          <p:cNvPr id="61" name="PlaceHolder 2"/>
           <p:cNvSpPr>
             <a:spLocks noGrp="1"/>
           </p:cNvSpPr>
@@ -1093,8 +1084,8 @@
         </p:nvSpPr>
         <p:spPr>
           <a:xfrm>
-            <a:off x="609480" y="1604520"/>
-            <a:ext cx="5354280" cy="3977280"/>
+            <a:off x="838080" y="1825560"/>
+            <a:ext cx="5131080" cy="4350960"/>
           </a:xfrm>
           <a:prstGeom prst="rect">
             <a:avLst/>
@@ -1109,7 +1100,7 @@
       </p:sp>
       <p:sp>
         <p:nvSpPr>
-          <p:cNvPr id="56" name="PlaceHolder 3"/>
+          <p:cNvPr id="62" name="PlaceHolder 3"/>
           <p:cNvSpPr>
             <a:spLocks noGrp="1"/>
           </p:cNvSpPr>
@@ -1119,8 +1110,8 @@
         </p:nvSpPr>
         <p:spPr>
           <a:xfrm>
-            <a:off x="6231960" y="1604520"/>
-            <a:ext cx="5354280" cy="1896840"/>
+            <a:off x="6226200" y="1825560"/>
+            <a:ext cx="5131080" cy="2075040"/>
           </a:xfrm>
           <a:prstGeom prst="rect">
             <a:avLst/>
@@ -1135,7 +1126,7 @@
       </p:sp>
       <p:sp>
         <p:nvSpPr>
-          <p:cNvPr id="57" name="PlaceHolder 4"/>
+          <p:cNvPr id="63" name="PlaceHolder 4"/>
           <p:cNvSpPr>
             <a:spLocks noGrp="1"/>
           </p:cNvSpPr>
@@ -1145,8 +1136,8 @@
         </p:nvSpPr>
         <p:spPr>
           <a:xfrm>
-            <a:off x="6231960" y="3682080"/>
-            <a:ext cx="5354280" cy="1896840"/>
+            <a:off x="6226200" y="4098240"/>
+            <a:ext cx="5131080" cy="2075040"/>
           </a:xfrm>
           <a:prstGeom prst="rect">
             <a:avLst/>
@@ -1183,7 +1174,7 @@
       </p:grpSpPr>
       <p:sp>
         <p:nvSpPr>
-          <p:cNvPr id="58" name="PlaceHolder 1"/>
+          <p:cNvPr id="64" name="PlaceHolder 1"/>
           <p:cNvSpPr>
             <a:spLocks noGrp="1"/>
           </p:cNvSpPr>
@@ -1193,8 +1184,8 @@
         </p:nvSpPr>
         <p:spPr>
           <a:xfrm>
-            <a:off x="609480" y="273600"/>
-            <a:ext cx="10972440" cy="1144800"/>
+            <a:off x="838080" y="365040"/>
+            <a:ext cx="10515240" cy="1325160"/>
           </a:xfrm>
           <a:prstGeom prst="rect">
             <a:avLst/>
@@ -1203,14 +1194,13 @@
         <p:txBody>
           <a:bodyPr lIns="0" rIns="0" tIns="0" bIns="0" anchor="ctr"/>
           <a:p>
-            <a:pPr algn="ctr"/>
-            <a:endParaRPr/>
-          </a:p>
-        </p:txBody>
-      </p:sp>
-      <p:sp>
-        <p:nvSpPr>
-          <p:cNvPr id="59" name="PlaceHolder 2"/>
+            <a:endParaRPr/>
+          </a:p>
+        </p:txBody>
+      </p:sp>
+      <p:sp>
+        <p:nvSpPr>
+          <p:cNvPr id="65" name="PlaceHolder 2"/>
           <p:cNvSpPr>
             <a:spLocks noGrp="1"/>
           </p:cNvSpPr>
@@ -1220,8 +1210,8 @@
         </p:nvSpPr>
         <p:spPr>
           <a:xfrm>
-            <a:off x="609480" y="1604520"/>
-            <a:ext cx="5354280" cy="1896840"/>
+            <a:off x="838080" y="1825560"/>
+            <a:ext cx="5131080" cy="2075040"/>
           </a:xfrm>
           <a:prstGeom prst="rect">
             <a:avLst/>
@@ -1236,7 +1226,7 @@
       </p:sp>
       <p:sp>
         <p:nvSpPr>
-          <p:cNvPr id="60" name="PlaceHolder 3"/>
+          <p:cNvPr id="66" name="PlaceHolder 3"/>
           <p:cNvSpPr>
             <a:spLocks noGrp="1"/>
           </p:cNvSpPr>
@@ -1246,8 +1236,8 @@
         </p:nvSpPr>
         <p:spPr>
           <a:xfrm>
-            <a:off x="6231960" y="1604520"/>
-            <a:ext cx="5354280" cy="1896840"/>
+            <a:off x="6226200" y="1825560"/>
+            <a:ext cx="5131080" cy="2075040"/>
           </a:xfrm>
           <a:prstGeom prst="rect">
             <a:avLst/>
@@ -1262,7 +1252,7 @@
       </p:sp>
       <p:sp>
         <p:nvSpPr>
-          <p:cNvPr id="61" name="PlaceHolder 4"/>
+          <p:cNvPr id="67" name="PlaceHolder 4"/>
           <p:cNvSpPr>
             <a:spLocks noGrp="1"/>
           </p:cNvSpPr>
@@ -1272,8 +1262,8 @@
         </p:nvSpPr>
         <p:spPr>
           <a:xfrm>
-            <a:off x="609480" y="3682080"/>
-            <a:ext cx="10972440" cy="1896840"/>
+            <a:off x="838080" y="4098240"/>
+            <a:ext cx="10515240" cy="2075040"/>
           </a:xfrm>
           <a:prstGeom prst="rect">
             <a:avLst/>
@@ -1310,7 +1300,7 @@
       </p:grpSpPr>
       <p:sp>
         <p:nvSpPr>
-          <p:cNvPr id="62" name="PlaceHolder 1"/>
+          <p:cNvPr id="68" name="PlaceHolder 1"/>
           <p:cNvSpPr>
             <a:spLocks noGrp="1"/>
           </p:cNvSpPr>
@@ -1320,8 +1310,8 @@
         </p:nvSpPr>
         <p:spPr>
           <a:xfrm>
-            <a:off x="609480" y="273600"/>
-            <a:ext cx="10972440" cy="1144800"/>
+            <a:off x="838080" y="365040"/>
+            <a:ext cx="10515240" cy="1325160"/>
           </a:xfrm>
           <a:prstGeom prst="rect">
             <a:avLst/>
@@ -1330,14 +1320,13 @@
         <p:txBody>
           <a:bodyPr lIns="0" rIns="0" tIns="0" bIns="0" anchor="ctr"/>
           <a:p>
-            <a:pPr algn="ctr"/>
-            <a:endParaRPr/>
-          </a:p>
-        </p:txBody>
-      </p:sp>
-      <p:sp>
-        <p:nvSpPr>
-          <p:cNvPr id="63" name="PlaceHolder 2"/>
+            <a:endParaRPr/>
+          </a:p>
+        </p:txBody>
+      </p:sp>
+      <p:sp>
+        <p:nvSpPr>
+          <p:cNvPr id="69" name="PlaceHolder 2"/>
           <p:cNvSpPr>
             <a:spLocks noGrp="1"/>
           </p:cNvSpPr>
@@ -1347,8 +1336,8 @@
         </p:nvSpPr>
         <p:spPr>
           <a:xfrm>
-            <a:off x="609480" y="1604520"/>
-            <a:ext cx="10972440" cy="1896840"/>
+            <a:off x="838080" y="1825560"/>
+            <a:ext cx="10515240" cy="2075040"/>
           </a:xfrm>
           <a:prstGeom prst="rect">
             <a:avLst/>
@@ -1363,7 +1352,7 @@
       </p:sp>
       <p:sp>
         <p:nvSpPr>
-          <p:cNvPr id="64" name="PlaceHolder 3"/>
+          <p:cNvPr id="70" name="PlaceHolder 3"/>
           <p:cNvSpPr>
             <a:spLocks noGrp="1"/>
           </p:cNvSpPr>
@@ -1373,8 +1362,8 @@
         </p:nvSpPr>
         <p:spPr>
           <a:xfrm>
-            <a:off x="609480" y="3682080"/>
-            <a:ext cx="10972440" cy="1896840"/>
+            <a:off x="838080" y="4098240"/>
+            <a:ext cx="10515240" cy="2075040"/>
           </a:xfrm>
           <a:prstGeom prst="rect">
             <a:avLst/>
@@ -1411,7 +1400,7 @@
       </p:grpSpPr>
       <p:sp>
         <p:nvSpPr>
-          <p:cNvPr id="65" name="PlaceHolder 1"/>
+          <p:cNvPr id="71" name="PlaceHolder 1"/>
           <p:cNvSpPr>
             <a:spLocks noGrp="1"/>
           </p:cNvSpPr>
@@ -1421,8 +1410,8 @@
         </p:nvSpPr>
         <p:spPr>
           <a:xfrm>
-            <a:off x="609480" y="273600"/>
-            <a:ext cx="10972440" cy="1144800"/>
+            <a:off x="838080" y="365040"/>
+            <a:ext cx="10515240" cy="1325160"/>
           </a:xfrm>
           <a:prstGeom prst="rect">
             <a:avLst/>
@@ -1431,14 +1420,13 @@
         <p:txBody>
           <a:bodyPr lIns="0" rIns="0" tIns="0" bIns="0" anchor="ctr"/>
           <a:p>
-            <a:pPr algn="ctr"/>
-            <a:endParaRPr/>
-          </a:p>
-        </p:txBody>
-      </p:sp>
-      <p:sp>
-        <p:nvSpPr>
-          <p:cNvPr id="66" name="PlaceHolder 2"/>
+            <a:endParaRPr/>
+          </a:p>
+        </p:txBody>
+      </p:sp>
+      <p:sp>
+        <p:nvSpPr>
+          <p:cNvPr id="72" name="PlaceHolder 2"/>
           <p:cNvSpPr>
             <a:spLocks noGrp="1"/>
           </p:cNvSpPr>
@@ -1448,8 +1436,8 @@
         </p:nvSpPr>
         <p:spPr>
           <a:xfrm>
-            <a:off x="609480" y="1604520"/>
-            <a:ext cx="5354280" cy="1896840"/>
+            <a:off x="838080" y="1825560"/>
+            <a:ext cx="5131080" cy="2075040"/>
           </a:xfrm>
           <a:prstGeom prst="rect">
             <a:avLst/>
@@ -1464,7 +1452,7 @@
       </p:sp>
       <p:sp>
         <p:nvSpPr>
-          <p:cNvPr id="67" name="PlaceHolder 3"/>
+          <p:cNvPr id="73" name="PlaceHolder 3"/>
           <p:cNvSpPr>
             <a:spLocks noGrp="1"/>
           </p:cNvSpPr>
@@ -1474,8 +1462,8 @@
         </p:nvSpPr>
         <p:spPr>
           <a:xfrm>
-            <a:off x="6231960" y="1604520"/>
-            <a:ext cx="5354280" cy="1896840"/>
+            <a:off x="6226200" y="1825560"/>
+            <a:ext cx="5131080" cy="2075040"/>
           </a:xfrm>
           <a:prstGeom prst="rect">
             <a:avLst/>
@@ -1490,7 +1478,7 @@
       </p:sp>
       <p:sp>
         <p:nvSpPr>
-          <p:cNvPr id="68" name="PlaceHolder 4"/>
+          <p:cNvPr id="74" name="PlaceHolder 4"/>
           <p:cNvSpPr>
             <a:spLocks noGrp="1"/>
           </p:cNvSpPr>
@@ -1500,8 +1488,8 @@
         </p:nvSpPr>
         <p:spPr>
           <a:xfrm>
-            <a:off x="6231960" y="3682080"/>
-            <a:ext cx="5354280" cy="1896840"/>
+            <a:off x="6226200" y="4098240"/>
+            <a:ext cx="5131080" cy="2075040"/>
           </a:xfrm>
           <a:prstGeom prst="rect">
             <a:avLst/>
@@ -1516,7 +1504,7 @@
       </p:sp>
       <p:sp>
         <p:nvSpPr>
-          <p:cNvPr id="69" name="PlaceHolder 5"/>
+          <p:cNvPr id="75" name="PlaceHolder 5"/>
           <p:cNvSpPr>
             <a:spLocks noGrp="1"/>
           </p:cNvSpPr>
@@ -1526,8 +1514,8 @@
         </p:nvSpPr>
         <p:spPr>
           <a:xfrm>
-            <a:off x="609480" y="3682080"/>
-            <a:ext cx="5354280" cy="1896840"/>
+            <a:off x="838080" y="4098240"/>
+            <a:ext cx="5131080" cy="2075040"/>
           </a:xfrm>
           <a:prstGeom prst="rect">
             <a:avLst/>
@@ -1564,7 +1552,7 @@
       </p:grpSpPr>
       <p:sp>
         <p:nvSpPr>
-          <p:cNvPr id="70" name="PlaceHolder 1"/>
+          <p:cNvPr id="76" name="PlaceHolder 1"/>
           <p:cNvSpPr>
             <a:spLocks noGrp="1"/>
           </p:cNvSpPr>
@@ -1574,8 +1562,8 @@
         </p:nvSpPr>
         <p:spPr>
           <a:xfrm>
-            <a:off x="609480" y="273600"/>
-            <a:ext cx="10972440" cy="1144800"/>
+            <a:off x="838080" y="365040"/>
+            <a:ext cx="10515240" cy="1325160"/>
           </a:xfrm>
           <a:prstGeom prst="rect">
             <a:avLst/>
@@ -1584,14 +1572,13 @@
         <p:txBody>
           <a:bodyPr lIns="0" rIns="0" tIns="0" bIns="0" anchor="ctr"/>
           <a:p>
-            <a:pPr algn="ctr"/>
-            <a:endParaRPr/>
-          </a:p>
-        </p:txBody>
-      </p:sp>
-      <p:sp>
-        <p:nvSpPr>
-          <p:cNvPr id="71" name="PlaceHolder 2"/>
+            <a:endParaRPr/>
+          </a:p>
+        </p:txBody>
+      </p:sp>
+      <p:sp>
+        <p:nvSpPr>
+          <p:cNvPr id="77" name="PlaceHolder 2"/>
           <p:cNvSpPr>
             <a:spLocks noGrp="1"/>
           </p:cNvSpPr>
@@ -1601,8 +1588,8 @@
         </p:nvSpPr>
         <p:spPr>
           <a:xfrm>
-            <a:off x="609480" y="1604520"/>
-            <a:ext cx="10972440" cy="3977280"/>
+            <a:off x="838080" y="1825560"/>
+            <a:ext cx="10515240" cy="4350960"/>
           </a:xfrm>
           <a:prstGeom prst="rect">
             <a:avLst/>
@@ -1617,7 +1604,7 @@
       </p:sp>
       <p:sp>
         <p:nvSpPr>
-          <p:cNvPr id="72" name="PlaceHolder 3"/>
+          <p:cNvPr id="78" name="PlaceHolder 3"/>
           <p:cNvSpPr>
             <a:spLocks noGrp="1"/>
           </p:cNvSpPr>
@@ -1627,8 +1614,8 @@
         </p:nvSpPr>
         <p:spPr>
           <a:xfrm>
-            <a:off x="609480" y="1604520"/>
-            <a:ext cx="10972440" cy="3977280"/>
+            <a:off x="838080" y="1825560"/>
+            <a:ext cx="10515240" cy="4350960"/>
           </a:xfrm>
           <a:prstGeom prst="rect">
             <a:avLst/>
@@ -1643,7 +1630,7 @@
       </p:sp>
       <p:pic>
         <p:nvPicPr>
-          <p:cNvPr id="73" name="" descr=""/>
+          <p:cNvPr id="79" name="" descr=""/>
           <p:cNvPicPr/>
           <p:nvPr/>
         </p:nvPicPr>
@@ -1653,8 +1640,8 @@
         </p:blipFill>
         <p:spPr>
           <a:xfrm>
-            <a:off x="3602880" y="1604520"/>
-            <a:ext cx="4984920" cy="3977280"/>
+            <a:off x="3368880" y="1825560"/>
+            <a:ext cx="5452920" cy="4350960"/>
           </a:xfrm>
           <a:prstGeom prst="rect">
             <a:avLst/>
@@ -1666,7 +1653,7 @@
       </p:pic>
       <p:pic>
         <p:nvPicPr>
-          <p:cNvPr id="74" name="" descr=""/>
+          <p:cNvPr id="80" name="" descr=""/>
           <p:cNvPicPr/>
           <p:nvPr/>
         </p:nvPicPr>
@@ -1676,8 +1663,8 @@
         </p:blipFill>
         <p:spPr>
           <a:xfrm>
-            <a:off x="3602880" y="1604520"/>
-            <a:ext cx="4984920" cy="3977280"/>
+            <a:off x="3368880" y="1825560"/>
+            <a:ext cx="5452920" cy="4350960"/>
           </a:xfrm>
           <a:prstGeom prst="rect">
             <a:avLst/>
@@ -1711,7 +1698,7 @@
       </p:grpSpPr>
       <p:sp>
         <p:nvSpPr>
-          <p:cNvPr id="6" name="PlaceHolder 1"/>
+          <p:cNvPr id="9" name="PlaceHolder 1"/>
           <p:cNvSpPr>
             <a:spLocks noGrp="1"/>
           </p:cNvSpPr>
@@ -1721,8 +1708,8 @@
         </p:nvSpPr>
         <p:spPr>
           <a:xfrm>
-            <a:off x="609480" y="273600"/>
-            <a:ext cx="10972440" cy="1144800"/>
+            <a:off x="838080" y="365040"/>
+            <a:ext cx="10515240" cy="1325160"/>
           </a:xfrm>
           <a:prstGeom prst="rect">
             <a:avLst/>
@@ -1731,14 +1718,13 @@
         <p:txBody>
           <a:bodyPr lIns="0" rIns="0" tIns="0" bIns="0" anchor="ctr"/>
           <a:p>
-            <a:pPr algn="ctr"/>
-            <a:endParaRPr/>
-          </a:p>
-        </p:txBody>
-      </p:sp>
-      <p:sp>
-        <p:nvSpPr>
-          <p:cNvPr id="7" name="PlaceHolder 2"/>
+            <a:endParaRPr/>
+          </a:p>
+        </p:txBody>
+      </p:sp>
+      <p:sp>
+        <p:nvSpPr>
+          <p:cNvPr id="10" name="PlaceHolder 2"/>
           <p:cNvSpPr>
             <a:spLocks noGrp="1"/>
           </p:cNvSpPr>
@@ -1748,8 +1734,8 @@
         </p:nvSpPr>
         <p:spPr>
           <a:xfrm>
-            <a:off x="609480" y="1604520"/>
-            <a:ext cx="10972440" cy="3977280"/>
+            <a:off x="838080" y="1825560"/>
+            <a:ext cx="10515240" cy="4350960"/>
           </a:xfrm>
           <a:prstGeom prst="rect">
             <a:avLst/>
@@ -1786,7 +1772,7 @@
       </p:grpSpPr>
       <p:sp>
         <p:nvSpPr>
-          <p:cNvPr id="8" name="PlaceHolder 1"/>
+          <p:cNvPr id="11" name="PlaceHolder 1"/>
           <p:cNvSpPr>
             <a:spLocks noGrp="1"/>
           </p:cNvSpPr>
@@ -1796,8 +1782,8 @@
         </p:nvSpPr>
         <p:spPr>
           <a:xfrm>
-            <a:off x="609480" y="273600"/>
-            <a:ext cx="10972440" cy="1144800"/>
+            <a:off x="838080" y="365040"/>
+            <a:ext cx="10515240" cy="1325160"/>
           </a:xfrm>
           <a:prstGeom prst="rect">
             <a:avLst/>
@@ -1806,14 +1792,13 @@
         <p:txBody>
           <a:bodyPr lIns="0" rIns="0" tIns="0" bIns="0" anchor="ctr"/>
           <a:p>
-            <a:pPr algn="ctr"/>
-            <a:endParaRPr/>
-          </a:p>
-        </p:txBody>
-      </p:sp>
-      <p:sp>
-        <p:nvSpPr>
-          <p:cNvPr id="9" name="PlaceHolder 2"/>
+            <a:endParaRPr/>
+          </a:p>
+        </p:txBody>
+      </p:sp>
+      <p:sp>
+        <p:nvSpPr>
+          <p:cNvPr id="12" name="PlaceHolder 2"/>
           <p:cNvSpPr>
             <a:spLocks noGrp="1"/>
           </p:cNvSpPr>
@@ -1823,8 +1808,8 @@
         </p:nvSpPr>
         <p:spPr>
           <a:xfrm>
-            <a:off x="609480" y="1604520"/>
-            <a:ext cx="5354280" cy="3977280"/>
+            <a:off x="838080" y="1825560"/>
+            <a:ext cx="5131080" cy="4350960"/>
           </a:xfrm>
           <a:prstGeom prst="rect">
             <a:avLst/>
@@ -1839,7 +1824,7 @@
       </p:sp>
       <p:sp>
         <p:nvSpPr>
-          <p:cNvPr id="10" name="PlaceHolder 3"/>
+          <p:cNvPr id="13" name="PlaceHolder 3"/>
           <p:cNvSpPr>
             <a:spLocks noGrp="1"/>
           </p:cNvSpPr>
@@ -1849,8 +1834,8 @@
         </p:nvSpPr>
         <p:spPr>
           <a:xfrm>
-            <a:off x="6231960" y="1604520"/>
-            <a:ext cx="5354280" cy="3977280"/>
+            <a:off x="6226200" y="1825560"/>
+            <a:ext cx="5131080" cy="4350960"/>
           </a:xfrm>
           <a:prstGeom prst="rect">
             <a:avLst/>
@@ -1887,7 +1872,7 @@
       </p:grpSpPr>
       <p:sp>
         <p:nvSpPr>
-          <p:cNvPr id="11" name="PlaceHolder 1"/>
+          <p:cNvPr id="14" name="PlaceHolder 1"/>
           <p:cNvSpPr>
             <a:spLocks noGrp="1"/>
           </p:cNvSpPr>
@@ -1897,8 +1882,8 @@
         </p:nvSpPr>
         <p:spPr>
           <a:xfrm>
-            <a:off x="609480" y="273600"/>
-            <a:ext cx="10972440" cy="1144800"/>
+            <a:off x="838080" y="365040"/>
+            <a:ext cx="10515240" cy="1325160"/>
           </a:xfrm>
           <a:prstGeom prst="rect">
             <a:avLst/>
@@ -1907,7 +1892,6 @@
         <p:txBody>
           <a:bodyPr lIns="0" rIns="0" tIns="0" bIns="0" anchor="ctr"/>
           <a:p>
-            <a:pPr algn="ctr"/>
             <a:endParaRPr/>
           </a:p>
         </p:txBody>
@@ -1936,7 +1920,7 @@
       </p:grpSpPr>
       <p:sp>
         <p:nvSpPr>
-          <p:cNvPr id="12" name="PlaceHolder 1"/>
+          <p:cNvPr id="15" name="PlaceHolder 1"/>
           <p:cNvSpPr>
             <a:spLocks noGrp="1"/>
           </p:cNvSpPr>
@@ -1946,8 +1930,8 @@
         </p:nvSpPr>
         <p:spPr>
           <a:xfrm>
-            <a:off x="609480" y="273600"/>
-            <a:ext cx="10972440" cy="5307840"/>
+            <a:off x="838080" y="365040"/>
+            <a:ext cx="10515240" cy="6144120"/>
           </a:xfrm>
           <a:prstGeom prst="rect">
             <a:avLst/>
@@ -1985,7 +1969,7 @@
       </p:grpSpPr>
       <p:sp>
         <p:nvSpPr>
-          <p:cNvPr id="13" name="PlaceHolder 1"/>
+          <p:cNvPr id="16" name="PlaceHolder 1"/>
           <p:cNvSpPr>
             <a:spLocks noGrp="1"/>
           </p:cNvSpPr>
@@ -1995,8 +1979,8 @@
         </p:nvSpPr>
         <p:spPr>
           <a:xfrm>
-            <a:off x="609480" y="273600"/>
-            <a:ext cx="10972440" cy="1144800"/>
+            <a:off x="838080" y="365040"/>
+            <a:ext cx="10515240" cy="1325160"/>
           </a:xfrm>
           <a:prstGeom prst="rect">
             <a:avLst/>
@@ -2005,14 +1989,13 @@
         <p:txBody>
           <a:bodyPr lIns="0" rIns="0" tIns="0" bIns="0" anchor="ctr"/>
           <a:p>
-            <a:pPr algn="ctr"/>
-            <a:endParaRPr/>
-          </a:p>
-        </p:txBody>
-      </p:sp>
-      <p:sp>
-        <p:nvSpPr>
-          <p:cNvPr id="14" name="PlaceHolder 2"/>
+            <a:endParaRPr/>
+          </a:p>
+        </p:txBody>
+      </p:sp>
+      <p:sp>
+        <p:nvSpPr>
+          <p:cNvPr id="17" name="PlaceHolder 2"/>
           <p:cNvSpPr>
             <a:spLocks noGrp="1"/>
           </p:cNvSpPr>
@@ -2022,8 +2005,8 @@
         </p:nvSpPr>
         <p:spPr>
           <a:xfrm>
-            <a:off x="609480" y="1604520"/>
-            <a:ext cx="5354280" cy="1896840"/>
+            <a:off x="838080" y="1825560"/>
+            <a:ext cx="5131080" cy="2075040"/>
           </a:xfrm>
           <a:prstGeom prst="rect">
             <a:avLst/>
@@ -2038,7 +2021,7 @@
       </p:sp>
       <p:sp>
         <p:nvSpPr>
-          <p:cNvPr id="15" name="PlaceHolder 3"/>
+          <p:cNvPr id="18" name="PlaceHolder 3"/>
           <p:cNvSpPr>
             <a:spLocks noGrp="1"/>
           </p:cNvSpPr>
@@ -2048,8 +2031,8 @@
         </p:nvSpPr>
         <p:spPr>
           <a:xfrm>
-            <a:off x="609480" y="3682080"/>
-            <a:ext cx="5354280" cy="1896840"/>
+            <a:off x="838080" y="4098240"/>
+            <a:ext cx="5131080" cy="2075040"/>
           </a:xfrm>
           <a:prstGeom prst="rect">
             <a:avLst/>
@@ -2064,7 +2047,7 @@
       </p:sp>
       <p:sp>
         <p:nvSpPr>
-          <p:cNvPr id="16" name="PlaceHolder 4"/>
+          <p:cNvPr id="19" name="PlaceHolder 4"/>
           <p:cNvSpPr>
             <a:spLocks noGrp="1"/>
           </p:cNvSpPr>
@@ -2074,8 +2057,8 @@
         </p:nvSpPr>
         <p:spPr>
           <a:xfrm>
-            <a:off x="6231960" y="1604520"/>
-            <a:ext cx="5354280" cy="3977280"/>
+            <a:off x="6226200" y="1825560"/>
+            <a:ext cx="5131080" cy="4350960"/>
           </a:xfrm>
           <a:prstGeom prst="rect">
             <a:avLst/>
@@ -2112,7 +2095,7 @@
       </p:grpSpPr>
       <p:sp>
         <p:nvSpPr>
-          <p:cNvPr id="17" name="PlaceHolder 1"/>
+          <p:cNvPr id="20" name="PlaceHolder 1"/>
           <p:cNvSpPr>
             <a:spLocks noGrp="1"/>
           </p:cNvSpPr>
@@ -2122,8 +2105,8 @@
         </p:nvSpPr>
         <p:spPr>
           <a:xfrm>
-            <a:off x="609480" y="273600"/>
-            <a:ext cx="10972440" cy="1144800"/>
+            <a:off x="838080" y="365040"/>
+            <a:ext cx="10515240" cy="1325160"/>
           </a:xfrm>
           <a:prstGeom prst="rect">
             <a:avLst/>
@@ -2132,14 +2115,13 @@
         <p:txBody>
           <a:bodyPr lIns="0" rIns="0" tIns="0" bIns="0" anchor="ctr"/>
           <a:p>
-            <a:pPr algn="ctr"/>
-            <a:endParaRPr/>
-          </a:p>
-        </p:txBody>
-      </p:sp>
-      <p:sp>
-        <p:nvSpPr>
-          <p:cNvPr id="18" name="PlaceHolder 2"/>
+            <a:endParaRPr/>
+          </a:p>
+        </p:txBody>
+      </p:sp>
+      <p:sp>
+        <p:nvSpPr>
+          <p:cNvPr id="21" name="PlaceHolder 2"/>
           <p:cNvSpPr>
             <a:spLocks noGrp="1"/>
           </p:cNvSpPr>
@@ -2149,8 +2131,8 @@
         </p:nvSpPr>
         <p:spPr>
           <a:xfrm>
-            <a:off x="609480" y="1604520"/>
-            <a:ext cx="5354280" cy="3977280"/>
+            <a:off x="838080" y="1825560"/>
+            <a:ext cx="5131080" cy="4350960"/>
           </a:xfrm>
           <a:prstGeom prst="rect">
             <a:avLst/>
@@ -2165,7 +2147,7 @@
       </p:sp>
       <p:sp>
         <p:nvSpPr>
-          <p:cNvPr id="19" name="PlaceHolder 3"/>
+          <p:cNvPr id="22" name="PlaceHolder 3"/>
           <p:cNvSpPr>
             <a:spLocks noGrp="1"/>
           </p:cNvSpPr>
@@ -2175,8 +2157,8 @@
         </p:nvSpPr>
         <p:spPr>
           <a:xfrm>
-            <a:off x="6231960" y="1604520"/>
-            <a:ext cx="5354280" cy="1896840"/>
+            <a:off x="6226200" y="1825560"/>
+            <a:ext cx="5131080" cy="2075040"/>
           </a:xfrm>
           <a:prstGeom prst="rect">
             <a:avLst/>
@@ -2191,7 +2173,7 @@
       </p:sp>
       <p:sp>
         <p:nvSpPr>
-          <p:cNvPr id="20" name="PlaceHolder 4"/>
+          <p:cNvPr id="23" name="PlaceHolder 4"/>
           <p:cNvSpPr>
             <a:spLocks noGrp="1"/>
           </p:cNvSpPr>
@@ -2201,8 +2183,8 @@
         </p:nvSpPr>
         <p:spPr>
           <a:xfrm>
-            <a:off x="6231960" y="3682080"/>
-            <a:ext cx="5354280" cy="1896840"/>
+            <a:off x="6226200" y="4098240"/>
+            <a:ext cx="5131080" cy="2075040"/>
           </a:xfrm>
           <a:prstGeom prst="rect">
             <a:avLst/>
@@ -2239,7 +2221,7 @@
       </p:grpSpPr>
       <p:sp>
         <p:nvSpPr>
-          <p:cNvPr id="21" name="PlaceHolder 1"/>
+          <p:cNvPr id="24" name="PlaceHolder 1"/>
           <p:cNvSpPr>
             <a:spLocks noGrp="1"/>
           </p:cNvSpPr>
@@ -2249,8 +2231,8 @@
         </p:nvSpPr>
         <p:spPr>
           <a:xfrm>
-            <a:off x="609480" y="273600"/>
-            <a:ext cx="10972440" cy="1144800"/>
+            <a:off x="838080" y="365040"/>
+            <a:ext cx="10515240" cy="1325160"/>
           </a:xfrm>
           <a:prstGeom prst="rect">
             <a:avLst/>
@@ -2259,14 +2241,13 @@
         <p:txBody>
           <a:bodyPr lIns="0" rIns="0" tIns="0" bIns="0" anchor="ctr"/>
           <a:p>
-            <a:pPr algn="ctr"/>
-            <a:endParaRPr/>
-          </a:p>
-        </p:txBody>
-      </p:sp>
-      <p:sp>
-        <p:nvSpPr>
-          <p:cNvPr id="22" name="PlaceHolder 2"/>
+            <a:endParaRPr/>
+          </a:p>
+        </p:txBody>
+      </p:sp>
+      <p:sp>
+        <p:nvSpPr>
+          <p:cNvPr id="25" name="PlaceHolder 2"/>
           <p:cNvSpPr>
             <a:spLocks noGrp="1"/>
           </p:cNvSpPr>
@@ -2276,8 +2257,8 @@
         </p:nvSpPr>
         <p:spPr>
           <a:xfrm>
-            <a:off x="609480" y="1604520"/>
-            <a:ext cx="5354280" cy="1896840"/>
+            <a:off x="838080" y="1825560"/>
+            <a:ext cx="5131080" cy="2075040"/>
           </a:xfrm>
           <a:prstGeom prst="rect">
             <a:avLst/>
@@ -2292,7 +2273,7 @@
       </p:sp>
       <p:sp>
         <p:nvSpPr>
-          <p:cNvPr id="23" name="PlaceHolder 3"/>
+          <p:cNvPr id="26" name="PlaceHolder 3"/>
           <p:cNvSpPr>
             <a:spLocks noGrp="1"/>
           </p:cNvSpPr>
@@ -2302,8 +2283,8 @@
         </p:nvSpPr>
         <p:spPr>
           <a:xfrm>
-            <a:off x="6231960" y="1604520"/>
-            <a:ext cx="5354280" cy="1896840"/>
+            <a:off x="6226200" y="1825560"/>
+            <a:ext cx="5131080" cy="2075040"/>
           </a:xfrm>
           <a:prstGeom prst="rect">
             <a:avLst/>
@@ -2318,7 +2299,7 @@
       </p:sp>
       <p:sp>
         <p:nvSpPr>
-          <p:cNvPr id="24" name="PlaceHolder 4"/>
+          <p:cNvPr id="27" name="PlaceHolder 4"/>
           <p:cNvSpPr>
             <a:spLocks noGrp="1"/>
           </p:cNvSpPr>
@@ -2328,8 +2309,8 @@
         </p:nvSpPr>
         <p:spPr>
           <a:xfrm>
-            <a:off x="609480" y="3682080"/>
-            <a:ext cx="10972440" cy="1896840"/>
+            <a:off x="838080" y="4098240"/>
+            <a:ext cx="10515240" cy="2075040"/>
           </a:xfrm>
           <a:prstGeom prst="rect">
             <a:avLst/>
@@ -2384,7 +2365,7 @@
         <p:spPr>
           <a:xfrm>
             <a:off x="5143320" y="6245280"/>
-            <a:ext cx="1904400" cy="475560"/>
+            <a:ext cx="1904760" cy="475920"/>
           </a:xfrm>
           <a:prstGeom prst="rect">
             <a:avLst/>
@@ -2394,9 +2375,155 @@
           </a:ln>
         </p:spPr>
       </p:pic>
+      <p:sp>
+        <p:nvSpPr>
+          <p:cNvPr id="1" name="PlaceHolder 1"/>
+          <p:cNvSpPr>
+            <a:spLocks noGrp="1"/>
+          </p:cNvSpPr>
+          <p:nvPr>
+            <p:ph type="title"/>
+          </p:nvPr>
+        </p:nvSpPr>
+        <p:spPr>
+          <a:xfrm>
+            <a:off x="1523880" y="1763640"/>
+            <a:ext cx="9143640" cy="2065320"/>
+          </a:xfrm>
+          <a:prstGeom prst="rect">
+            <a:avLst/>
+          </a:prstGeom>
+        </p:spPr>
+        <p:txBody>
+          <a:bodyPr anchor="b"/>
+          <a:p>
+            <a:pPr algn="ctr">
+              <a:lnSpc>
+                <a:spcPct val="100000"/>
+              </a:lnSpc>
+            </a:pPr>
+            <a:r>
+              <a:rPr b="1" lang="en-US" sz="6000" strike="noStrike">
+                <a:solidFill>
+                  <a:srgbClr val="000000"/>
+                </a:solidFill>
+                <a:latin typeface="Quicksand"/>
+              </a:rPr>
+              <a:t>Click to edit the title text formatTitelmasterformat durch Klicken bearbeiten</a:t>
+            </a:r>
+            <a:endParaRPr/>
+          </a:p>
+        </p:txBody>
+      </p:sp>
+      <p:sp>
+        <p:nvSpPr>
+          <p:cNvPr id="2" name="PlaceHolder 2"/>
+          <p:cNvSpPr>
+            <a:spLocks noGrp="1"/>
+          </p:cNvSpPr>
+          <p:nvPr>
+            <p:ph type="dt"/>
+          </p:nvPr>
+        </p:nvSpPr>
+        <p:spPr>
+          <a:xfrm>
+            <a:off x="838080" y="6356520"/>
+            <a:ext cx="2742840" cy="364680"/>
+          </a:xfrm>
+          <a:prstGeom prst="rect">
+            <a:avLst/>
+          </a:prstGeom>
+        </p:spPr>
+        <p:txBody>
+          <a:bodyPr lIns="90000" rIns="90000" tIns="45000" bIns="45000"/>
+          <a:p>
+            <a:pPr>
+              <a:lnSpc>
+                <a:spcPct val="100000"/>
+              </a:lnSpc>
+            </a:pPr>
+            <a:r>
+              <a:rPr lang="en-US" strike="noStrike">
+                <a:solidFill>
+                  <a:srgbClr val="000000"/>
+                </a:solidFill>
+                <a:latin typeface="Quicksand"/>
+              </a:rPr>
+              <a:t>4/26/15</a:t>
+            </a:r>
+            <a:endParaRPr/>
+          </a:p>
+        </p:txBody>
+      </p:sp>
+      <p:sp>
+        <p:nvSpPr>
+          <p:cNvPr id="3" name="PlaceHolder 3"/>
+          <p:cNvSpPr>
+            <a:spLocks noGrp="1"/>
+          </p:cNvSpPr>
+          <p:nvPr>
+            <p:ph type="ftr"/>
+          </p:nvPr>
+        </p:nvSpPr>
+        <p:spPr>
+          <a:xfrm>
+            <a:off x="4038480" y="6356520"/>
+            <a:ext cx="4114440" cy="364680"/>
+          </a:xfrm>
+          <a:prstGeom prst="rect">
+            <a:avLst/>
+          </a:prstGeom>
+        </p:spPr>
+        <p:txBody>
+          <a:bodyPr lIns="90000" rIns="90000" tIns="45000" bIns="45000"/>
+          <a:p>
+            <a:endParaRPr/>
+          </a:p>
+        </p:txBody>
+      </p:sp>
+      <p:sp>
+        <p:nvSpPr>
+          <p:cNvPr id="4" name="PlaceHolder 4"/>
+          <p:cNvSpPr>
+            <a:spLocks noGrp="1"/>
+          </p:cNvSpPr>
+          <p:nvPr>
+            <p:ph type="sldNum"/>
+          </p:nvPr>
+        </p:nvSpPr>
+        <p:spPr>
+          <a:xfrm>
+            <a:off x="8610480" y="6356520"/>
+            <a:ext cx="2742840" cy="364680"/>
+          </a:xfrm>
+          <a:prstGeom prst="rect">
+            <a:avLst/>
+          </a:prstGeom>
+        </p:spPr>
+        <p:txBody>
+          <a:bodyPr lIns="90000" rIns="90000" tIns="45000" bIns="45000"/>
+          <a:p>
+            <a:pPr>
+              <a:lnSpc>
+                <a:spcPct val="100000"/>
+              </a:lnSpc>
+            </a:pPr>
+            <a:fld id="{354C394D-2119-4587-9C99-B46F6C2C20C4}" type="slidenum">
+              <a:rPr lang="en-US" strike="noStrike">
+                <a:solidFill>
+                  <a:srgbClr val="000000"/>
+                </a:solidFill>
+                <a:latin typeface="Quicksand"/>
+              </a:rPr>
+              <a:t>&lt;number&gt;</a:t>
+            </a:fld>
+            <a:endParaRPr/>
+          </a:p>
+        </p:txBody>
+      </p:sp>
       <p:pic>
         <p:nvPicPr>
-          <p:cNvPr id="1" name="Grafik 7" descr=""/>
+          <p:cNvPr id="5" name="Grafik 7" descr=""/>
           <p:cNvPicPr/>
           <p:nvPr/>
         </p:nvPicPr>
@@ -2407,7 +2534,7 @@
         <p:spPr>
           <a:xfrm>
             <a:off x="5143320" y="1019160"/>
-            <a:ext cx="1904400" cy="475560"/>
+            <a:ext cx="1904760" cy="475920"/>
           </a:xfrm>
           <a:prstGeom prst="rect">
             <a:avLst/>
@@ -2419,39 +2546,7 @@
       </p:pic>
       <p:sp>
         <p:nvSpPr>
-          <p:cNvPr id="2" name="PlaceHolder 1"/>
-          <p:cNvSpPr>
-            <a:spLocks noGrp="1"/>
-          </p:cNvSpPr>
-          <p:nvPr>
-            <p:ph type="title"/>
-          </p:nvPr>
-        </p:nvSpPr>
-        <p:spPr>
-          <a:xfrm>
-            <a:off x="838080" y="365040"/>
-            <a:ext cx="10514880" cy="1324800"/>
-          </a:xfrm>
-          <a:prstGeom prst="rect">
-            <a:avLst/>
-          </a:prstGeom>
-        </p:spPr>
-        <p:txBody>
-          <a:bodyPr lIns="0" rIns="0" tIns="0" bIns="0" anchor="ctr"/>
-          <a:p>
-            <a:r>
-              <a:rPr lang="en-US">
-                <a:latin typeface="Arial"/>
-              </a:rPr>
-              <a:t>Click to edit the title text format</a:t>
-            </a:r>
-            <a:endParaRPr/>
-          </a:p>
-        </p:txBody>
-      </p:sp>
-      <p:sp>
-        <p:nvSpPr>
-          <p:cNvPr id="3" name="PlaceHolder 2"/>
+          <p:cNvPr id="6" name="PlaceHolder 5"/>
           <p:cNvSpPr>
             <a:spLocks noGrp="1"/>
           </p:cNvSpPr>
@@ -2477,8 +2572,8 @@
               <a:buChar char=""/>
             </a:pPr>
             <a:r>
-              <a:rPr lang="en-US" sz="3200">
-                <a:latin typeface="Arial"/>
+              <a:rPr lang="en-US" sz="2800">
+                <a:latin typeface="Quicksand"/>
               </a:rPr>
               <a:t>Click to edit the outline text format</a:t>
             </a:r>
@@ -2491,8 +2586,8 @@
               <a:buChar char=""/>
             </a:pPr>
             <a:r>
-              <a:rPr lang="en-US" sz="2800">
-                <a:latin typeface="Arial"/>
+              <a:rPr lang="en-US" sz="2000">
+                <a:latin typeface="Quicksand"/>
               </a:rPr>
               <a:t>Second Outline Level</a:t>
             </a:r>
@@ -2505,8 +2600,8 @@
               <a:buChar char=""/>
             </a:pPr>
             <a:r>
-              <a:rPr lang="en-US" sz="2400">
-                <a:latin typeface="Arial"/>
+              <a:rPr lang="en-US">
+                <a:latin typeface="Quicksand"/>
               </a:rPr>
               <a:t>Third Outline Level</a:t>
             </a:r>
@@ -2519,8 +2614,8 @@
               <a:buChar char=""/>
             </a:pPr>
             <a:r>
-              <a:rPr lang="en-US" sz="2000">
-                <a:latin typeface="Arial"/>
+              <a:rPr lang="en-US">
+                <a:latin typeface="Quicksand"/>
               </a:rPr>
               <a:t>Fourth Outline Level</a:t>
             </a:r>
@@ -2534,7 +2629,7 @@
             </a:pPr>
             <a:r>
               <a:rPr lang="en-US" sz="2000">
-                <a:latin typeface="Arial"/>
+                <a:latin typeface="Quicksand"/>
               </a:rPr>
               <a:t>Fifth Outline Level</a:t>
             </a:r>
@@ -2548,7 +2643,7 @@
             </a:pPr>
             <a:r>
               <a:rPr lang="en-US" sz="2000">
-                <a:latin typeface="Arial"/>
+                <a:latin typeface="Quicksand"/>
               </a:rPr>
               <a:t>Sixth Outline Level</a:t>
             </a:r>
@@ -2562,7 +2657,7 @@
             </a:pPr>
             <a:r>
               <a:rPr lang="en-US" sz="2000">
-                <a:latin typeface="Arial"/>
+                <a:latin typeface="Quicksand"/>
               </a:rPr>
               <a:t>Seventh Outline Level</a:t>
             </a:r>
@@ -2616,7 +2711,7 @@
       </p:grpSpPr>
       <p:pic>
         <p:nvPicPr>
-          <p:cNvPr id="38" name="Grafik 3" descr=""/>
+          <p:cNvPr id="41" name="Grafik 3" descr=""/>
           <p:cNvPicPr/>
           <p:nvPr/>
         </p:nvPicPr>
@@ -2627,7 +2722,7 @@
         <p:spPr>
           <a:xfrm>
             <a:off x="5143320" y="6245280"/>
-            <a:ext cx="1904400" cy="475560"/>
+            <a:ext cx="1904760" cy="475920"/>
           </a:xfrm>
           <a:prstGeom prst="rect">
             <a:avLst/>
@@ -2639,7 +2734,7 @@
       </p:pic>
       <p:sp>
         <p:nvSpPr>
-          <p:cNvPr id="39" name="PlaceHolder 1"/>
+          <p:cNvPr id="42" name="PlaceHolder 1"/>
           <p:cNvSpPr>
             <a:spLocks noGrp="1"/>
           </p:cNvSpPr>
@@ -2649,22 +2744,29 @@
         </p:nvSpPr>
         <p:spPr>
           <a:xfrm>
-            <a:off x="609480" y="273600"/>
-            <a:ext cx="10972440" cy="1144800"/>
-          </a:xfrm>
-          <a:prstGeom prst="rect">
-            <a:avLst/>
-          </a:prstGeom>
-        </p:spPr>
-        <p:txBody>
-          <a:bodyPr lIns="0" rIns="0" tIns="0" bIns="0" anchor="ctr"/>
-          <a:p>
-            <a:pPr algn="ctr"/>
+            <a:off x="838080" y="365040"/>
+            <a:ext cx="10515240" cy="1325160"/>
+          </a:xfrm>
+          <a:prstGeom prst="rect">
+            <a:avLst/>
+          </a:prstGeom>
+        </p:spPr>
+        <p:txBody>
+          <a:bodyPr anchor="ctr"/>
+          <a:p>
+            <a:pPr algn="ctr">
+              <a:lnSpc>
+                <a:spcPct val="100000"/>
+              </a:lnSpc>
+            </a:pPr>
             <a:r>
-              <a:rPr lang="en-US" sz="4400">
-                <a:latin typeface="Arial"/>
+              <a:rPr b="1" lang="en-US" sz="4400" strike="noStrike">
+                <a:solidFill>
+                  <a:srgbClr val="000000"/>
+                </a:solidFill>
+                <a:latin typeface="Quicksand"/>
               </a:rPr>
-              <a:t>Click to edit the title text format</a:t>
+              <a:t>Click to edit the title text formatTitelmasterformat durch Klicken bearbeiten</a:t>
             </a:r>
             <a:endParaRPr/>
           </a:p>
@@ -2672,7 +2774,7 @@
       </p:sp>
       <p:sp>
         <p:nvSpPr>
-          <p:cNvPr id="40" name="PlaceHolder 2"/>
+          <p:cNvPr id="43" name="PlaceHolder 2"/>
           <p:cNvSpPr>
             <a:spLocks noGrp="1"/>
           </p:cNvSpPr>
@@ -2682,24 +2784,27 @@
         </p:nvSpPr>
         <p:spPr>
           <a:xfrm>
-            <a:off x="609480" y="1604520"/>
-            <a:ext cx="10972440" cy="3977280"/>
-          </a:xfrm>
-          <a:prstGeom prst="rect">
-            <a:avLst/>
-          </a:prstGeom>
-        </p:spPr>
-        <p:txBody>
-          <a:bodyPr lIns="0" rIns="0" tIns="0" bIns="0"/>
+            <a:off x="838080" y="1825560"/>
+            <a:ext cx="10515240" cy="4350960"/>
+          </a:xfrm>
+          <a:prstGeom prst="rect">
+            <a:avLst/>
+          </a:prstGeom>
+        </p:spPr>
+        <p:txBody>
+          <a:bodyPr/>
           <a:p>
             <a:pPr>
               <a:buSzPct val="45000"/>
               <a:buFont typeface="StarSymbol"/>
-              <a:buChar char=""/>
+              <a:buChar char=""/>
             </a:pPr>
             <a:r>
-              <a:rPr lang="en-US" sz="3200">
-                <a:latin typeface="Arial"/>
+              <a:rPr lang="en-US" sz="2800" strike="noStrike">
+                <a:solidFill>
+                  <a:srgbClr val="000000"/>
+                </a:solidFill>
+                <a:latin typeface="Quicksand"/>
               </a:rPr>
               <a:t>Click to edit the outline text format</a:t>
             </a:r>
@@ -2712,8 +2817,11 @@
               <a:buChar char=""/>
             </a:pPr>
             <a:r>
-              <a:rPr lang="en-US" sz="2800">
-                <a:latin typeface="Arial"/>
+              <a:rPr lang="en-US" sz="2800" strike="noStrike">
+                <a:solidFill>
+                  <a:srgbClr val="000000"/>
+                </a:solidFill>
+                <a:latin typeface="Quicksand"/>
               </a:rPr>
               <a:t>Second Outline Level</a:t>
             </a:r>
@@ -2726,8 +2834,11 @@
               <a:buChar char=""/>
             </a:pPr>
             <a:r>
-              <a:rPr lang="en-US" sz="2400">
-                <a:latin typeface="Arial"/>
+              <a:rPr lang="en-US" sz="2800" strike="noStrike">
+                <a:solidFill>
+                  <a:srgbClr val="000000"/>
+                </a:solidFill>
+                <a:latin typeface="Quicksand"/>
               </a:rPr>
               <a:t>Third Outline Level</a:t>
             </a:r>
@@ -2740,8 +2851,11 @@
               <a:buChar char=""/>
             </a:pPr>
             <a:r>
-              <a:rPr lang="en-US" sz="2000">
-                <a:latin typeface="Arial"/>
+              <a:rPr lang="en-US" sz="2800" strike="noStrike">
+                <a:solidFill>
+                  <a:srgbClr val="000000"/>
+                </a:solidFill>
+                <a:latin typeface="Quicksand"/>
               </a:rPr>
               <a:t>Fourth Outline Level</a:t>
             </a:r>
@@ -2754,8 +2868,11 @@
               <a:buChar char=""/>
             </a:pPr>
             <a:r>
-              <a:rPr lang="en-US" sz="2000">
-                <a:latin typeface="Arial"/>
+              <a:rPr lang="en-US" sz="2800" strike="noStrike">
+                <a:solidFill>
+                  <a:srgbClr val="000000"/>
+                </a:solidFill>
+                <a:latin typeface="Quicksand"/>
               </a:rPr>
               <a:t>Fifth Outline Level</a:t>
             </a:r>
@@ -2768,25 +2885,215 @@
               <a:buChar char=""/>
             </a:pPr>
             <a:r>
-              <a:rPr lang="en-US" sz="2000">
-                <a:latin typeface="Arial"/>
+              <a:rPr lang="en-US" sz="2800" strike="noStrike">
+                <a:solidFill>
+                  <a:srgbClr val="000000"/>
+                </a:solidFill>
+                <a:latin typeface="Quicksand"/>
               </a:rPr>
               <a:t>Sixth Outline Level</a:t>
             </a:r>
             <a:endParaRPr/>
           </a:p>
           <a:p>
-            <a:pPr lvl="6">
-              <a:buSzPct val="45000"/>
-              <a:buFont typeface="StarSymbol"/>
-              <a:buChar char=""/>
+            <a:pPr>
+              <a:lnSpc>
+                <a:spcPct val="100000"/>
+              </a:lnSpc>
+              <a:buFont typeface="Arial"/>
+              <a:buChar char="•"/>
             </a:pPr>
             <a:r>
-              <a:rPr lang="en-US" sz="2000">
-                <a:latin typeface="Arial"/>
+              <a:rPr lang="en-US" sz="2800" strike="noStrike">
+                <a:solidFill>
+                  <a:srgbClr val="000000"/>
+                </a:solidFill>
+                <a:latin typeface="Quicksand"/>
               </a:rPr>
-              <a:t>Seventh Outline Level</a:t>
+              <a:t>Seventh Outline LevelTextmasterformat bearbeiten</a:t>
             </a:r>
+            <a:endParaRPr/>
+          </a:p>
+          <a:p>
+            <a:pPr lvl="1">
+              <a:lnSpc>
+                <a:spcPct val="100000"/>
+              </a:lnSpc>
+              <a:buFont typeface="Arial"/>
+              <a:buChar char="•"/>
+            </a:pPr>
+            <a:r>
+              <a:rPr lang="en-US" sz="2400" strike="noStrike">
+                <a:solidFill>
+                  <a:srgbClr val="000000"/>
+                </a:solidFill>
+                <a:latin typeface="Quicksand"/>
+              </a:rPr>
+              <a:t>Zweite Ebene</a:t>
+            </a:r>
+            <a:endParaRPr/>
+          </a:p>
+          <a:p>
+            <a:pPr lvl="2">
+              <a:lnSpc>
+                <a:spcPct val="100000"/>
+              </a:lnSpc>
+              <a:buFont typeface="Arial"/>
+              <a:buChar char="•"/>
+            </a:pPr>
+            <a:r>
+              <a:rPr lang="en-US" sz="2000" strike="noStrike">
+                <a:solidFill>
+                  <a:srgbClr val="000000"/>
+                </a:solidFill>
+                <a:latin typeface="Quicksand"/>
+              </a:rPr>
+              <a:t>Dritte Ebene</a:t>
+            </a:r>
+            <a:endParaRPr/>
+          </a:p>
+          <a:p>
+            <a:pPr lvl="3">
+              <a:lnSpc>
+                <a:spcPct val="100000"/>
+              </a:lnSpc>
+              <a:buFont typeface="Arial"/>
+              <a:buChar char="•"/>
+            </a:pPr>
+            <a:r>
+              <a:rPr lang="en-US" strike="noStrike">
+                <a:solidFill>
+                  <a:srgbClr val="000000"/>
+                </a:solidFill>
+                <a:latin typeface="Quicksand"/>
+              </a:rPr>
+              <a:t>Vierte Ebene</a:t>
+            </a:r>
+            <a:endParaRPr/>
+          </a:p>
+          <a:p>
+            <a:pPr lvl="4">
+              <a:lnSpc>
+                <a:spcPct val="100000"/>
+              </a:lnSpc>
+              <a:buFont typeface="Arial"/>
+              <a:buChar char="•"/>
+            </a:pPr>
+            <a:r>
+              <a:rPr lang="en-US" strike="noStrike">
+                <a:solidFill>
+                  <a:srgbClr val="000000"/>
+                </a:solidFill>
+                <a:latin typeface="Quicksand"/>
+              </a:rPr>
+              <a:t>Fünfte Ebene</a:t>
+            </a:r>
+            <a:endParaRPr/>
+          </a:p>
+        </p:txBody>
+      </p:sp>
+      <p:sp>
+        <p:nvSpPr>
+          <p:cNvPr id="44" name="PlaceHolder 3"/>
+          <p:cNvSpPr>
+            <a:spLocks noGrp="1"/>
+          </p:cNvSpPr>
+          <p:nvPr>
+            <p:ph type="dt"/>
+          </p:nvPr>
+        </p:nvSpPr>
+        <p:spPr>
+          <a:xfrm>
+            <a:off x="838080" y="6356520"/>
+            <a:ext cx="1586160" cy="364680"/>
+          </a:xfrm>
+          <a:prstGeom prst="rect">
+            <a:avLst/>
+          </a:prstGeom>
+        </p:spPr>
+        <p:txBody>
+          <a:bodyPr lIns="90000" rIns="90000" tIns="45000" bIns="45000"/>
+          <a:p>
+            <a:pPr>
+              <a:lnSpc>
+                <a:spcPct val="100000"/>
+              </a:lnSpc>
+            </a:pPr>
+            <a:r>
+              <a:rPr lang="en-US" strike="noStrike">
+                <a:solidFill>
+                  <a:srgbClr val="000000"/>
+                </a:solidFill>
+                <a:latin typeface="Quicksand"/>
+              </a:rPr>
+              <a:t>4/26/15</a:t>
+            </a:r>
+            <a:endParaRPr/>
+          </a:p>
+        </p:txBody>
+      </p:sp>
+      <p:sp>
+        <p:nvSpPr>
+          <p:cNvPr id="45" name="PlaceHolder 4"/>
+          <p:cNvSpPr>
+            <a:spLocks noGrp="1"/>
+          </p:cNvSpPr>
+          <p:nvPr>
+            <p:ph type="ftr"/>
+          </p:nvPr>
+        </p:nvSpPr>
+        <p:spPr>
+          <a:xfrm>
+            <a:off x="7622640" y="6356520"/>
+            <a:ext cx="3031200" cy="364680"/>
+          </a:xfrm>
+          <a:prstGeom prst="rect">
+            <a:avLst/>
+          </a:prstGeom>
+        </p:spPr>
+        <p:txBody>
+          <a:bodyPr lIns="90000" rIns="90000" tIns="45000" bIns="45000"/>
+          <a:p>
+            <a:endParaRPr/>
+          </a:p>
+        </p:txBody>
+      </p:sp>
+      <p:sp>
+        <p:nvSpPr>
+          <p:cNvPr id="46" name="PlaceHolder 5"/>
+          <p:cNvSpPr>
+            <a:spLocks noGrp="1"/>
+          </p:cNvSpPr>
+          <p:nvPr>
+            <p:ph type="sldNum"/>
+          </p:nvPr>
+        </p:nvSpPr>
+        <p:spPr>
+          <a:xfrm>
+            <a:off x="10760400" y="6356520"/>
+            <a:ext cx="592920" cy="364680"/>
+          </a:xfrm>
+          <a:prstGeom prst="rect">
+            <a:avLst/>
+          </a:prstGeom>
+        </p:spPr>
+        <p:txBody>
+          <a:bodyPr lIns="90000" rIns="90000" tIns="45000" bIns="45000"/>
+          <a:p>
+            <a:pPr>
+              <a:lnSpc>
+                <a:spcPct val="100000"/>
+              </a:lnSpc>
+            </a:pPr>
+            <a:fld id="{4830AF07-60ED-4288-88DE-AA58029DF263}" type="slidenum">
+              <a:rPr lang="en-US" strike="noStrike">
+                <a:solidFill>
+                  <a:srgbClr val="000000"/>
+                </a:solidFill>
+                <a:latin typeface="Quicksand"/>
+              </a:rPr>
+              <a:t>&lt;number&gt;</a:t>
+            </a:fld>
             <a:endParaRPr/>
           </a:p>
         </p:txBody>
@@ -2830,14 +3137,14 @@
       </p:grpSpPr>
       <p:sp>
         <p:nvSpPr>
-          <p:cNvPr id="75" name="CustomShape 1"/>
-          <p:cNvSpPr/>
+          <p:cNvPr id="81" name="TextShape 1"/>
+          <p:cNvSpPr txBox="1"/>
           <p:nvPr/>
         </p:nvSpPr>
         <p:spPr>
           <a:xfrm>
             <a:off x="1523880" y="1763640"/>
-            <a:ext cx="9143280" cy="2064960"/>
+            <a:ext cx="9143640" cy="2065320"/>
           </a:xfrm>
           <a:prstGeom prst="rect">
             <a:avLst/>
@@ -2847,14 +3154,8 @@
             <a:noFill/>
           </a:ln>
         </p:spPr>
-        <p:style>
-          <a:lnRef idx="0"/>
-          <a:fillRef idx="0"/>
-          <a:effectRef idx="0"/>
-          <a:fontRef idx="minor"/>
-        </p:style>
-        <p:txBody>
-          <a:bodyPr lIns="90000" rIns="90000" tIns="45000" bIns="45000" anchor="b"/>
+        <p:txBody>
+          <a:bodyPr anchor="b"/>
           <a:p>
             <a:pPr algn="ctr">
               <a:lnSpc>
@@ -2876,14 +3177,14 @@
       </p:sp>
       <p:sp>
         <p:nvSpPr>
-          <p:cNvPr id="76" name="CustomShape 2"/>
-          <p:cNvSpPr/>
+          <p:cNvPr id="82" name="TextShape 2"/>
+          <p:cNvSpPr txBox="1"/>
           <p:nvPr/>
         </p:nvSpPr>
         <p:spPr>
           <a:xfrm>
             <a:off x="1523880" y="3888360"/>
-            <a:ext cx="9143280" cy="1428120"/>
+            <a:ext cx="9143640" cy="1428480"/>
           </a:xfrm>
           <a:prstGeom prst="rect">
             <a:avLst/>
@@ -2893,12 +3194,13 @@
             <a:noFill/>
           </a:ln>
         </p:spPr>
-        <p:style>
-          <a:lnRef idx="0"/>
-          <a:fillRef idx="0"/>
-          <a:effectRef idx="0"/>
-          <a:fontRef idx="minor"/>
-        </p:style>
+        <p:txBody>
+          <a:bodyPr/>
+          <a:p>
+            <a:pPr algn="ctr"/>
+            <a:endParaRPr/>
+          </a:p>
+        </p:txBody>
       </p:sp>
     </p:spTree>
   </p:cSld>
@@ -2951,14 +3253,14 @@
       </p:grpSpPr>
       <p:sp>
         <p:nvSpPr>
-          <p:cNvPr id="93" name="CustomShape 1"/>
-          <p:cNvSpPr/>
+          <p:cNvPr id="99" name="TextShape 1"/>
+          <p:cNvSpPr txBox="1"/>
           <p:nvPr/>
         </p:nvSpPr>
         <p:spPr>
           <a:xfrm>
             <a:off x="0" y="0"/>
-            <a:ext cx="12191400" cy="1324800"/>
+            <a:ext cx="12191760" cy="1325160"/>
           </a:xfrm>
           <a:prstGeom prst="rect">
             <a:avLst/>
@@ -2968,14 +3270,8 @@
             <a:noFill/>
           </a:ln>
         </p:spPr>
-        <p:style>
-          <a:lnRef idx="0"/>
-          <a:fillRef idx="0"/>
-          <a:effectRef idx="0"/>
-          <a:fontRef idx="minor"/>
-        </p:style>
-        <p:txBody>
-          <a:bodyPr lIns="90000" rIns="90000" tIns="45000" bIns="45000" anchor="ctr"/>
+        <p:txBody>
+          <a:bodyPr anchor="ctr"/>
           <a:p>
             <a:pPr algn="ctr">
               <a:lnSpc>
@@ -2997,7 +3293,7 @@
       </p:sp>
       <p:pic>
         <p:nvPicPr>
-          <p:cNvPr id="94" name="Inhaltsplatzhalter 3" descr=""/>
+          <p:cNvPr id="100" name="Inhaltsplatzhalter 3" descr=""/>
           <p:cNvPicPr/>
           <p:nvPr/>
         </p:nvPicPr>
@@ -3008,7 +3304,7 @@
         <p:spPr>
           <a:xfrm>
             <a:off x="852120" y="1283040"/>
-            <a:ext cx="10556640" cy="5005800"/>
+            <a:ext cx="10557000" cy="5006160"/>
           </a:xfrm>
           <a:prstGeom prst="rect">
             <a:avLst/>
@@ -3069,14 +3365,14 @@
       </p:grpSpPr>
       <p:sp>
         <p:nvSpPr>
-          <p:cNvPr id="95" name="CustomShape 1"/>
-          <p:cNvSpPr/>
+          <p:cNvPr id="101" name="TextShape 1"/>
+          <p:cNvSpPr txBox="1"/>
           <p:nvPr/>
         </p:nvSpPr>
         <p:spPr>
           <a:xfrm>
             <a:off x="0" y="0"/>
-            <a:ext cx="12191400" cy="1324800"/>
+            <a:ext cx="12191760" cy="1325160"/>
           </a:xfrm>
           <a:prstGeom prst="rect">
             <a:avLst/>
@@ -3086,14 +3382,8 @@
             <a:noFill/>
           </a:ln>
         </p:spPr>
-        <p:style>
-          <a:lnRef idx="0"/>
-          <a:fillRef idx="0"/>
-          <a:effectRef idx="0"/>
-          <a:fontRef idx="minor"/>
-        </p:style>
-        <p:txBody>
-          <a:bodyPr lIns="90000" rIns="90000" tIns="45000" bIns="45000" anchor="ctr"/>
+        <p:txBody>
+          <a:bodyPr anchor="ctr"/>
           <a:p>
             <a:pPr algn="ctr">
               <a:lnSpc>
@@ -3115,7 +3405,7 @@
       </p:sp>
       <p:pic>
         <p:nvPicPr>
-          <p:cNvPr id="96" name="Inhaltsplatzhalter 3" descr=""/>
+          <p:cNvPr id="102" name="Inhaltsplatzhalter 3" descr=""/>
           <p:cNvPicPr/>
           <p:nvPr/>
         </p:nvPicPr>
@@ -3126,7 +3416,7 @@
         <p:spPr>
           <a:xfrm>
             <a:off x="846000" y="1285920"/>
-            <a:ext cx="10508040" cy="5007960"/>
+            <a:ext cx="10508400" cy="5008320"/>
           </a:xfrm>
           <a:prstGeom prst="rect">
             <a:avLst/>
@@ -3187,14 +3477,14 @@
       </p:grpSpPr>
       <p:sp>
         <p:nvSpPr>
-          <p:cNvPr id="97" name="CustomShape 1"/>
-          <p:cNvSpPr/>
+          <p:cNvPr id="103" name="TextShape 1"/>
+          <p:cNvSpPr txBox="1"/>
           <p:nvPr/>
         </p:nvSpPr>
         <p:spPr>
           <a:xfrm>
             <a:off x="0" y="0"/>
-            <a:ext cx="12191400" cy="1324800"/>
+            <a:ext cx="12191760" cy="1325160"/>
           </a:xfrm>
           <a:prstGeom prst="rect">
             <a:avLst/>
@@ -3204,14 +3494,8 @@
             <a:noFill/>
           </a:ln>
         </p:spPr>
-        <p:style>
-          <a:lnRef idx="0"/>
-          <a:fillRef idx="0"/>
-          <a:effectRef idx="0"/>
-          <a:fontRef idx="minor"/>
-        </p:style>
-        <p:txBody>
-          <a:bodyPr lIns="90000" rIns="90000" tIns="45000" bIns="45000" anchor="ctr"/>
+        <p:txBody>
+          <a:bodyPr anchor="ctr"/>
           <a:p>
             <a:pPr algn="ctr">
               <a:lnSpc>
@@ -3233,7 +3517,7 @@
       </p:sp>
       <p:pic>
         <p:nvPicPr>
-          <p:cNvPr id="98" name="Inhaltsplatzhalter 3" descr=""/>
+          <p:cNvPr id="104" name="Inhaltsplatzhalter 3" descr=""/>
           <p:cNvPicPr/>
           <p:nvPr/>
         </p:nvPicPr>
@@ -3244,7 +3528,7 @@
         <p:spPr>
           <a:xfrm>
             <a:off x="849600" y="1283040"/>
-            <a:ext cx="10532160" cy="5027400"/>
+            <a:ext cx="10532520" cy="5027760"/>
           </a:xfrm>
           <a:prstGeom prst="rect">
             <a:avLst/>
@@ -3305,14 +3589,14 @@
       </p:grpSpPr>
       <p:sp>
         <p:nvSpPr>
-          <p:cNvPr id="99" name="CustomShape 1"/>
-          <p:cNvSpPr/>
+          <p:cNvPr id="105" name="TextShape 1"/>
+          <p:cNvSpPr txBox="1"/>
           <p:nvPr/>
         </p:nvSpPr>
         <p:spPr>
           <a:xfrm>
             <a:off x="0" y="0"/>
-            <a:ext cx="12191400" cy="1324800"/>
+            <a:ext cx="12191760" cy="1325160"/>
           </a:xfrm>
           <a:prstGeom prst="rect">
             <a:avLst/>
@@ -3322,14 +3606,8 @@
             <a:noFill/>
           </a:ln>
         </p:spPr>
-        <p:style>
-          <a:lnRef idx="0"/>
-          <a:fillRef idx="0"/>
-          <a:effectRef idx="0"/>
-          <a:fontRef idx="minor"/>
-        </p:style>
-        <p:txBody>
-          <a:bodyPr lIns="90000" rIns="90000" tIns="45000" bIns="45000" anchor="ctr"/>
+        <p:txBody>
+          <a:bodyPr anchor="ctr"/>
           <a:p>
             <a:pPr algn="ctr">
               <a:lnSpc>
@@ -3351,7 +3629,7 @@
       </p:sp>
       <p:pic>
         <p:nvPicPr>
-          <p:cNvPr id="100" name="Inhaltsplatzhalter 3" descr=""/>
+          <p:cNvPr id="106" name="Inhaltsplatzhalter 3" descr=""/>
           <p:cNvPicPr/>
           <p:nvPr/>
         </p:nvPicPr>
@@ -3362,7 +3640,7 @@
         <p:spPr>
           <a:xfrm>
             <a:off x="1009800" y="1289160"/>
-            <a:ext cx="10166760" cy="5030280"/>
+            <a:ext cx="10167120" cy="5030640"/>
           </a:xfrm>
           <a:prstGeom prst="rect">
             <a:avLst/>
@@ -3423,14 +3701,14 @@
       </p:grpSpPr>
       <p:sp>
         <p:nvSpPr>
-          <p:cNvPr id="101" name="CustomShape 1"/>
-          <p:cNvSpPr/>
+          <p:cNvPr id="107" name="TextShape 1"/>
+          <p:cNvSpPr txBox="1"/>
           <p:nvPr/>
         </p:nvSpPr>
         <p:spPr>
           <a:xfrm>
             <a:off x="0" y="0"/>
-            <a:ext cx="12191400" cy="1324800"/>
+            <a:ext cx="12191760" cy="1325160"/>
           </a:xfrm>
           <a:prstGeom prst="rect">
             <a:avLst/>
@@ -3440,14 +3718,8 @@
             <a:noFill/>
           </a:ln>
         </p:spPr>
-        <p:style>
-          <a:lnRef idx="0"/>
-          <a:fillRef idx="0"/>
-          <a:effectRef idx="0"/>
-          <a:fontRef idx="minor"/>
-        </p:style>
-        <p:txBody>
-          <a:bodyPr lIns="90000" rIns="90000" tIns="45000" bIns="45000" anchor="ctr"/>
+        <p:txBody>
+          <a:bodyPr anchor="ctr"/>
           <a:p>
             <a:pPr algn="ctr">
               <a:lnSpc>
@@ -3469,7 +3741,7 @@
       </p:sp>
       <p:pic>
         <p:nvPicPr>
-          <p:cNvPr id="102" name="Inhaltsplatzhalter 3" descr=""/>
+          <p:cNvPr id="108" name="Inhaltsplatzhalter 3" descr=""/>
           <p:cNvPicPr/>
           <p:nvPr/>
         </p:nvPicPr>
@@ -3480,7 +3752,7 @@
         <p:spPr>
           <a:xfrm>
             <a:off x="963000" y="1283040"/>
-            <a:ext cx="10241280" cy="5048280"/>
+            <a:ext cx="10241640" cy="5048640"/>
           </a:xfrm>
           <a:prstGeom prst="rect">
             <a:avLst/>
@@ -3541,14 +3813,14 @@
       </p:grpSpPr>
       <p:sp>
         <p:nvSpPr>
-          <p:cNvPr id="103" name="CustomShape 1"/>
-          <p:cNvSpPr/>
+          <p:cNvPr id="109" name="TextShape 1"/>
+          <p:cNvSpPr txBox="1"/>
           <p:nvPr/>
         </p:nvSpPr>
         <p:spPr>
           <a:xfrm>
             <a:off x="0" y="0"/>
-            <a:ext cx="12191400" cy="1324800"/>
+            <a:ext cx="12191760" cy="1325160"/>
           </a:xfrm>
           <a:prstGeom prst="rect">
             <a:avLst/>
@@ -3558,14 +3830,8 @@
             <a:noFill/>
           </a:ln>
         </p:spPr>
-        <p:style>
-          <a:lnRef idx="0"/>
-          <a:fillRef idx="0"/>
-          <a:effectRef idx="0"/>
-          <a:fontRef idx="minor"/>
-        </p:style>
-        <p:txBody>
-          <a:bodyPr lIns="90000" rIns="90000" tIns="45000" bIns="45000" anchor="ctr"/>
+        <p:txBody>
+          <a:bodyPr anchor="ctr"/>
           <a:p>
             <a:pPr algn="ctr">
               <a:lnSpc>
@@ -3587,7 +3853,7 @@
       </p:sp>
       <p:pic>
         <p:nvPicPr>
-          <p:cNvPr id="104" name="Picture 2" descr=""/>
+          <p:cNvPr id="110" name="Inhaltsplatzhalter 3" descr=""/>
           <p:cNvPicPr/>
           <p:nvPr/>
         </p:nvPicPr>
@@ -3597,8 +3863,8 @@
         </p:blipFill>
         <p:spPr>
           <a:xfrm>
-            <a:off x="1623960" y="1253880"/>
-            <a:ext cx="8952120" cy="5056200"/>
+            <a:off x="963000" y="1374120"/>
+            <a:ext cx="10241640" cy="4865760"/>
           </a:xfrm>
           <a:prstGeom prst="rect">
             <a:avLst/>
@@ -3659,14 +3925,14 @@
       </p:grpSpPr>
       <p:sp>
         <p:nvSpPr>
-          <p:cNvPr id="105" name="CustomShape 1"/>
-          <p:cNvSpPr/>
+          <p:cNvPr id="111" name="TextShape 1"/>
+          <p:cNvSpPr txBox="1"/>
           <p:nvPr/>
         </p:nvSpPr>
         <p:spPr>
           <a:xfrm>
             <a:off x="0" y="0"/>
-            <a:ext cx="12191400" cy="1324800"/>
+            <a:ext cx="12191760" cy="1325160"/>
           </a:xfrm>
           <a:prstGeom prst="rect">
             <a:avLst/>
@@ -3676,14 +3942,8 @@
             <a:noFill/>
           </a:ln>
         </p:spPr>
-        <p:style>
-          <a:lnRef idx="0"/>
-          <a:fillRef idx="0"/>
-          <a:effectRef idx="0"/>
-          <a:fontRef idx="minor"/>
-        </p:style>
-        <p:txBody>
-          <a:bodyPr lIns="90000" rIns="90000" tIns="45000" bIns="45000" anchor="ctr"/>
+        <p:txBody>
+          <a:bodyPr anchor="ctr"/>
           <a:p>
             <a:pPr algn="ctr">
               <a:lnSpc>
@@ -3705,7 +3965,7 @@
       </p:sp>
       <p:pic>
         <p:nvPicPr>
-          <p:cNvPr id="106" name="Picture 2" descr=""/>
+          <p:cNvPr id="112" name="Picture 2" descr=""/>
           <p:cNvPicPr/>
           <p:nvPr/>
         </p:nvPicPr>
@@ -3715,8 +3975,8 @@
         </p:blipFill>
         <p:spPr>
           <a:xfrm>
-            <a:off x="1626840" y="1250640"/>
-            <a:ext cx="8949600" cy="5054400"/>
+            <a:off x="1623960" y="1253880"/>
+            <a:ext cx="8952480" cy="5056560"/>
           </a:xfrm>
           <a:prstGeom prst="rect">
             <a:avLst/>
@@ -3777,14 +4037,14 @@
       </p:grpSpPr>
       <p:sp>
         <p:nvSpPr>
-          <p:cNvPr id="107" name="CustomShape 1"/>
-          <p:cNvSpPr/>
+          <p:cNvPr id="113" name="TextShape 1"/>
+          <p:cNvSpPr txBox="1"/>
           <p:nvPr/>
         </p:nvSpPr>
         <p:spPr>
           <a:xfrm>
             <a:off x="0" y="0"/>
-            <a:ext cx="12191400" cy="1324800"/>
+            <a:ext cx="12191760" cy="1325160"/>
           </a:xfrm>
           <a:prstGeom prst="rect">
             <a:avLst/>
@@ -3794,14 +4054,8 @@
             <a:noFill/>
           </a:ln>
         </p:spPr>
-        <p:style>
-          <a:lnRef idx="0"/>
-          <a:fillRef idx="0"/>
-          <a:effectRef idx="0"/>
-          <a:fontRef idx="minor"/>
-        </p:style>
-        <p:txBody>
-          <a:bodyPr lIns="90000" rIns="90000" tIns="45000" bIns="45000" anchor="ctr"/>
+        <p:txBody>
+          <a:bodyPr anchor="ctr"/>
           <a:p>
             <a:pPr algn="ctr">
               <a:lnSpc>
@@ -3823,7 +4077,7 @@
       </p:sp>
       <p:pic>
         <p:nvPicPr>
-          <p:cNvPr id="108" name="Picture 2" descr=""/>
+          <p:cNvPr id="114" name="Picture 2" descr=""/>
           <p:cNvPicPr/>
           <p:nvPr/>
         </p:nvPicPr>
@@ -3833,8 +4087,8 @@
         </p:blipFill>
         <p:spPr>
           <a:xfrm>
-            <a:off x="1623960" y="1249920"/>
-            <a:ext cx="8952120" cy="5056200"/>
+            <a:off x="1626840" y="1250640"/>
+            <a:ext cx="8949960" cy="5054760"/>
           </a:xfrm>
           <a:prstGeom prst="rect">
             <a:avLst/>
@@ -3895,14 +4149,14 @@
       </p:grpSpPr>
       <p:sp>
         <p:nvSpPr>
-          <p:cNvPr id="109" name="CustomShape 1"/>
-          <p:cNvSpPr/>
+          <p:cNvPr id="115" name="TextShape 1"/>
+          <p:cNvSpPr txBox="1"/>
           <p:nvPr/>
         </p:nvSpPr>
         <p:spPr>
           <a:xfrm>
             <a:off x="0" y="0"/>
-            <a:ext cx="12191400" cy="1324800"/>
+            <a:ext cx="12191760" cy="1325160"/>
           </a:xfrm>
           <a:prstGeom prst="rect">
             <a:avLst/>
@@ -3912,14 +4166,8 @@
             <a:noFill/>
           </a:ln>
         </p:spPr>
-        <p:style>
-          <a:lnRef idx="0"/>
-          <a:fillRef idx="0"/>
-          <a:effectRef idx="0"/>
-          <a:fontRef idx="minor"/>
-        </p:style>
-        <p:txBody>
-          <a:bodyPr lIns="90000" rIns="90000" tIns="45000" bIns="45000" anchor="ctr"/>
+        <p:txBody>
+          <a:bodyPr anchor="ctr"/>
           <a:p>
             <a:pPr algn="ctr">
               <a:lnSpc>
@@ -3941,7 +4189,7 @@
       </p:sp>
       <p:pic>
         <p:nvPicPr>
-          <p:cNvPr id="110" name="Picture 2" descr=""/>
+          <p:cNvPr id="116" name="Picture 2" descr=""/>
           <p:cNvPicPr/>
           <p:nvPr/>
         </p:nvPicPr>
@@ -3951,8 +4199,8 @@
         </p:blipFill>
         <p:spPr>
           <a:xfrm>
-            <a:off x="1627200" y="1253880"/>
-            <a:ext cx="8949240" cy="5054400"/>
+            <a:off x="1623960" y="1249920"/>
+            <a:ext cx="8952480" cy="5056560"/>
           </a:xfrm>
           <a:prstGeom prst="rect">
             <a:avLst/>
@@ -4013,14 +4261,14 @@
       </p:grpSpPr>
       <p:sp>
         <p:nvSpPr>
-          <p:cNvPr id="111" name="CustomShape 1"/>
-          <p:cNvSpPr/>
+          <p:cNvPr id="117" name="TextShape 1"/>
+          <p:cNvSpPr txBox="1"/>
           <p:nvPr/>
         </p:nvSpPr>
         <p:spPr>
           <a:xfrm>
-            <a:off x="838080" y="365040"/>
-            <a:ext cx="10514880" cy="1324800"/>
+            <a:off x="0" y="0"/>
+            <a:ext cx="12191760" cy="1325160"/>
           </a:xfrm>
           <a:prstGeom prst="rect">
             <a:avLst/>
@@ -4030,14 +4278,8 @@
             <a:noFill/>
           </a:ln>
         </p:spPr>
-        <p:style>
-          <a:lnRef idx="0"/>
-          <a:fillRef idx="0"/>
-          <a:effectRef idx="0"/>
-          <a:fontRef idx="minor"/>
-        </p:style>
-        <p:txBody>
-          <a:bodyPr lIns="90000" rIns="90000" tIns="45000" bIns="45000" anchor="ctr"/>
+        <p:txBody>
+          <a:bodyPr anchor="ctr"/>
           <a:p>
             <a:pPr algn="ctr">
               <a:lnSpc>
@@ -4051,187 +4293,15 @@
                 </a:solidFill>
                 <a:latin typeface="Quicksand"/>
               </a:rPr>
-              <a:t>Server</a:t>
+              <a:t>Live-Demo</a:t>
             </a:r>
             <a:endParaRPr/>
           </a:p>
         </p:txBody>
-      </p:sp>
-      <p:sp>
-        <p:nvSpPr>
-          <p:cNvPr id="112" name="CustomShape 2"/>
-          <p:cNvSpPr/>
-          <p:nvPr/>
-        </p:nvSpPr>
-        <p:spPr>
-          <a:xfrm>
-            <a:off x="838080" y="1825560"/>
-            <a:ext cx="10514880" cy="4350600"/>
-          </a:xfrm>
-          <a:prstGeom prst="rect">
-            <a:avLst/>
-          </a:prstGeom>
-          <a:noFill/>
-          <a:ln>
-            <a:noFill/>
-          </a:ln>
-        </p:spPr>
-        <p:style>
-          <a:lnRef idx="0"/>
-          <a:fillRef idx="0"/>
-          <a:effectRef idx="0"/>
-          <a:fontRef idx="minor"/>
-        </p:style>
-        <p:txBody>
-          <a:bodyPr lIns="90000" rIns="90000" tIns="45000" bIns="45000"/>
-          <a:p>
-            <a:pPr>
-              <a:lnSpc>
-                <a:spcPct val="90000"/>
-              </a:lnSpc>
-              <a:buFont typeface="Arial"/>
-              <a:buChar char="•"/>
-            </a:pPr>
-            <a:endParaRPr/>
-          </a:p>
-          <a:p>
-            <a:pPr>
-              <a:lnSpc>
-                <a:spcPct val="90000"/>
-              </a:lnSpc>
-              <a:buFont typeface="Arial"/>
-              <a:buChar char="•"/>
-            </a:pPr>
-            <a:r>
-              <a:rPr lang="en-US" sz="2800" strike="noStrike">
-                <a:solidFill>
-                  <a:srgbClr val="000000"/>
-                </a:solidFill>
-                <a:latin typeface="Quicksand"/>
-              </a:rPr>
-              <a:t>Debian</a:t>
-            </a:r>
-            <a:endParaRPr/>
-          </a:p>
-          <a:p>
-            <a:pPr>
-              <a:lnSpc>
-                <a:spcPct val="90000"/>
-              </a:lnSpc>
-              <a:buFont typeface="Arial"/>
-              <a:buChar char="•"/>
-            </a:pPr>
-            <a:endParaRPr/>
-          </a:p>
-          <a:p>
-            <a:pPr>
-              <a:lnSpc>
-                <a:spcPct val="90000"/>
-              </a:lnSpc>
-              <a:buFont typeface="Arial"/>
-              <a:buChar char="•"/>
-            </a:pPr>
-            <a:r>
-              <a:rPr lang="en-US" sz="2800" strike="noStrike">
-                <a:solidFill>
-                  <a:srgbClr val="000000"/>
-                </a:solidFill>
-                <a:latin typeface="Quicksand"/>
-              </a:rPr>
-              <a:t>Apache HTTP-Server</a:t>
-            </a:r>
-            <a:endParaRPr/>
-          </a:p>
-          <a:p>
-            <a:pPr>
-              <a:lnSpc>
-                <a:spcPct val="90000"/>
-              </a:lnSpc>
-            </a:pPr>
-            <a:endParaRPr/>
-          </a:p>
-          <a:p>
-            <a:pPr>
-              <a:lnSpc>
-                <a:spcPct val="90000"/>
-              </a:lnSpc>
-              <a:buFont typeface="Arial"/>
-              <a:buChar char="•"/>
-            </a:pPr>
-            <a:r>
-              <a:rPr lang="en-US" sz="2800" strike="noStrike">
-                <a:solidFill>
-                  <a:srgbClr val="000000"/>
-                </a:solidFill>
-                <a:latin typeface="Quicksand"/>
-              </a:rPr>
-              <a:t>MySQL-Server</a:t>
-            </a:r>
-            <a:endParaRPr/>
-          </a:p>
-          <a:p>
-            <a:pPr>
-              <a:lnSpc>
-                <a:spcPct val="90000"/>
-              </a:lnSpc>
-            </a:pPr>
-            <a:endParaRPr/>
-          </a:p>
-          <a:p>
-            <a:pPr>
-              <a:lnSpc>
-                <a:spcPct val="90000"/>
-              </a:lnSpc>
-              <a:buFont typeface="Arial"/>
-              <a:buChar char="•"/>
-            </a:pPr>
-            <a:r>
-              <a:rPr lang="en-US" sz="2800" strike="noStrike">
-                <a:solidFill>
-                  <a:srgbClr val="000000"/>
-                </a:solidFill>
-                <a:latin typeface="Quicksand"/>
-              </a:rPr>
-              <a:t>phpMyAdmin</a:t>
-            </a:r>
-            <a:endParaRPr/>
-          </a:p>
-        </p:txBody>
-      </p:sp>
-      <p:sp>
-        <p:nvSpPr>
-          <p:cNvPr id="113" name="CustomShape 3"/>
-          <p:cNvSpPr/>
-          <p:nvPr/>
-        </p:nvSpPr>
-        <p:spPr>
-          <a:xfrm>
-            <a:off x="8713440" y="2802240"/>
-            <a:ext cx="1005120" cy="1005840"/>
-          </a:xfrm>
-          <a:prstGeom prst="ellipse">
-            <a:avLst/>
-          </a:prstGeom>
-          <a:solidFill>
-            <a:srgbClr val="e6e6ff"/>
-          </a:solidFill>
-          <a:ln w="29160">
-            <a:solidFill>
-              <a:srgbClr val="000000"/>
-            </a:solidFill>
-            <a:round/>
-          </a:ln>
-        </p:spPr>
-        <p:style>
-          <a:lnRef idx="0"/>
-          <a:fillRef idx="0"/>
-          <a:effectRef idx="0"/>
-          <a:fontRef idx="minor"/>
-        </p:style>
       </p:sp>
       <p:pic>
         <p:nvPicPr>
-          <p:cNvPr id="114" name="" descr=""/>
+          <p:cNvPr id="118" name="Picture 2" descr=""/>
           <p:cNvPicPr/>
           <p:nvPr/>
         </p:nvPicPr>
@@ -4241,170 +4311,8 @@
         </p:blipFill>
         <p:spPr>
           <a:xfrm>
-            <a:off x="8951760" y="3040560"/>
-            <a:ext cx="456840" cy="545400"/>
-          </a:xfrm>
-          <a:prstGeom prst="rect">
-            <a:avLst/>
-          </a:prstGeom>
-          <a:ln>
-            <a:noFill/>
-          </a:ln>
-        </p:spPr>
-      </p:pic>
-      <p:sp>
-        <p:nvSpPr>
-          <p:cNvPr id="115" name="CustomShape 4"/>
-          <p:cNvSpPr/>
-          <p:nvPr/>
-        </p:nvSpPr>
-        <p:spPr>
-          <a:xfrm>
-            <a:off x="7498080" y="3527280"/>
-            <a:ext cx="1005120" cy="1005840"/>
-          </a:xfrm>
-          <a:prstGeom prst="ellipse">
-            <a:avLst/>
-          </a:prstGeom>
-          <a:solidFill>
-            <a:srgbClr val="e6e6ff"/>
-          </a:solidFill>
-          <a:ln w="29160">
-            <a:solidFill>
-              <a:srgbClr val="000000"/>
-            </a:solidFill>
-            <a:round/>
-          </a:ln>
-        </p:spPr>
-        <p:style>
-          <a:lnRef idx="0"/>
-          <a:fillRef idx="0"/>
-          <a:effectRef idx="0"/>
-          <a:fontRef idx="minor"/>
-        </p:style>
-      </p:sp>
-      <p:pic>
-        <p:nvPicPr>
-          <p:cNvPr id="116" name="" descr=""/>
-          <p:cNvPicPr/>
-          <p:nvPr/>
-        </p:nvPicPr>
-        <p:blipFill>
-          <a:blip r:embed="rId2"/>
-          <a:stretch/>
-        </p:blipFill>
-        <p:spPr>
-          <a:xfrm>
-            <a:off x="7644240" y="3618000"/>
-            <a:ext cx="808560" cy="900360"/>
-          </a:xfrm>
-          <a:prstGeom prst="rect">
-            <a:avLst/>
-          </a:prstGeom>
-          <a:ln>
-            <a:noFill/>
-          </a:ln>
-        </p:spPr>
-      </p:pic>
-      <p:sp>
-        <p:nvSpPr>
-          <p:cNvPr id="117" name="CustomShape 5"/>
-          <p:cNvSpPr/>
-          <p:nvPr/>
-        </p:nvSpPr>
-        <p:spPr>
-          <a:xfrm>
-            <a:off x="7495920" y="1897920"/>
-            <a:ext cx="1005120" cy="1005840"/>
-          </a:xfrm>
-          <a:prstGeom prst="ellipse">
-            <a:avLst/>
-          </a:prstGeom>
-          <a:solidFill>
-            <a:srgbClr val="e6e6ff"/>
-          </a:solidFill>
-          <a:ln w="29160">
-            <a:solidFill>
-              <a:srgbClr val="000000"/>
-            </a:solidFill>
-            <a:round/>
-          </a:ln>
-        </p:spPr>
-        <p:style>
-          <a:lnRef idx="0"/>
-          <a:fillRef idx="0"/>
-          <a:effectRef idx="0"/>
-          <a:fontRef idx="minor"/>
-        </p:style>
-      </p:sp>
-      <p:sp>
-        <p:nvSpPr>
-          <p:cNvPr id="118" name="CustomShape 6"/>
-          <p:cNvSpPr/>
-          <p:nvPr/>
-        </p:nvSpPr>
-        <p:spPr>
-          <a:xfrm>
-            <a:off x="8677440" y="4386600"/>
-            <a:ext cx="1005120" cy="1005840"/>
-          </a:xfrm>
-          <a:prstGeom prst="ellipse">
-            <a:avLst/>
-          </a:prstGeom>
-          <a:solidFill>
-            <a:srgbClr val="e6e6ff"/>
-          </a:solidFill>
-          <a:ln w="29160">
-            <a:solidFill>
-              <a:srgbClr val="000000"/>
-            </a:solidFill>
-            <a:round/>
-          </a:ln>
-        </p:spPr>
-        <p:style>
-          <a:lnRef idx="0"/>
-          <a:fillRef idx="0"/>
-          <a:effectRef idx="0"/>
-          <a:fontRef idx="minor"/>
-        </p:style>
-      </p:sp>
-      <p:pic>
-        <p:nvPicPr>
-          <p:cNvPr id="119" name="" descr=""/>
-          <p:cNvPicPr/>
-          <p:nvPr/>
-        </p:nvPicPr>
-        <p:blipFill>
-          <a:blip r:embed="rId3"/>
-          <a:stretch/>
-        </p:blipFill>
-        <p:spPr>
-          <a:xfrm>
-            <a:off x="8710560" y="4441680"/>
-            <a:ext cx="804960" cy="914760"/>
-          </a:xfrm>
-          <a:prstGeom prst="rect">
-            <a:avLst/>
-          </a:prstGeom>
-          <a:ln>
-            <a:noFill/>
-          </a:ln>
-        </p:spPr>
-      </p:pic>
-      <p:pic>
-        <p:nvPicPr>
-          <p:cNvPr id="120" name="" descr=""/>
-          <p:cNvPicPr/>
-          <p:nvPr/>
-        </p:nvPicPr>
-        <p:blipFill>
-          <a:blip r:embed="rId4"/>
-          <a:stretch/>
-        </p:blipFill>
-        <p:spPr>
-          <a:xfrm>
-            <a:off x="7738920" y="2116800"/>
-            <a:ext cx="543960" cy="608760"/>
+            <a:off x="1627200" y="1253880"/>
+            <a:ext cx="8949600" cy="5054760"/>
           </a:xfrm>
           <a:prstGeom prst="rect">
             <a:avLst/>
@@ -4465,14 +4373,14 @@
       </p:grpSpPr>
       <p:sp>
         <p:nvSpPr>
-          <p:cNvPr id="77" name="CustomShape 1"/>
-          <p:cNvSpPr/>
+          <p:cNvPr id="83" name="TextShape 1"/>
+          <p:cNvSpPr txBox="1"/>
           <p:nvPr/>
         </p:nvSpPr>
         <p:spPr>
           <a:xfrm>
             <a:off x="0" y="0"/>
-            <a:ext cx="12191400" cy="1324800"/>
+            <a:ext cx="12191760" cy="1325160"/>
           </a:xfrm>
           <a:prstGeom prst="rect">
             <a:avLst/>
@@ -4482,14 +4390,8 @@
             <a:noFill/>
           </a:ln>
         </p:spPr>
-        <p:style>
-          <a:lnRef idx="0"/>
-          <a:fillRef idx="0"/>
-          <a:effectRef idx="0"/>
-          <a:fontRef idx="minor"/>
-        </p:style>
-        <p:txBody>
-          <a:bodyPr lIns="90000" rIns="90000" tIns="45000" bIns="45000" anchor="ctr"/>
+        <p:txBody>
+          <a:bodyPr anchor="ctr"/>
           <a:p>
             <a:pPr algn="ctr">
               <a:lnSpc>
@@ -4511,14 +4413,14 @@
       </p:sp>
       <p:sp>
         <p:nvSpPr>
-          <p:cNvPr id="78" name="CustomShape 2"/>
-          <p:cNvSpPr/>
+          <p:cNvPr id="84" name="TextShape 2"/>
+          <p:cNvSpPr txBox="1"/>
           <p:nvPr/>
         </p:nvSpPr>
         <p:spPr>
           <a:xfrm>
             <a:off x="838080" y="1825560"/>
-            <a:ext cx="10514880" cy="4350600"/>
+            <a:ext cx="10515240" cy="4350960"/>
           </a:xfrm>
           <a:prstGeom prst="rect">
             <a:avLst/>
@@ -4528,14 +4430,8 @@
             <a:noFill/>
           </a:ln>
         </p:spPr>
-        <p:style>
-          <a:lnRef idx="0"/>
-          <a:fillRef idx="0"/>
-          <a:effectRef idx="0"/>
-          <a:fontRef idx="minor"/>
-        </p:style>
-        <p:txBody>
-          <a:bodyPr lIns="90000" rIns="90000" tIns="45000" bIns="45000"/>
+        <p:txBody>
+          <a:bodyPr/>
           <a:p>
             <a:pPr lvl="1">
               <a:lnSpc>
@@ -4708,11 +4604,6 @@
             <a:endParaRPr/>
           </a:p>
           <a:p>
-            <a:pPr>
-              <a:lnSpc>
-                <a:spcPct val="100000"/>
-              </a:lnSpc>
-            </a:pPr>
             <a:endParaRPr/>
           </a:p>
           <a:p>
@@ -4776,14 +4667,14 @@
       </p:grpSpPr>
       <p:sp>
         <p:nvSpPr>
-          <p:cNvPr id="121" name="CustomShape 1"/>
-          <p:cNvSpPr/>
+          <p:cNvPr id="119" name="TextShape 1"/>
+          <p:cNvSpPr txBox="1"/>
           <p:nvPr/>
         </p:nvSpPr>
         <p:spPr>
           <a:xfrm>
             <a:off x="838080" y="365040"/>
-            <a:ext cx="10514880" cy="1324800"/>
+            <a:ext cx="10515240" cy="1325160"/>
           </a:xfrm>
           <a:prstGeom prst="rect">
             <a:avLst/>
@@ -4793,14 +4684,8 @@
             <a:noFill/>
           </a:ln>
         </p:spPr>
-        <p:style>
-          <a:lnRef idx="0"/>
-          <a:fillRef idx="0"/>
-          <a:effectRef idx="0"/>
-          <a:fontRef idx="minor"/>
-        </p:style>
-        <p:txBody>
-          <a:bodyPr lIns="90000" rIns="90000" tIns="45000" bIns="45000" anchor="ctr"/>
+        <p:txBody>
+          <a:bodyPr anchor="ctr"/>
           <a:p>
             <a:pPr algn="ctr">
               <a:lnSpc>
@@ -4814,7 +4699,7 @@
                 </a:solidFill>
                 <a:latin typeface="Quicksand"/>
               </a:rPr>
-              <a:t>Datenbank</a:t>
+              <a:t>Server</a:t>
             </a:r>
             <a:endParaRPr/>
           </a:p>
@@ -4822,14 +4707,14 @@
       </p:sp>
       <p:sp>
         <p:nvSpPr>
-          <p:cNvPr id="122" name="CustomShape 2"/>
-          <p:cNvSpPr/>
+          <p:cNvPr id="120" name="TextShape 2"/>
+          <p:cNvSpPr txBox="1"/>
           <p:nvPr/>
         </p:nvSpPr>
         <p:spPr>
           <a:xfrm>
             <a:off x="838080" y="1825560"/>
-            <a:ext cx="10514880" cy="4350600"/>
+            <a:ext cx="10515240" cy="4350960"/>
           </a:xfrm>
           <a:prstGeom prst="rect">
             <a:avLst/>
@@ -4839,18 +4724,12 @@
             <a:noFill/>
           </a:ln>
         </p:spPr>
-        <p:style>
-          <a:lnRef idx="0"/>
-          <a:fillRef idx="0"/>
-          <a:effectRef idx="0"/>
-          <a:fontRef idx="minor"/>
-        </p:style>
-        <p:txBody>
-          <a:bodyPr lIns="90000" rIns="90000" tIns="45000" bIns="45000"/>
+        <p:txBody>
+          <a:bodyPr/>
           <a:p>
             <a:pPr>
               <a:lnSpc>
-                <a:spcPct val="90000"/>
+                <a:spcPct val="100000"/>
               </a:lnSpc>
               <a:buFont typeface="Arial"/>
               <a:buChar char="•"/>
@@ -4862,24 +4741,22 @@
                 </a:solidFill>
                 <a:latin typeface="Quicksand"/>
               </a:rPr>
-              <a:t>Ablegen von</a:t>
+              <a:t>Debian</a:t>
             </a:r>
             <a:endParaRPr/>
           </a:p>
           <a:p>
             <a:pPr>
               <a:lnSpc>
-                <a:spcPct val="90000"/>
+                <a:spcPct val="100000"/>
               </a:lnSpc>
-              <a:buFont typeface="Arial"/>
-              <a:buChar char="•"/>
             </a:pPr>
             <a:endParaRPr/>
           </a:p>
           <a:p>
             <a:pPr>
               <a:lnSpc>
-                <a:spcPct val="90000"/>
+                <a:spcPct val="100000"/>
               </a:lnSpc>
               <a:buFont typeface="Arial"/>
               <a:buChar char="•"/>
@@ -4891,18 +4768,25 @@
                 </a:solidFill>
                 <a:latin typeface="Quicksand"/>
               </a:rPr>
-              <a:t>Produktionformationen</a:t>
+              <a:t>Apache HTTP-Server</a:t>
             </a:r>
             <a:endParaRPr/>
           </a:p>
           <a:p>
-            <a:pPr lvl="1">
+            <a:pPr>
               <a:lnSpc>
                 <a:spcPct val="90000"/>
               </a:lnSpc>
-              <a:buSzPct val="45000"/>
-              <a:buFont typeface="StarSymbol"/>
-              <a:buChar char=""/>
+            </a:pPr>
+            <a:endParaRPr/>
+          </a:p>
+          <a:p>
+            <a:pPr>
+              <a:lnSpc>
+                <a:spcPct val="100000"/>
+              </a:lnSpc>
+              <a:buFont typeface="Arial"/>
+              <a:buChar char="•"/>
             </a:pPr>
             <a:r>
               <a:rPr lang="en-US" sz="2800" strike="noStrike">
@@ -4911,18 +4795,25 @@
                 </a:solidFill>
                 <a:latin typeface="Quicksand"/>
               </a:rPr>
-              <a:t>Produkte</a:t>
+              <a:t>MySQL-Server</a:t>
             </a:r>
             <a:endParaRPr/>
           </a:p>
           <a:p>
-            <a:pPr lvl="1">
+            <a:pPr>
               <a:lnSpc>
                 <a:spcPct val="90000"/>
               </a:lnSpc>
-              <a:buSzPct val="45000"/>
-              <a:buFont typeface="StarSymbol"/>
-              <a:buChar char=""/>
+            </a:pPr>
+            <a:endParaRPr/>
+          </a:p>
+          <a:p>
+            <a:pPr>
+              <a:lnSpc>
+                <a:spcPct val="100000"/>
+              </a:lnSpc>
+              <a:buFont typeface="Arial"/>
+              <a:buChar char="•"/>
             </a:pPr>
             <a:r>
               <a:rPr lang="en-US" sz="2800" strike="noStrike">
@@ -4931,102 +4822,216 @@
                 </a:solidFill>
                 <a:latin typeface="Quicksand"/>
               </a:rPr>
-              <a:t>Inhaltsstoffe (inkl. Allergiegruppe)</a:t>
+              <a:t>phpMyAdmin</a:t>
             </a:r>
             <a:endParaRPr/>
           </a:p>
-          <a:p>
-            <a:pPr lvl="1">
-              <a:lnSpc>
-                <a:spcPct val="90000"/>
-              </a:lnSpc>
-              <a:buSzPct val="45000"/>
-              <a:buFont typeface="StarSymbol"/>
-              <a:buChar char=""/>
-            </a:pPr>
-            <a:r>
-              <a:rPr lang="en-US" sz="2800" strike="noStrike">
-                <a:solidFill>
-                  <a:srgbClr val="000000"/>
-                </a:solidFill>
-                <a:latin typeface="Quicksand"/>
-              </a:rPr>
-              <a:t>Barcode</a:t>
-            </a:r>
-            <a:endParaRPr/>
-          </a:p>
-          <a:p>
-            <a:pPr lvl="1">
-              <a:lnSpc>
-                <a:spcPct val="90000"/>
-              </a:lnSpc>
-              <a:buSzPct val="45000"/>
-              <a:buFont typeface="StarSymbol"/>
-              <a:buChar char=""/>
-            </a:pPr>
-            <a:endParaRPr/>
-          </a:p>
-          <a:p>
-            <a:pPr>
-              <a:lnSpc>
-                <a:spcPct val="90000"/>
-              </a:lnSpc>
-              <a:buFont typeface="Arial"/>
-              <a:buChar char="•"/>
-            </a:pPr>
-            <a:r>
-              <a:rPr lang="en-US" sz="2800" strike="noStrike">
-                <a:solidFill>
-                  <a:srgbClr val="000000"/>
-                </a:solidFill>
-                <a:latin typeface="Quicksand"/>
-              </a:rPr>
-              <a:t>Userinformationen</a:t>
-            </a:r>
-            <a:endParaRPr/>
-          </a:p>
-          <a:p>
-            <a:pPr lvl="1">
-              <a:lnSpc>
-                <a:spcPct val="90000"/>
-              </a:lnSpc>
-              <a:buSzPct val="45000"/>
-              <a:buFont typeface="StarSymbol"/>
-              <a:buChar char=""/>
-            </a:pPr>
-            <a:r>
-              <a:rPr lang="en-US" sz="2800" strike="noStrike">
-                <a:solidFill>
-                  <a:srgbClr val="000000"/>
-                </a:solidFill>
-                <a:latin typeface="Quicksand"/>
-              </a:rPr>
-              <a:t>Authentifizierungsdaten</a:t>
-            </a:r>
-            <a:endParaRPr/>
-          </a:p>
-          <a:p>
-            <a:pPr lvl="1">
-              <a:lnSpc>
-                <a:spcPct val="90000"/>
-              </a:lnSpc>
-              <a:buSzPct val="45000"/>
-              <a:buFont typeface="StarSymbol"/>
-              <a:buChar char=""/>
-            </a:pPr>
-            <a:r>
-              <a:rPr lang="en-US" sz="2800" strike="noStrike">
-                <a:solidFill>
-                  <a:srgbClr val="000000"/>
-                </a:solidFill>
-                <a:latin typeface="Quicksand"/>
-              </a:rPr>
-              <a:t>Gekoppelte Geräte</a:t>
-            </a:r>
-            <a:endParaRPr/>
-          </a:p>
-        </p:txBody>
-      </p:sp>
+        </p:txBody>
+      </p:sp>
+      <p:sp>
+        <p:nvSpPr>
+          <p:cNvPr id="121" name="CustomShape 3"/>
+          <p:cNvSpPr/>
+          <p:nvPr/>
+        </p:nvSpPr>
+        <p:spPr>
+          <a:xfrm>
+            <a:off x="8713440" y="2802240"/>
+            <a:ext cx="1004760" cy="1005480"/>
+          </a:xfrm>
+          <a:prstGeom prst="ellipse">
+            <a:avLst/>
+          </a:prstGeom>
+          <a:solidFill>
+            <a:srgbClr val="e6e6ff"/>
+          </a:solidFill>
+          <a:ln w="29160">
+            <a:round/>
+          </a:ln>
+        </p:spPr>
+        <p:style>
+          <a:lnRef idx="0"/>
+          <a:fillRef idx="0"/>
+          <a:effectRef idx="0"/>
+          <a:fontRef idx="minor"/>
+        </p:style>
+      </p:sp>
+      <p:pic>
+        <p:nvPicPr>
+          <p:cNvPr id="122" name="Grafik 6" descr=""/>
+          <p:cNvPicPr/>
+          <p:nvPr/>
+        </p:nvPicPr>
+        <p:blipFill>
+          <a:blip r:embed="rId1"/>
+          <a:stretch/>
+        </p:blipFill>
+        <p:spPr>
+          <a:xfrm>
+            <a:off x="8951760" y="3040560"/>
+            <a:ext cx="456480" cy="545040"/>
+          </a:xfrm>
+          <a:prstGeom prst="rect">
+            <a:avLst/>
+          </a:prstGeom>
+          <a:ln>
+            <a:noFill/>
+          </a:ln>
+        </p:spPr>
+      </p:pic>
+      <p:sp>
+        <p:nvSpPr>
+          <p:cNvPr id="123" name="CustomShape 4"/>
+          <p:cNvSpPr/>
+          <p:nvPr/>
+        </p:nvSpPr>
+        <p:spPr>
+          <a:xfrm>
+            <a:off x="7498080" y="3527280"/>
+            <a:ext cx="1004760" cy="1005480"/>
+          </a:xfrm>
+          <a:prstGeom prst="ellipse">
+            <a:avLst/>
+          </a:prstGeom>
+          <a:solidFill>
+            <a:srgbClr val="e6e6ff"/>
+          </a:solidFill>
+          <a:ln w="29160">
+            <a:round/>
+          </a:ln>
+        </p:spPr>
+        <p:style>
+          <a:lnRef idx="0"/>
+          <a:fillRef idx="0"/>
+          <a:effectRef idx="0"/>
+          <a:fontRef idx="minor"/>
+        </p:style>
+      </p:sp>
+      <p:pic>
+        <p:nvPicPr>
+          <p:cNvPr id="124" name="Grafik 8" descr=""/>
+          <p:cNvPicPr/>
+          <p:nvPr/>
+        </p:nvPicPr>
+        <p:blipFill>
+          <a:blip r:embed="rId2"/>
+          <a:stretch/>
+        </p:blipFill>
+        <p:spPr>
+          <a:xfrm>
+            <a:off x="7644240" y="3618000"/>
+            <a:ext cx="808200" cy="900000"/>
+          </a:xfrm>
+          <a:prstGeom prst="rect">
+            <a:avLst/>
+          </a:prstGeom>
+          <a:ln>
+            <a:noFill/>
+          </a:ln>
+        </p:spPr>
+      </p:pic>
+      <p:sp>
+        <p:nvSpPr>
+          <p:cNvPr id="125" name="CustomShape 5"/>
+          <p:cNvSpPr/>
+          <p:nvPr/>
+        </p:nvSpPr>
+        <p:spPr>
+          <a:xfrm>
+            <a:off x="7495920" y="1897920"/>
+            <a:ext cx="1004760" cy="1005480"/>
+          </a:xfrm>
+          <a:prstGeom prst="ellipse">
+            <a:avLst/>
+          </a:prstGeom>
+          <a:solidFill>
+            <a:srgbClr val="e6e6ff"/>
+          </a:solidFill>
+          <a:ln w="29160">
+            <a:round/>
+          </a:ln>
+        </p:spPr>
+        <p:style>
+          <a:lnRef idx="0"/>
+          <a:fillRef idx="0"/>
+          <a:effectRef idx="0"/>
+          <a:fontRef idx="minor"/>
+        </p:style>
+      </p:sp>
+      <p:sp>
+        <p:nvSpPr>
+          <p:cNvPr id="126" name="CustomShape 6"/>
+          <p:cNvSpPr/>
+          <p:nvPr/>
+        </p:nvSpPr>
+        <p:spPr>
+          <a:xfrm>
+            <a:off x="8677440" y="4386600"/>
+            <a:ext cx="1004760" cy="1005480"/>
+          </a:xfrm>
+          <a:prstGeom prst="ellipse">
+            <a:avLst/>
+          </a:prstGeom>
+          <a:solidFill>
+            <a:srgbClr val="e6e6ff"/>
+          </a:solidFill>
+          <a:ln w="29160">
+            <a:round/>
+          </a:ln>
+        </p:spPr>
+        <p:style>
+          <a:lnRef idx="0"/>
+          <a:fillRef idx="0"/>
+          <a:effectRef idx="0"/>
+          <a:fontRef idx="minor"/>
+        </p:style>
+      </p:sp>
+      <p:pic>
+        <p:nvPicPr>
+          <p:cNvPr id="127" name="Grafik 11" descr=""/>
+          <p:cNvPicPr/>
+          <p:nvPr/>
+        </p:nvPicPr>
+        <p:blipFill>
+          <a:blip r:embed="rId3"/>
+          <a:stretch/>
+        </p:blipFill>
+        <p:spPr>
+          <a:xfrm>
+            <a:off x="8710560" y="4441680"/>
+            <a:ext cx="804600" cy="914400"/>
+          </a:xfrm>
+          <a:prstGeom prst="rect">
+            <a:avLst/>
+          </a:prstGeom>
+          <a:ln>
+            <a:noFill/>
+          </a:ln>
+        </p:spPr>
+      </p:pic>
+      <p:pic>
+        <p:nvPicPr>
+          <p:cNvPr id="128" name="Grafik 12" descr=""/>
+          <p:cNvPicPr/>
+          <p:nvPr/>
+        </p:nvPicPr>
+        <p:blipFill>
+          <a:blip r:embed="rId4"/>
+          <a:stretch/>
+        </p:blipFill>
+        <p:spPr>
+          <a:xfrm>
+            <a:off x="7738920" y="2116800"/>
+            <a:ext cx="543600" cy="608400"/>
+          </a:xfrm>
+          <a:prstGeom prst="rect">
+            <a:avLst/>
+          </a:prstGeom>
+          <a:ln>
+            <a:noFill/>
+          </a:ln>
+        </p:spPr>
+      </p:pic>
     </p:spTree>
   </p:cSld>
   <p:timing>
@@ -5078,14 +5083,14 @@
       </p:grpSpPr>
       <p:sp>
         <p:nvSpPr>
-          <p:cNvPr id="123" name="CustomShape 1"/>
-          <p:cNvSpPr/>
+          <p:cNvPr id="129" name="TextShape 1"/>
+          <p:cNvSpPr txBox="1"/>
           <p:nvPr/>
         </p:nvSpPr>
         <p:spPr>
           <a:xfrm>
             <a:off x="838080" y="365040"/>
-            <a:ext cx="10514880" cy="1324800"/>
+            <a:ext cx="10515240" cy="1325160"/>
           </a:xfrm>
           <a:prstGeom prst="rect">
             <a:avLst/>
@@ -5095,14 +5100,8 @@
             <a:noFill/>
           </a:ln>
         </p:spPr>
-        <p:style>
-          <a:lnRef idx="0"/>
-          <a:fillRef idx="0"/>
-          <a:effectRef idx="0"/>
-          <a:fontRef idx="minor"/>
-        </p:style>
-        <p:txBody>
-          <a:bodyPr lIns="90000" rIns="90000" tIns="45000" bIns="45000" anchor="ctr"/>
+        <p:txBody>
+          <a:bodyPr anchor="ctr"/>
           <a:p>
             <a:pPr algn="ctr">
               <a:lnSpc>
@@ -5116,7 +5115,7 @@
                 </a:solidFill>
                 <a:latin typeface="Quicksand"/>
               </a:rPr>
-              <a:t>API / Backend</a:t>
+              <a:t>Datenbank</a:t>
             </a:r>
             <a:endParaRPr/>
           </a:p>
@@ -5124,14 +5123,14 @@
       </p:sp>
       <p:sp>
         <p:nvSpPr>
-          <p:cNvPr id="124" name="CustomShape 2"/>
-          <p:cNvSpPr/>
+          <p:cNvPr id="130" name="TextShape 2"/>
+          <p:cNvSpPr txBox="1"/>
           <p:nvPr/>
         </p:nvSpPr>
         <p:spPr>
           <a:xfrm>
             <a:off x="838080" y="1825560"/>
-            <a:ext cx="10514880" cy="4350600"/>
+            <a:ext cx="10515240" cy="4350960"/>
           </a:xfrm>
           <a:prstGeom prst="rect">
             <a:avLst/>
@@ -5141,18 +5140,12 @@
             <a:noFill/>
           </a:ln>
         </p:spPr>
-        <p:style>
-          <a:lnRef idx="0"/>
-          <a:fillRef idx="0"/>
-          <a:effectRef idx="0"/>
-          <a:fontRef idx="minor"/>
-        </p:style>
-        <p:txBody>
-          <a:bodyPr lIns="90000" rIns="90000" tIns="45000" bIns="45000"/>
+        <p:txBody>
+          <a:bodyPr/>
           <a:p>
             <a:pPr>
               <a:lnSpc>
-                <a:spcPct val="90000"/>
+                <a:spcPct val="100000"/>
               </a:lnSpc>
               <a:buFont typeface="Arial"/>
               <a:buChar char="•"/>
@@ -5164,18 +5157,25 @@
                 </a:solidFill>
                 <a:latin typeface="Quicksand"/>
               </a:rPr>
-              <a:t>Schnittstelle RESTful-API</a:t>
+              <a:t>Ablegen von</a:t>
             </a:r>
             <a:endParaRPr/>
           </a:p>
           <a:p>
-            <a:pPr lvl="1">
+            <a:pPr>
               <a:lnSpc>
-                <a:spcPct val="90000"/>
+                <a:spcPct val="100000"/>
               </a:lnSpc>
-              <a:buSzPct val="45000"/>
-              <a:buFont typeface="StarSymbol"/>
-              <a:buChar char=""/>
+            </a:pPr>
+            <a:endParaRPr/>
+          </a:p>
+          <a:p>
+            <a:pPr>
+              <a:lnSpc>
+                <a:spcPct val="100000"/>
+              </a:lnSpc>
+              <a:buFont typeface="Arial"/>
+              <a:buChar char="•"/>
             </a:pPr>
             <a:r>
               <a:rPr lang="en-US" sz="2800" strike="noStrike">
@@ -5184,18 +5184,36 @@
                 </a:solidFill>
                 <a:latin typeface="Quicksand"/>
               </a:rPr>
-              <a:t>Routen in php implementiert</a:t>
+              <a:t>Produktionformationen</a:t>
             </a:r>
             <a:endParaRPr/>
           </a:p>
           <a:p>
             <a:pPr lvl="1">
               <a:lnSpc>
-                <a:spcPct val="90000"/>
+                <a:spcPct val="100000"/>
               </a:lnSpc>
-              <a:buSzPct val="45000"/>
-              <a:buFont typeface="StarSymbol"/>
-              <a:buChar char=""/>
+              <a:buFont typeface="Arial"/>
+              <a:buChar char="•"/>
+            </a:pPr>
+            <a:r>
+              <a:rPr lang="en-US" sz="2400" strike="noStrike">
+                <a:solidFill>
+                  <a:srgbClr val="000000"/>
+                </a:solidFill>
+                <a:latin typeface="Quicksand"/>
+              </a:rPr>
+              <a:t>Produkte</a:t>
+            </a:r>
+            <a:endParaRPr/>
+          </a:p>
+          <a:p>
+            <a:pPr lvl="1">
+              <a:lnSpc>
+                <a:spcPct val="100000"/>
+              </a:lnSpc>
+              <a:buFont typeface="Arial"/>
+              <a:buChar char="•"/>
             </a:pPr>
             <a:r>
               <a:rPr lang="en-US" sz="2800" strike="noStrike">
@@ -5204,18 +5222,17 @@
                 </a:solidFill>
                 <a:latin typeface="Quicksand"/>
               </a:rPr>
-              <a:t>Web-Applikation</a:t>
+              <a:t>Inhaltsstoffe (inkl. Allergiegruppe)</a:t>
             </a:r>
             <a:endParaRPr/>
           </a:p>
           <a:p>
             <a:pPr lvl="1">
               <a:lnSpc>
-                <a:spcPct val="90000"/>
+                <a:spcPct val="100000"/>
               </a:lnSpc>
-              <a:buSzPct val="45000"/>
-              <a:buFont typeface="StarSymbol"/>
-              <a:buChar char=""/>
+              <a:buFont typeface="Arial"/>
+              <a:buChar char="•"/>
             </a:pPr>
             <a:r>
               <a:rPr lang="en-US" sz="2800" strike="noStrike">
@@ -5224,25 +5241,17 @@
                 </a:solidFill>
                 <a:latin typeface="Quicksand"/>
               </a:rPr>
-              <a:t>HMD-Applikation</a:t>
+              <a:t>Barcode</a:t>
             </a:r>
             <a:endParaRPr/>
           </a:p>
           <a:p>
-            <a:pPr lvl="1">
-              <a:lnSpc>
-                <a:spcPct val="90000"/>
-              </a:lnSpc>
-              <a:buSzPct val="45000"/>
-              <a:buFont typeface="StarSymbol"/>
-              <a:buChar char=""/>
-            </a:pPr>
             <a:endParaRPr/>
           </a:p>
           <a:p>
             <a:pPr>
               <a:lnSpc>
-                <a:spcPct val="90000"/>
+                <a:spcPct val="100000"/>
               </a:lnSpc>
               <a:buFont typeface="Arial"/>
               <a:buChar char="•"/>
@@ -5254,18 +5263,36 @@
                 </a:solidFill>
                 <a:latin typeface="Quicksand"/>
               </a:rPr>
-              <a:t>Repräsentation der Daten</a:t>
+              <a:t>Userinformationen</a:t>
             </a:r>
             <a:endParaRPr/>
           </a:p>
           <a:p>
             <a:pPr lvl="1">
               <a:lnSpc>
-                <a:spcPct val="90000"/>
+                <a:spcPct val="100000"/>
               </a:lnSpc>
-              <a:buSzPct val="45000"/>
-              <a:buFont typeface="StarSymbol"/>
-              <a:buChar char=""/>
+              <a:buFont typeface="Arial"/>
+              <a:buChar char="•"/>
+            </a:pPr>
+            <a:r>
+              <a:rPr lang="en-US" sz="2400" strike="noStrike">
+                <a:solidFill>
+                  <a:srgbClr val="000000"/>
+                </a:solidFill>
+                <a:latin typeface="Quicksand"/>
+              </a:rPr>
+              <a:t>Authentifizierungsdaten</a:t>
+            </a:r>
+            <a:endParaRPr/>
+          </a:p>
+          <a:p>
+            <a:pPr lvl="1">
+              <a:lnSpc>
+                <a:spcPct val="100000"/>
+              </a:lnSpc>
+              <a:buFont typeface="Arial"/>
+              <a:buChar char="•"/>
             </a:pPr>
             <a:r>
               <a:rPr lang="en-US" sz="2800" strike="noStrike">
@@ -5274,7 +5301,7 @@
                 </a:solidFill>
                 <a:latin typeface="Quicksand"/>
               </a:rPr>
-              <a:t>JSON</a:t>
+              <a:t>Gekoppelte Geräte</a:t>
             </a:r>
             <a:endParaRPr/>
           </a:p>
@@ -5331,14 +5358,14 @@
       </p:grpSpPr>
       <p:sp>
         <p:nvSpPr>
-          <p:cNvPr id="125" name="CustomShape 1"/>
-          <p:cNvSpPr/>
+          <p:cNvPr id="131" name="TextShape 1"/>
+          <p:cNvSpPr txBox="1"/>
           <p:nvPr/>
         </p:nvSpPr>
         <p:spPr>
           <a:xfrm>
             <a:off x="838080" y="365040"/>
-            <a:ext cx="10514880" cy="1324800"/>
+            <a:ext cx="10515240" cy="1325160"/>
           </a:xfrm>
           <a:prstGeom prst="rect">
             <a:avLst/>
@@ -5348,14 +5375,8 @@
             <a:noFill/>
           </a:ln>
         </p:spPr>
-        <p:style>
-          <a:lnRef idx="0"/>
-          <a:fillRef idx="0"/>
-          <a:effectRef idx="0"/>
-          <a:fontRef idx="minor"/>
-        </p:style>
-        <p:txBody>
-          <a:bodyPr lIns="90000" rIns="90000" tIns="45000" bIns="45000" anchor="ctr"/>
+        <p:txBody>
+          <a:bodyPr anchor="ctr"/>
           <a:p>
             <a:pPr algn="ctr">
               <a:lnSpc>
@@ -5369,7 +5390,7 @@
                 </a:solidFill>
                 <a:latin typeface="Quicksand"/>
               </a:rPr>
-              <a:t>Frontend</a:t>
+              <a:t>API / Backend</a:t>
             </a:r>
             <a:endParaRPr/>
           </a:p>
@@ -5377,14 +5398,14 @@
       </p:sp>
       <p:sp>
         <p:nvSpPr>
-          <p:cNvPr id="126" name="CustomShape 2"/>
-          <p:cNvSpPr/>
+          <p:cNvPr id="132" name="TextShape 2"/>
+          <p:cNvSpPr txBox="1"/>
           <p:nvPr/>
         </p:nvSpPr>
         <p:spPr>
           <a:xfrm>
             <a:off x="838080" y="1825560"/>
-            <a:ext cx="10514880" cy="4350600"/>
+            <a:ext cx="10515240" cy="4350960"/>
           </a:xfrm>
           <a:prstGeom prst="rect">
             <a:avLst/>
@@ -5394,18 +5415,12 @@
             <a:noFill/>
           </a:ln>
         </p:spPr>
-        <p:style>
-          <a:lnRef idx="0"/>
-          <a:fillRef idx="0"/>
-          <a:effectRef idx="0"/>
-          <a:fontRef idx="minor"/>
-        </p:style>
-        <p:txBody>
-          <a:bodyPr lIns="90000" rIns="90000" tIns="45000" bIns="45000"/>
+        <p:txBody>
+          <a:bodyPr/>
           <a:p>
             <a:pPr>
               <a:lnSpc>
-                <a:spcPct val="90000"/>
+                <a:spcPct val="100000"/>
               </a:lnSpc>
               <a:buFont typeface="Arial"/>
               <a:buChar char="•"/>
@@ -5417,7 +5432,105 @@
                 </a:solidFill>
                 <a:latin typeface="Quicksand"/>
               </a:rPr>
-              <a:t>1-2 Punkte zu Frontend</a:t>
+              <a:t>Schnittstelle RESTful-API</a:t>
+            </a:r>
+            <a:endParaRPr/>
+          </a:p>
+          <a:p>
+            <a:pPr lvl="1">
+              <a:lnSpc>
+                <a:spcPct val="100000"/>
+              </a:lnSpc>
+              <a:buFont typeface="Arial"/>
+              <a:buChar char="•"/>
+            </a:pPr>
+            <a:r>
+              <a:rPr lang="en-US" sz="2400" strike="noStrike">
+                <a:solidFill>
+                  <a:srgbClr val="000000"/>
+                </a:solidFill>
+                <a:latin typeface="Quicksand"/>
+              </a:rPr>
+              <a:t>Routen in php implementiert</a:t>
+            </a:r>
+            <a:endParaRPr/>
+          </a:p>
+          <a:p>
+            <a:pPr lvl="1">
+              <a:lnSpc>
+                <a:spcPct val="100000"/>
+              </a:lnSpc>
+              <a:buFont typeface="Arial"/>
+              <a:buChar char="•"/>
+            </a:pPr>
+            <a:r>
+              <a:rPr lang="en-US" sz="2800" strike="noStrike">
+                <a:solidFill>
+                  <a:srgbClr val="000000"/>
+                </a:solidFill>
+                <a:latin typeface="Quicksand"/>
+              </a:rPr>
+              <a:t>Web-Applikation</a:t>
+            </a:r>
+            <a:endParaRPr/>
+          </a:p>
+          <a:p>
+            <a:pPr lvl="1">
+              <a:lnSpc>
+                <a:spcPct val="100000"/>
+              </a:lnSpc>
+              <a:buFont typeface="Arial"/>
+              <a:buChar char="•"/>
+            </a:pPr>
+            <a:r>
+              <a:rPr lang="en-US" sz="2800" strike="noStrike">
+                <a:solidFill>
+                  <a:srgbClr val="000000"/>
+                </a:solidFill>
+                <a:latin typeface="Quicksand"/>
+              </a:rPr>
+              <a:t>HMD-Applikation</a:t>
+            </a:r>
+            <a:endParaRPr/>
+          </a:p>
+          <a:p>
+            <a:endParaRPr/>
+          </a:p>
+          <a:p>
+            <a:pPr>
+              <a:lnSpc>
+                <a:spcPct val="100000"/>
+              </a:lnSpc>
+              <a:buFont typeface="Arial"/>
+              <a:buChar char="•"/>
+            </a:pPr>
+            <a:r>
+              <a:rPr lang="en-US" sz="2800" strike="noStrike">
+                <a:solidFill>
+                  <a:srgbClr val="000000"/>
+                </a:solidFill>
+                <a:latin typeface="Quicksand"/>
+              </a:rPr>
+              <a:t>Repräsentation der Daten</a:t>
+            </a:r>
+            <a:endParaRPr/>
+          </a:p>
+          <a:p>
+            <a:pPr lvl="1">
+              <a:lnSpc>
+                <a:spcPct val="100000"/>
+              </a:lnSpc>
+              <a:buFont typeface="Arial"/>
+              <a:buChar char="•"/>
+            </a:pPr>
+            <a:r>
+              <a:rPr lang="en-US" sz="2400" strike="noStrike">
+                <a:solidFill>
+                  <a:srgbClr val="000000"/>
+                </a:solidFill>
+                <a:latin typeface="Quicksand"/>
+              </a:rPr>
+              <a:t>JSON</a:t>
             </a:r>
             <a:endParaRPr/>
           </a:p>
@@ -5474,14 +5587,14 @@
       </p:grpSpPr>
       <p:sp>
         <p:nvSpPr>
-          <p:cNvPr id="127" name="CustomShape 1"/>
-          <p:cNvSpPr/>
+          <p:cNvPr id="133" name="TextShape 1"/>
+          <p:cNvSpPr txBox="1"/>
           <p:nvPr/>
         </p:nvSpPr>
         <p:spPr>
           <a:xfrm>
             <a:off x="838080" y="365040"/>
-            <a:ext cx="10514880" cy="1324800"/>
+            <a:ext cx="10515240" cy="1325160"/>
           </a:xfrm>
           <a:prstGeom prst="rect">
             <a:avLst/>
@@ -5491,14 +5604,8 @@
             <a:noFill/>
           </a:ln>
         </p:spPr>
-        <p:style>
-          <a:lnRef idx="0"/>
-          <a:fillRef idx="0"/>
-          <a:effectRef idx="0"/>
-          <a:fontRef idx="minor"/>
-        </p:style>
-        <p:txBody>
-          <a:bodyPr lIns="90000" rIns="90000" tIns="45000" bIns="45000" anchor="ctr"/>
+        <p:txBody>
+          <a:bodyPr anchor="ctr"/>
           <a:p>
             <a:pPr algn="ctr">
               <a:lnSpc>
@@ -5512,7 +5619,7 @@
                 </a:solidFill>
                 <a:latin typeface="Quicksand"/>
               </a:rPr>
-              <a:t>Vuzix-App</a:t>
+              <a:t>Frontend</a:t>
             </a:r>
             <a:endParaRPr/>
           </a:p>
@@ -5520,14 +5627,14 @@
       </p:sp>
       <p:sp>
         <p:nvSpPr>
-          <p:cNvPr id="128" name="CustomShape 2"/>
-          <p:cNvSpPr/>
+          <p:cNvPr id="134" name="TextShape 2"/>
+          <p:cNvSpPr txBox="1"/>
           <p:nvPr/>
         </p:nvSpPr>
         <p:spPr>
           <a:xfrm>
             <a:off x="838080" y="1825560"/>
-            <a:ext cx="10514880" cy="4350600"/>
+            <a:ext cx="10515240" cy="4350960"/>
           </a:xfrm>
           <a:prstGeom prst="rect">
             <a:avLst/>
@@ -5537,14 +5644,8 @@
             <a:noFill/>
           </a:ln>
         </p:spPr>
-        <p:style>
-          <a:lnRef idx="0"/>
-          <a:fillRef idx="0"/>
-          <a:effectRef idx="0"/>
-          <a:fontRef idx="minor"/>
-        </p:style>
-        <p:txBody>
-          <a:bodyPr lIns="90000" rIns="90000" tIns="45000" bIns="45000"/>
+        <p:txBody>
+          <a:bodyPr/>
           <a:p>
             <a:pPr>
               <a:lnSpc>
@@ -5560,7 +5661,85 @@
                 </a:solidFill>
                 <a:latin typeface="Quicksand"/>
               </a:rPr>
-              <a:t>2-3 Punkte zur Vuzix app</a:t>
+              <a:t>Konfiguration der HMD-App via</a:t>
+            </a:r>
+            <a:endParaRPr/>
+          </a:p>
+          <a:p>
+            <a:pPr lvl="2">
+              <a:buSzPct val="45000"/>
+              <a:buFont typeface="StarSymbol"/>
+              <a:buChar char=""/>
+            </a:pPr>
+            <a:r>
+              <a:rPr lang="en-US" sz="2800" strike="noStrike">
+                <a:solidFill>
+                  <a:srgbClr val="000000"/>
+                </a:solidFill>
+                <a:latin typeface="Quicksand"/>
+              </a:rPr>
+              <a:t>Desktop</a:t>
+            </a:r>
+            <a:endParaRPr/>
+          </a:p>
+          <a:p>
+            <a:pPr lvl="2">
+              <a:buSzPct val="45000"/>
+              <a:buFont typeface="StarSymbol"/>
+              <a:buChar char=""/>
+            </a:pPr>
+            <a:r>
+              <a:rPr lang="en-US" sz="2800" strike="noStrike">
+                <a:solidFill>
+                  <a:srgbClr val="000000"/>
+                </a:solidFill>
+                <a:latin typeface="Quicksand"/>
+              </a:rPr>
+              <a:t>Tablet</a:t>
+            </a:r>
+            <a:endParaRPr/>
+          </a:p>
+          <a:p>
+            <a:pPr lvl="2">
+              <a:buSzPct val="45000"/>
+              <a:buFont typeface="StarSymbol"/>
+              <a:buChar char=""/>
+            </a:pPr>
+            <a:r>
+              <a:rPr lang="en-US" sz="2800" strike="noStrike">
+                <a:solidFill>
+                  <a:srgbClr val="000000"/>
+                </a:solidFill>
+                <a:latin typeface="Quicksand"/>
+              </a:rPr>
+              <a:t>Smartphone</a:t>
+            </a:r>
+            <a:endParaRPr/>
+          </a:p>
+          <a:p>
+            <a:pPr lvl="2">
+              <a:buSzPct val="45000"/>
+              <a:buFont typeface="StarSymbol"/>
+              <a:buChar char=""/>
+            </a:pPr>
+            <a:endParaRPr/>
+          </a:p>
+          <a:p>
+            <a:pPr>
+              <a:lnSpc>
+                <a:spcPct val="90000"/>
+              </a:lnSpc>
+              <a:buFont typeface="Arial"/>
+              <a:buChar char="•"/>
+            </a:pPr>
+            <a:r>
+              <a:rPr lang="en-US" sz="2800" strike="noStrike">
+                <a:solidFill>
+                  <a:srgbClr val="000000"/>
+                </a:solidFill>
+                <a:latin typeface="Quicksand"/>
+              </a:rPr>
+              <a:t>Keine komplizierten Eingabemethoden</a:t>
             </a:r>
             <a:endParaRPr/>
           </a:p>
@@ -5617,14 +5796,14 @@
       </p:grpSpPr>
       <p:sp>
         <p:nvSpPr>
-          <p:cNvPr id="129" name="CustomShape 1"/>
-          <p:cNvSpPr/>
+          <p:cNvPr id="135" name="TextShape 1"/>
+          <p:cNvSpPr txBox="1"/>
           <p:nvPr/>
         </p:nvSpPr>
         <p:spPr>
           <a:xfrm>
             <a:off x="838080" y="365040"/>
-            <a:ext cx="10514880" cy="1324800"/>
+            <a:ext cx="10515240" cy="1325160"/>
           </a:xfrm>
           <a:prstGeom prst="rect">
             <a:avLst/>
@@ -5634,14 +5813,8 @@
             <a:noFill/>
           </a:ln>
         </p:spPr>
-        <p:style>
-          <a:lnRef idx="0"/>
-          <a:fillRef idx="0"/>
-          <a:effectRef idx="0"/>
-          <a:fontRef idx="minor"/>
-        </p:style>
-        <p:txBody>
-          <a:bodyPr lIns="90000" rIns="90000" tIns="45000" bIns="45000" anchor="ctr"/>
+        <p:txBody>
+          <a:bodyPr anchor="ctr"/>
           <a:p>
             <a:pPr algn="ctr">
               <a:lnSpc>
@@ -5655,7 +5828,7 @@
                 </a:solidFill>
                 <a:latin typeface="Quicksand"/>
               </a:rPr>
-              <a:t>Lesson learned</a:t>
+              <a:t>Vuzix-App</a:t>
             </a:r>
             <a:endParaRPr/>
           </a:p>
@@ -5663,14 +5836,14 @@
       </p:sp>
       <p:sp>
         <p:nvSpPr>
-          <p:cNvPr id="130" name="CustomShape 2"/>
-          <p:cNvSpPr/>
+          <p:cNvPr id="136" name="TextShape 2"/>
+          <p:cNvSpPr txBox="1"/>
           <p:nvPr/>
         </p:nvSpPr>
         <p:spPr>
           <a:xfrm>
             <a:off x="838080" y="1825560"/>
-            <a:ext cx="10514880" cy="4350600"/>
+            <a:ext cx="10515240" cy="4350960"/>
           </a:xfrm>
           <a:prstGeom prst="rect">
             <a:avLst/>
@@ -5680,14 +5853,8 @@
             <a:noFill/>
           </a:ln>
         </p:spPr>
-        <p:style>
-          <a:lnRef idx="0"/>
-          <a:fillRef idx="0"/>
-          <a:effectRef idx="0"/>
-          <a:fontRef idx="minor"/>
-        </p:style>
-        <p:txBody>
-          <a:bodyPr lIns="90000" rIns="90000" tIns="45000" bIns="45000"/>
+        <p:txBody>
+          <a:bodyPr/>
           <a:p>
             <a:pPr>
               <a:lnSpc>
@@ -5703,93 +5870,15 @@
                 </a:solidFill>
                 <a:latin typeface="Quicksand"/>
               </a:rPr>
-              <a:t>Ablauf eines kompletten Scrum Projekts</a:t>
+              <a:t>Produkt beim Einkauf überprüfen</a:t>
             </a:r>
             <a:endParaRPr/>
           </a:p>
           <a:p>
-            <a:pPr lvl="1">
-              <a:lnSpc>
-                <a:spcPct val="100000"/>
-              </a:lnSpc>
-              <a:buFont typeface="Arial"/>
-              <a:buChar char="•"/>
-            </a:pPr>
-            <a:r>
-              <a:rPr lang="en-US" sz="2400" strike="noStrike">
-                <a:solidFill>
-                  <a:srgbClr val="000000"/>
-                </a:solidFill>
-                <a:latin typeface="Quicksand"/>
-              </a:rPr>
-              <a:t>6 Sprintwechsel</a:t>
-            </a:r>
-            <a:endParaRPr/>
-          </a:p>
-          <a:p>
             <a:pPr lvl="2">
-              <a:lnSpc>
-                <a:spcPct val="100000"/>
-              </a:lnSpc>
-              <a:buFont typeface="Arial"/>
-              <a:buChar char="•"/>
-            </a:pPr>
-            <a:r>
-              <a:rPr lang="en-US" sz="2000" strike="noStrike">
-                <a:solidFill>
-                  <a:srgbClr val="000000"/>
-                </a:solidFill>
-                <a:latin typeface="Quicksand"/>
-              </a:rPr>
-              <a:t>Abnahme von Issues</a:t>
-            </a:r>
-            <a:endParaRPr/>
-          </a:p>
-          <a:p>
-            <a:pPr lvl="2">
-              <a:lnSpc>
-                <a:spcPct val="100000"/>
-              </a:lnSpc>
-              <a:buFont typeface="Arial"/>
-              <a:buChar char="•"/>
-            </a:pPr>
-            <a:r>
-              <a:rPr lang="en-US" sz="2000" strike="noStrike">
-                <a:solidFill>
-                  <a:srgbClr val="000000"/>
-                </a:solidFill>
-                <a:latin typeface="Quicksand"/>
-              </a:rPr>
-              <a:t>Retrospektive</a:t>
-            </a:r>
-            <a:endParaRPr/>
-          </a:p>
-          <a:p>
-            <a:pPr lvl="2">
-              <a:lnSpc>
-                <a:spcPct val="100000"/>
-              </a:lnSpc>
-              <a:buFont typeface="Arial"/>
-              <a:buChar char="•"/>
-            </a:pPr>
-            <a:r>
-              <a:rPr lang="en-US" sz="2000" strike="noStrike">
-                <a:solidFill>
-                  <a:srgbClr val="000000"/>
-                </a:solidFill>
-                <a:latin typeface="Quicksand"/>
-              </a:rPr>
-              <a:t>Verteilung von Issues</a:t>
-            </a:r>
-            <a:endParaRPr/>
-          </a:p>
-          <a:p>
-            <a:pPr>
-              <a:lnSpc>
-                <a:spcPct val="90000"/>
-              </a:lnSpc>
-              <a:buFont typeface="Arial"/>
-              <a:buChar char="•"/>
+              <a:buSzPct val="45000"/>
+              <a:buFont typeface="StarSymbol"/>
+              <a:buChar char=""/>
             </a:pPr>
             <a:r>
               <a:rPr lang="en-US" sz="2800" strike="noStrike">
@@ -5798,36 +5887,15 @@
                 </a:solidFill>
                 <a:latin typeface="Quicksand"/>
               </a:rPr>
-              <a:t>Übersicht aller Entwicklungsebenen</a:t>
+              <a:t>Barcodescan durch Sprachbefehl initiiert</a:t>
             </a:r>
             <a:endParaRPr/>
           </a:p>
           <a:p>
-            <a:pPr lvl="1">
-              <a:lnSpc>
-                <a:spcPct val="100000"/>
-              </a:lnSpc>
-              <a:buFont typeface="Arial"/>
-              <a:buChar char="•"/>
-            </a:pPr>
-            <a:r>
-              <a:rPr lang="en-US" sz="2400" strike="noStrike">
-                <a:solidFill>
-                  <a:srgbClr val="000000"/>
-                </a:solidFill>
-                <a:latin typeface="Quicksand"/>
-              </a:rPr>
-              <a:t>Jeder hatte Aufgabenbereiche in jeder Entwicklungsebene</a:t>
-            </a:r>
-            <a:endParaRPr/>
-          </a:p>
-          <a:p>
-            <a:pPr>
-              <a:lnSpc>
-                <a:spcPct val="90000"/>
-              </a:lnSpc>
-              <a:buFont typeface="Arial"/>
-              <a:buChar char="•"/>
+            <a:pPr lvl="2">
+              <a:buSzPct val="45000"/>
+              <a:buFont typeface="StarSymbol"/>
+              <a:buChar char=""/>
             </a:pPr>
             <a:r>
               <a:rPr lang="en-US" sz="2800" strike="noStrike">
@@ -5836,26 +5904,54 @@
                 </a:solidFill>
                 <a:latin typeface="Quicksand"/>
               </a:rPr>
-              <a:t>Projekt Retrospektive</a:t>
+              <a:t>Optische Rückmeldung ob verzehrbar</a:t>
             </a:r>
             <a:endParaRPr/>
           </a:p>
           <a:p>
-            <a:pPr lvl="1">
-              <a:lnSpc>
-                <a:spcPct val="100000"/>
-              </a:lnSpc>
+            <a:pPr lvl="2">
+              <a:buSzPct val="45000"/>
+              <a:buFont typeface="StarSymbol"/>
+              <a:buChar char=""/>
+            </a:pPr>
+            <a:endParaRPr/>
+          </a:p>
+          <a:p>
+            <a:pPr>
               <a:buFont typeface="Arial"/>
               <a:buChar char="•"/>
             </a:pPr>
             <a:r>
-              <a:rPr lang="en-US" sz="2400" strike="noStrike">
+              <a:rPr lang="en-US" sz="2800" strike="noStrike">
                 <a:solidFill>
                   <a:srgbClr val="000000"/>
                 </a:solidFill>
                 <a:latin typeface="Quicksand"/>
               </a:rPr>
-              <a:t>Abwägung ob Scrum für kleine/studentische Projekte geeignet</a:t>
+              <a:t>Kommunikation via RESTful-API mit Server</a:t>
+            </a:r>
+            <a:endParaRPr/>
+          </a:p>
+          <a:p>
+            <a:pPr>
+              <a:buFont typeface="Arial"/>
+              <a:buChar char="•"/>
+            </a:pPr>
+            <a:endParaRPr/>
+          </a:p>
+          <a:p>
+            <a:pPr>
+              <a:buFont typeface="Arial"/>
+              <a:buChar char="•"/>
+            </a:pPr>
+            <a:r>
+              <a:rPr lang="en-US" sz="2800" strike="noStrike">
+                <a:solidFill>
+                  <a:srgbClr val="000000"/>
+                </a:solidFill>
+                <a:latin typeface="Quicksand"/>
+              </a:rPr>
+              <a:t>Geräte-Account-Kopplung mittels Barcode</a:t>
             </a:r>
             <a:endParaRPr/>
           </a:p>
@@ -5912,14 +6008,14 @@
       </p:grpSpPr>
       <p:sp>
         <p:nvSpPr>
-          <p:cNvPr id="131" name="CustomShape 1"/>
-          <p:cNvSpPr/>
+          <p:cNvPr id="137" name="TextShape 1"/>
+          <p:cNvSpPr txBox="1"/>
           <p:nvPr/>
         </p:nvSpPr>
         <p:spPr>
           <a:xfrm>
             <a:off x="838080" y="365040"/>
-            <a:ext cx="10514880" cy="1324800"/>
+            <a:ext cx="10515240" cy="1325160"/>
           </a:xfrm>
           <a:prstGeom prst="rect">
             <a:avLst/>
@@ -5929,14 +6025,8 @@
             <a:noFill/>
           </a:ln>
         </p:spPr>
-        <p:style>
-          <a:lnRef idx="0"/>
-          <a:fillRef idx="0"/>
-          <a:effectRef idx="0"/>
-          <a:fontRef idx="minor"/>
-        </p:style>
-        <p:txBody>
-          <a:bodyPr lIns="90000" rIns="90000" tIns="45000" bIns="45000" anchor="ctr"/>
+        <p:txBody>
+          <a:bodyPr anchor="ctr"/>
           <a:p>
             <a:pPr algn="ctr">
               <a:lnSpc>
@@ -5958,14 +6048,14 @@
       </p:sp>
       <p:sp>
         <p:nvSpPr>
-          <p:cNvPr id="132" name="CustomShape 2"/>
-          <p:cNvSpPr/>
+          <p:cNvPr id="138" name="TextShape 2"/>
+          <p:cNvSpPr txBox="1"/>
           <p:nvPr/>
         </p:nvSpPr>
         <p:spPr>
           <a:xfrm>
             <a:off x="838080" y="1825560"/>
-            <a:ext cx="10514880" cy="4350600"/>
+            <a:ext cx="10515240" cy="4350960"/>
           </a:xfrm>
           <a:prstGeom prst="rect">
             <a:avLst/>
@@ -5975,14 +6065,8 @@
             <a:noFill/>
           </a:ln>
         </p:spPr>
-        <p:style>
-          <a:lnRef idx="0"/>
-          <a:fillRef idx="0"/>
-          <a:effectRef idx="0"/>
-          <a:fontRef idx="minor"/>
-        </p:style>
-        <p:txBody>
-          <a:bodyPr lIns="90000" rIns="90000" tIns="45000" bIns="45000"/>
+        <p:txBody>
+          <a:bodyPr/>
           <a:p>
             <a:pPr>
               <a:lnSpc>
@@ -5998,7 +6082,7 @@
                 </a:solidFill>
                 <a:latin typeface="Quicksand"/>
               </a:rPr>
-              <a:t>GitHub</a:t>
+              <a:t>Ablauf eines kompletten Scrum Projekts</a:t>
             </a:r>
             <a:endParaRPr/>
           </a:p>
@@ -6017,7 +6101,64 @@
                 </a:solidFill>
                 <a:latin typeface="Quicksand"/>
               </a:rPr>
-              <a:t>ZenHub</a:t>
+              <a:t>6 Sprintwechsel</a:t>
+            </a:r>
+            <a:endParaRPr/>
+          </a:p>
+          <a:p>
+            <a:pPr lvl="2">
+              <a:lnSpc>
+                <a:spcPct val="100000"/>
+              </a:lnSpc>
+              <a:buFont typeface="Arial"/>
+              <a:buChar char="•"/>
+            </a:pPr>
+            <a:r>
+              <a:rPr lang="en-US" sz="2000" strike="noStrike">
+                <a:solidFill>
+                  <a:srgbClr val="000000"/>
+                </a:solidFill>
+                <a:latin typeface="Quicksand"/>
+              </a:rPr>
+              <a:t>Abnahme von Issues</a:t>
+            </a:r>
+            <a:endParaRPr/>
+          </a:p>
+          <a:p>
+            <a:pPr lvl="2">
+              <a:lnSpc>
+                <a:spcPct val="100000"/>
+              </a:lnSpc>
+              <a:buFont typeface="Arial"/>
+              <a:buChar char="•"/>
+            </a:pPr>
+            <a:r>
+              <a:rPr lang="en-US" sz="2000" strike="noStrike">
+                <a:solidFill>
+                  <a:srgbClr val="000000"/>
+                </a:solidFill>
+                <a:latin typeface="Quicksand"/>
+              </a:rPr>
+              <a:t>Retrospektive</a:t>
+            </a:r>
+            <a:endParaRPr/>
+          </a:p>
+          <a:p>
+            <a:pPr lvl="2">
+              <a:lnSpc>
+                <a:spcPct val="100000"/>
+              </a:lnSpc>
+              <a:buFont typeface="Arial"/>
+              <a:buChar char="•"/>
+            </a:pPr>
+            <a:r>
+              <a:rPr lang="en-US" sz="2000" strike="noStrike">
+                <a:solidFill>
+                  <a:srgbClr val="000000"/>
+                </a:solidFill>
+                <a:latin typeface="Quicksand"/>
+              </a:rPr>
+              <a:t>Verteilung von Issues</a:t>
             </a:r>
             <a:endParaRPr/>
           </a:p>
@@ -6036,7 +6177,26 @@
                 </a:solidFill>
                 <a:latin typeface="Quicksand"/>
               </a:rPr>
-              <a:t>StarUML</a:t>
+              <a:t>Übersicht aller Entwicklungsebenen</a:t>
+            </a:r>
+            <a:endParaRPr/>
+          </a:p>
+          <a:p>
+            <a:pPr lvl="1">
+              <a:lnSpc>
+                <a:spcPct val="100000"/>
+              </a:lnSpc>
+              <a:buFont typeface="Arial"/>
+              <a:buChar char="•"/>
+            </a:pPr>
+            <a:r>
+              <a:rPr lang="en-US" sz="2400" strike="noStrike">
+                <a:solidFill>
+                  <a:srgbClr val="000000"/>
+                </a:solidFill>
+                <a:latin typeface="Quicksand"/>
+              </a:rPr>
+              <a:t>Jeder hatte Aufgabenbereiche in jeder Entwicklungsebene</a:t>
             </a:r>
             <a:endParaRPr/>
           </a:p>
@@ -6045,7 +6205,37 @@
               <a:lnSpc>
                 <a:spcPct val="90000"/>
               </a:lnSpc>
-            </a:pPr>
+              <a:buFont typeface="Arial"/>
+              <a:buChar char="•"/>
+            </a:pPr>
+            <a:r>
+              <a:rPr lang="en-US" sz="2800" strike="noStrike">
+                <a:solidFill>
+                  <a:srgbClr val="000000"/>
+                </a:solidFill>
+                <a:latin typeface="Quicksand"/>
+              </a:rPr>
+              <a:t>Projekt Retrospektive</a:t>
+            </a:r>
+            <a:endParaRPr/>
+          </a:p>
+          <a:p>
+            <a:pPr lvl="1">
+              <a:lnSpc>
+                <a:spcPct val="100000"/>
+              </a:lnSpc>
+              <a:buFont typeface="Arial"/>
+              <a:buChar char="•"/>
+            </a:pPr>
+            <a:r>
+              <a:rPr lang="en-US" sz="2400" strike="noStrike">
+                <a:solidFill>
+                  <a:srgbClr val="000000"/>
+                </a:solidFill>
+                <a:latin typeface="Quicksand"/>
+              </a:rPr>
+              <a:t>Abwägung ob Scrum für kleine/studentische Projekte geeignet</a:t>
+            </a:r>
             <a:endParaRPr/>
           </a:p>
         </p:txBody>
@@ -6101,14 +6291,14 @@
       </p:grpSpPr>
       <p:sp>
         <p:nvSpPr>
-          <p:cNvPr id="133" name="CustomShape 1"/>
-          <p:cNvSpPr/>
+          <p:cNvPr id="139" name="TextShape 1"/>
+          <p:cNvSpPr txBox="1"/>
           <p:nvPr/>
         </p:nvSpPr>
         <p:spPr>
           <a:xfrm>
             <a:off x="838080" y="365040"/>
-            <a:ext cx="10514880" cy="1324800"/>
+            <a:ext cx="10515240" cy="1325160"/>
           </a:xfrm>
           <a:prstGeom prst="rect">
             <a:avLst/>
@@ -6118,14 +6308,8 @@
             <a:noFill/>
           </a:ln>
         </p:spPr>
-        <p:style>
-          <a:lnRef idx="0"/>
-          <a:fillRef idx="0"/>
-          <a:effectRef idx="0"/>
-          <a:fontRef idx="minor"/>
-        </p:style>
-        <p:txBody>
-          <a:bodyPr lIns="90000" rIns="90000" tIns="45000" bIns="45000" anchor="ctr"/>
+        <p:txBody>
+          <a:bodyPr anchor="ctr"/>
           <a:p>
             <a:pPr algn="ctr">
               <a:lnSpc>
@@ -6139,7 +6323,7 @@
                 </a:solidFill>
                 <a:latin typeface="Quicksand"/>
               </a:rPr>
-              <a:t>Future Vision</a:t>
+              <a:t>Lesson learned</a:t>
             </a:r>
             <a:endParaRPr/>
           </a:p>
@@ -6147,14 +6331,14 @@
       </p:sp>
       <p:sp>
         <p:nvSpPr>
-          <p:cNvPr id="134" name="CustomShape 2"/>
-          <p:cNvSpPr/>
+          <p:cNvPr id="140" name="TextShape 2"/>
+          <p:cNvSpPr txBox="1"/>
           <p:nvPr/>
         </p:nvSpPr>
         <p:spPr>
           <a:xfrm>
             <a:off x="838080" y="1825560"/>
-            <a:ext cx="10514880" cy="4350600"/>
+            <a:ext cx="10515240" cy="4350960"/>
           </a:xfrm>
           <a:prstGeom prst="rect">
             <a:avLst/>
@@ -6164,14 +6348,8 @@
             <a:noFill/>
           </a:ln>
         </p:spPr>
-        <p:style>
-          <a:lnRef idx="0"/>
-          <a:fillRef idx="0"/>
-          <a:effectRef idx="0"/>
-          <a:fontRef idx="minor"/>
-        </p:style>
-        <p:txBody>
-          <a:bodyPr lIns="90000" rIns="90000" tIns="45000" bIns="45000"/>
+        <p:txBody>
+          <a:bodyPr/>
           <a:p>
             <a:pPr>
               <a:lnSpc>
@@ -6187,7 +6365,26 @@
                 </a:solidFill>
                 <a:latin typeface="Quicksand"/>
               </a:rPr>
-              <a:t>Android App</a:t>
+              <a:t>GitHub</a:t>
+            </a:r>
+            <a:endParaRPr/>
+          </a:p>
+          <a:p>
+            <a:pPr lvl="1">
+              <a:lnSpc>
+                <a:spcPct val="100000"/>
+              </a:lnSpc>
+              <a:buFont typeface="Arial"/>
+              <a:buChar char="•"/>
+            </a:pPr>
+            <a:r>
+              <a:rPr lang="en-US" sz="2400" strike="noStrike">
+                <a:solidFill>
+                  <a:srgbClr val="000000"/>
+                </a:solidFill>
+                <a:latin typeface="Quicksand"/>
+              </a:rPr>
+              <a:t>ZenHub</a:t>
             </a:r>
             <a:endParaRPr/>
           </a:p>
@@ -6206,7 +6403,7 @@
                 </a:solidFill>
                 <a:latin typeface="Quicksand"/>
               </a:rPr>
-              <a:t>Erweiterung um die Information der genauen Inhaltsstoffe mit Mengen angaben</a:t>
+              <a:t>StarUML</a:t>
             </a:r>
             <a:endParaRPr/>
           </a:p>
@@ -6215,18 +6412,7 @@
               <a:lnSpc>
                 <a:spcPct val="90000"/>
               </a:lnSpc>
-              <a:buFont typeface="Arial"/>
-              <a:buChar char="•"/>
-            </a:pPr>
-            <a:r>
-              <a:rPr lang="en-US" sz="2800" strike="noStrike">
-                <a:solidFill>
-                  <a:srgbClr val="000000"/>
-                </a:solidFill>
-                <a:latin typeface="Quicksand"/>
-              </a:rPr>
-              <a:t>Blacklist erweitern um Zutaten meiden ab einer gewissen Menge bsp. Zucker</a:t>
-            </a:r>
+            </a:pPr>
             <a:endParaRPr/>
           </a:p>
         </p:txBody>
@@ -6282,14 +6468,14 @@
       </p:grpSpPr>
       <p:sp>
         <p:nvSpPr>
-          <p:cNvPr id="135" name="CustomShape 1"/>
-          <p:cNvSpPr/>
+          <p:cNvPr id="141" name="TextShape 1"/>
+          <p:cNvSpPr txBox="1"/>
           <p:nvPr/>
         </p:nvSpPr>
         <p:spPr>
           <a:xfrm>
             <a:off x="838080" y="365040"/>
-            <a:ext cx="10514880" cy="1324800"/>
+            <a:ext cx="10515240" cy="1325160"/>
           </a:xfrm>
           <a:prstGeom prst="rect">
             <a:avLst/>
@@ -6299,23 +6485,37 @@
             <a:noFill/>
           </a:ln>
         </p:spPr>
-        <p:style>
-          <a:lnRef idx="0"/>
-          <a:fillRef idx="0"/>
-          <a:effectRef idx="0"/>
-          <a:fontRef idx="minor"/>
-        </p:style>
-      </p:sp>
-      <p:sp>
-        <p:nvSpPr>
-          <p:cNvPr id="136" name="CustomShape 2"/>
-          <p:cNvSpPr/>
+        <p:txBody>
+          <a:bodyPr anchor="ctr"/>
+          <a:p>
+            <a:pPr algn="ctr">
+              <a:lnSpc>
+                <a:spcPct val="100000"/>
+              </a:lnSpc>
+            </a:pPr>
+            <a:r>
+              <a:rPr b="1" lang="en-US" sz="4400" strike="noStrike">
+                <a:solidFill>
+                  <a:srgbClr val="000000"/>
+                </a:solidFill>
+                <a:latin typeface="Quicksand"/>
+              </a:rPr>
+              <a:t>Future Vision</a:t>
+            </a:r>
+            <a:endParaRPr/>
+          </a:p>
+        </p:txBody>
+      </p:sp>
+      <p:sp>
+        <p:nvSpPr>
+          <p:cNvPr id="142" name="TextShape 2"/>
+          <p:cNvSpPr txBox="1"/>
           <p:nvPr/>
         </p:nvSpPr>
         <p:spPr>
           <a:xfrm>
             <a:off x="838080" y="1825560"/>
-            <a:ext cx="10514880" cy="4350600"/>
+            <a:ext cx="10515240" cy="4350960"/>
           </a:xfrm>
           <a:prstGeom prst="rect">
             <a:avLst/>
@@ -6325,14 +6525,163 @@
             <a:noFill/>
           </a:ln>
         </p:spPr>
-        <p:style>
-          <a:lnRef idx="0"/>
-          <a:fillRef idx="0"/>
-          <a:effectRef idx="0"/>
-          <a:fontRef idx="minor"/>
-        </p:style>
-        <p:txBody>
-          <a:bodyPr lIns="90000" rIns="90000" tIns="45000" bIns="45000"/>
+        <p:txBody>
+          <a:bodyPr/>
+          <a:p>
+            <a:pPr>
+              <a:lnSpc>
+                <a:spcPct val="90000"/>
+              </a:lnSpc>
+              <a:buFont typeface="Arial"/>
+              <a:buChar char="•"/>
+            </a:pPr>
+            <a:r>
+              <a:rPr lang="en-US" sz="2800" strike="noStrike">
+                <a:solidFill>
+                  <a:srgbClr val="000000"/>
+                </a:solidFill>
+                <a:latin typeface="Quicksand"/>
+              </a:rPr>
+              <a:t>Android App</a:t>
+            </a:r>
+            <a:endParaRPr/>
+          </a:p>
+          <a:p>
+            <a:pPr>
+              <a:lnSpc>
+                <a:spcPct val="90000"/>
+              </a:lnSpc>
+              <a:buFont typeface="Arial"/>
+              <a:buChar char="•"/>
+            </a:pPr>
+            <a:r>
+              <a:rPr lang="en-US" sz="2800" strike="noStrike">
+                <a:solidFill>
+                  <a:srgbClr val="000000"/>
+                </a:solidFill>
+                <a:latin typeface="Quicksand"/>
+              </a:rPr>
+              <a:t>Erweiterung um die Information der genauen Inhaltsstoffe mit Mengen angaben</a:t>
+            </a:r>
+            <a:endParaRPr/>
+          </a:p>
+          <a:p>
+            <a:pPr>
+              <a:lnSpc>
+                <a:spcPct val="90000"/>
+              </a:lnSpc>
+              <a:buFont typeface="Arial"/>
+              <a:buChar char="•"/>
+            </a:pPr>
+            <a:r>
+              <a:rPr lang="en-US" sz="2800" strike="noStrike">
+                <a:solidFill>
+                  <a:srgbClr val="000000"/>
+                </a:solidFill>
+                <a:latin typeface="Quicksand"/>
+              </a:rPr>
+              <a:t>Blacklist erweitern um Zutaten meiden ab einer gewissen Menge bsp. Zucker</a:t>
+            </a:r>
+            <a:endParaRPr/>
+          </a:p>
+        </p:txBody>
+      </p:sp>
+    </p:spTree>
+  </p:cSld>
+  <p:timing>
+    <p:tnLst>
+      <p:par>
+        <p:cTn id="53" dur="indefinite" restart="never" nodeType="tmRoot">
+          <p:childTnLst>
+            <p:seq>
+              <p:cTn id="54" nodeType="mainSeq"/>
+              <p:prevCondLst>
+                <p:cond delay="0" evt="onPrev">
+                  <p:tgtEl>
+                    <p:sldTgt/>
+                  </p:tgtEl>
+                </p:cond>
+              </p:prevCondLst>
+              <p:nextCondLst>
+                <p:cond delay="0" evt="onNext">
+                  <p:tgtEl>
+                    <p:sldTgt/>
+                  </p:tgtEl>
+                </p:cond>
+              </p:nextCondLst>
+            </p:seq>
+          </p:childTnLst>
+        </p:cTn>
+      </p:par>
+    </p:tnLst>
+  </p:timing>
+</p:sld>
+</file>
+
+<file path=ppt/slides/slide28.xml><?xml version="1.0" encoding="utf-8"?>
+<p:sld xmlns:a="http://schemas.openxmlformats.org/drawingml/2006/main" xmlns:p="http://schemas.openxmlformats.org/presentationml/2006/main" xmlns:r="http://schemas.openxmlformats.org/officeDocument/2006/relationships">
+  <p:cSld>
+    <p:spTree>
+      <p:nvGrpSpPr>
+        <p:cNvPr id="1" name=""/>
+        <p:cNvGrpSpPr/>
+        <p:nvPr/>
+      </p:nvGrpSpPr>
+      <p:grpSpPr>
+        <a:xfrm>
+          <a:off x="0" y="0"/>
+          <a:ext cx="0" cy="0"/>
+          <a:chOff x="0" y="0"/>
+          <a:chExt cx="0" cy="0"/>
+        </a:xfrm>
+      </p:grpSpPr>
+      <p:sp>
+        <p:nvSpPr>
+          <p:cNvPr id="143" name="TextShape 1"/>
+          <p:cNvSpPr txBox="1"/>
+          <p:nvPr/>
+        </p:nvSpPr>
+        <p:spPr>
+          <a:xfrm>
+            <a:off x="838080" y="365040"/>
+            <a:ext cx="10515240" cy="1325160"/>
+          </a:xfrm>
+          <a:prstGeom prst="rect">
+            <a:avLst/>
+          </a:prstGeom>
+          <a:noFill/>
+          <a:ln>
+            <a:noFill/>
+          </a:ln>
+        </p:spPr>
+        <p:txBody>
+          <a:bodyPr anchor="ctr"/>
+          <a:p>
+            <a:endParaRPr/>
+          </a:p>
+        </p:txBody>
+      </p:sp>
+      <p:sp>
+        <p:nvSpPr>
+          <p:cNvPr id="144" name="TextShape 2"/>
+          <p:cNvSpPr txBox="1"/>
+          <p:nvPr/>
+        </p:nvSpPr>
+        <p:spPr>
+          <a:xfrm>
+            <a:off x="838080" y="1825560"/>
+            <a:ext cx="10515240" cy="4350960"/>
+          </a:xfrm>
+          <a:prstGeom prst="rect">
+            <a:avLst/>
+          </a:prstGeom>
+          <a:noFill/>
+          <a:ln>
+            <a:noFill/>
+          </a:ln>
+        </p:spPr>
+        <p:txBody>
+          <a:bodyPr/>
           <a:p>
             <a:pPr>
               <a:lnSpc>
@@ -6398,10 +6747,10 @@
   <p:timing>
     <p:tnLst>
       <p:par>
-        <p:cTn id="53" dur="indefinite" restart="never" nodeType="tmRoot">
+        <p:cTn id="55" dur="indefinite" restart="never" nodeType="tmRoot">
           <p:childTnLst>
             <p:seq>
-              <p:cTn id="54" nodeType="mainSeq"/>
+              <p:cTn id="56" nodeType="mainSeq"/>
               <p:prevCondLst>
                 <p:cond delay="0" evt="onPrev">
                   <p:tgtEl>
@@ -6444,14 +6793,14 @@
       </p:grpSpPr>
       <p:sp>
         <p:nvSpPr>
-          <p:cNvPr id="79" name="CustomShape 1"/>
-          <p:cNvSpPr/>
+          <p:cNvPr id="85" name="TextShape 1"/>
+          <p:cNvSpPr txBox="1"/>
           <p:nvPr/>
         </p:nvSpPr>
         <p:spPr>
           <a:xfrm>
             <a:off x="0" y="0"/>
-            <a:ext cx="12191400" cy="1324800"/>
+            <a:ext cx="12191760" cy="1325160"/>
           </a:xfrm>
           <a:prstGeom prst="rect">
             <a:avLst/>
@@ -6461,14 +6810,8 @@
             <a:noFill/>
           </a:ln>
         </p:spPr>
-        <p:style>
-          <a:lnRef idx="0"/>
-          <a:fillRef idx="0"/>
-          <a:effectRef idx="0"/>
-          <a:fontRef idx="minor"/>
-        </p:style>
-        <p:txBody>
-          <a:bodyPr lIns="90000" rIns="90000" tIns="45000" bIns="45000" anchor="ctr"/>
+        <p:txBody>
+          <a:bodyPr anchor="ctr"/>
           <a:p>
             <a:pPr algn="ctr">
               <a:lnSpc>
@@ -6490,13 +6833,13 @@
       </p:sp>
       <p:graphicFrame>
         <p:nvGraphicFramePr>
-          <p:cNvPr id="80" name="Table 2"/>
+          <p:cNvPr id="86" name="Table 2"/>
           <p:cNvGraphicFramePr/>
           <p:nvPr/>
         </p:nvGraphicFramePr>
         <p:xfrm>
           <a:off x="341280" y="1242000"/>
-          <a:ext cx="11517840" cy="5041080"/>
+          <a:ext cx="11518200" cy="5041440"/>
         </p:xfrm>
         <a:graphic>
           <a:graphicData uri="http://schemas.openxmlformats.org/drawingml/2006/table">
@@ -6507,10 +6850,10 @@
                 <a:gridCol w="9258120"/>
                 <a:gridCol w="1446480"/>
               </a:tblGrid>
-              <a:tr h="327960">
-                <a:tc>
-                  <a:txBody>
-                    <a:bodyPr/>
+              <a:tr h="328680">
+                <a:tc>
+                  <a:txBody>
+                    <a:bodyPr lIns="68400" rIns="68400" tIns="0" bIns="0"/>
                     <a:p>
                       <a:pPr algn="ctr">
                         <a:lnSpc>
@@ -6533,7 +6876,7 @@
                 </a:tc>
                 <a:tc>
                   <a:txBody>
-                    <a:bodyPr/>
+                    <a:bodyPr lIns="68400" rIns="68400" tIns="0" bIns="0"/>
                     <a:p>
                       <a:pPr algn="ctr">
                         <a:lnSpc>
@@ -6556,7 +6899,7 @@
                 </a:tc>
                 <a:tc>
                   <a:txBody>
-                    <a:bodyPr/>
+                    <a:bodyPr lIns="68400" rIns="68400" tIns="0" bIns="0"/>
                     <a:p>
                       <a:pPr algn="ctr">
                         <a:lnSpc>
@@ -6578,10 +6921,10 @@
                   <a:tcPr/>
                 </a:tc>
               </a:tr>
-              <a:tr h="293040">
-                <a:tc>
-                  <a:txBody>
-                    <a:bodyPr/>
+              <a:tr h="267840">
+                <a:tc>
+                  <a:txBody>
+                    <a:bodyPr lIns="68400" rIns="68400" tIns="0" bIns="0"/>
                     <a:p>
                       <a:pPr algn="ctr">
                         <a:lnSpc>
@@ -6604,7 +6947,7 @@
                 </a:tc>
                 <a:tc>
                   <a:txBody>
-                    <a:bodyPr/>
+                    <a:bodyPr lIns="68400" rIns="68400" tIns="0" bIns="0"/>
                     <a:p>
                       <a:pPr algn="ctr">
                         <a:lnSpc>
@@ -6627,7 +6970,7 @@
                 </a:tc>
                 <a:tc>
                   <a:txBody>
-                    <a:bodyPr/>
+                    <a:bodyPr lIns="68400" rIns="68400" tIns="0" bIns="0"/>
                     <a:p>
                       <a:pPr algn="ctr">
                         <a:lnSpc>
@@ -6649,10 +6992,10 @@
                   <a:tcPr/>
                 </a:tc>
               </a:tr>
-              <a:tr h="555480">
-                <a:tc>
-                  <a:txBody>
-                    <a:bodyPr/>
+              <a:tr h="561600">
+                <a:tc>
+                  <a:txBody>
+                    <a:bodyPr lIns="68400" rIns="68400" tIns="0" bIns="0" anchor="ctr"/>
                     <a:p>
                       <a:pPr algn="ctr">
                         <a:lnSpc>
@@ -6675,7 +7018,7 @@
                 </a:tc>
                 <a:tc>
                   <a:txBody>
-                    <a:bodyPr/>
+                    <a:bodyPr lIns="68400" rIns="68400" tIns="0" bIns="0" anchor="ctr"/>
                     <a:p>
                       <a:pPr algn="ctr">
                         <a:lnSpc>
@@ -6698,7 +7041,7 @@
                 </a:tc>
                 <a:tc>
                   <a:txBody>
-                    <a:bodyPr/>
+                    <a:bodyPr lIns="68400" rIns="68400" tIns="0" bIns="0" anchor="ctr"/>
                     <a:p>
                       <a:pPr algn="ctr">
                         <a:lnSpc>
@@ -6720,10 +7063,10 @@
                   <a:tcPr/>
                 </a:tc>
               </a:tr>
-              <a:tr h="824040">
-                <a:tc>
-                  <a:txBody>
-                    <a:bodyPr/>
+              <a:tr h="833040">
+                <a:tc>
+                  <a:txBody>
+                    <a:bodyPr lIns="68400" rIns="68400" tIns="0" bIns="0" anchor="ctr"/>
                     <a:p>
                       <a:pPr algn="ctr">
                         <a:lnSpc>
@@ -6746,7 +7089,7 @@
                 </a:tc>
                 <a:tc>
                   <a:txBody>
-                    <a:bodyPr/>
+                    <a:bodyPr lIns="68400" rIns="68400" tIns="0" bIns="0" anchor="ctr"/>
                     <a:p>
                       <a:pPr algn="ctr">
                         <a:lnSpc>
@@ -6769,7 +7112,7 @@
                 </a:tc>
                 <a:tc>
                   <a:txBody>
-                    <a:bodyPr/>
+                    <a:bodyPr lIns="68400" rIns="68400" tIns="0" bIns="0" anchor="ctr"/>
                     <a:p>
                       <a:pPr algn="ctr">
                         <a:lnSpc>
@@ -6791,10 +7134,10 @@
                   <a:tcPr/>
                 </a:tc>
               </a:tr>
-              <a:tr h="824040">
-                <a:tc>
-                  <a:txBody>
-                    <a:bodyPr/>
+              <a:tr h="833040">
+                <a:tc>
+                  <a:txBody>
+                    <a:bodyPr lIns="68400" rIns="68400" tIns="0" bIns="0" anchor="ctr"/>
                     <a:p>
                       <a:pPr algn="ctr">
                         <a:lnSpc>
@@ -6817,7 +7160,7 @@
                 </a:tc>
                 <a:tc>
                   <a:txBody>
-                    <a:bodyPr/>
+                    <a:bodyPr lIns="68400" rIns="68400" tIns="0" bIns="0" anchor="ctr"/>
                     <a:p>
                       <a:pPr algn="ctr">
                         <a:lnSpc>
@@ -6840,7 +7183,7 @@
                 </a:tc>
                 <a:tc>
                   <a:txBody>
-                    <a:bodyPr/>
+                    <a:bodyPr lIns="68400" rIns="68400" tIns="0" bIns="0" anchor="ctr"/>
                     <a:p>
                       <a:pPr algn="ctr">
                         <a:lnSpc>
@@ -6862,10 +7205,10 @@
                   <a:tcPr/>
                 </a:tc>
               </a:tr>
-              <a:tr h="543960">
-                <a:tc>
-                  <a:txBody>
-                    <a:bodyPr/>
+              <a:tr h="550080">
+                <a:tc>
+                  <a:txBody>
+                    <a:bodyPr lIns="68400" rIns="68400" tIns="0" bIns="0" anchor="ctr"/>
                     <a:p>
                       <a:pPr algn="ctr">
                         <a:lnSpc>
@@ -6888,7 +7231,7 @@
                 </a:tc>
                 <a:tc>
                   <a:txBody>
-                    <a:bodyPr/>
+                    <a:bodyPr lIns="68400" rIns="68400" tIns="0" bIns="0" anchor="ctr"/>
                     <a:p>
                       <a:pPr algn="ctr">
                         <a:lnSpc>
@@ -6911,7 +7254,7 @@
                 </a:tc>
                 <a:tc>
                   <a:txBody>
-                    <a:bodyPr/>
+                    <a:bodyPr lIns="68400" rIns="68400" tIns="0" bIns="0" anchor="ctr"/>
                     <a:p>
                       <a:pPr algn="ctr">
                         <a:lnSpc>
@@ -6933,10 +7276,10 @@
                   <a:tcPr/>
                 </a:tc>
               </a:tr>
-              <a:tr h="824040">
-                <a:tc>
-                  <a:txBody>
-                    <a:bodyPr/>
+              <a:tr h="833040">
+                <a:tc>
+                  <a:txBody>
+                    <a:bodyPr lIns="68400" rIns="68400" tIns="0" bIns="0" anchor="ctr"/>
                     <a:p>
                       <a:pPr algn="ctr">
                         <a:lnSpc>
@@ -6959,7 +7302,7 @@
                 </a:tc>
                 <a:tc>
                   <a:txBody>
-                    <a:bodyPr/>
+                    <a:bodyPr lIns="68400" rIns="68400" tIns="0" bIns="0" anchor="ctr"/>
                     <a:p>
                       <a:pPr algn="ctr">
                         <a:lnSpc>
@@ -6982,7 +7325,7 @@
                 </a:tc>
                 <a:tc>
                   <a:txBody>
-                    <a:bodyPr/>
+                    <a:bodyPr lIns="68400" rIns="68400" tIns="0" bIns="0" anchor="ctr"/>
                     <a:p>
                       <a:pPr algn="ctr">
                         <a:lnSpc>
@@ -7004,10 +7347,10 @@
                   <a:tcPr/>
                 </a:tc>
               </a:tr>
-              <a:tr h="822960">
-                <a:tc>
-                  <a:txBody>
-                    <a:bodyPr/>
+              <a:tr h="834120">
+                <a:tc>
+                  <a:txBody>
+                    <a:bodyPr lIns="68400" rIns="68400" tIns="0" bIns="0" anchor="ctr"/>
                     <a:p>
                       <a:pPr algn="ctr">
                         <a:lnSpc>
@@ -7030,7 +7373,7 @@
                 </a:tc>
                 <a:tc>
                   <a:txBody>
-                    <a:bodyPr/>
+                    <a:bodyPr lIns="68400" rIns="68400" tIns="0" bIns="0" anchor="ctr"/>
                     <a:p>
                       <a:pPr algn="ctr">
                         <a:lnSpc>
@@ -7053,7 +7396,7 @@
                 </a:tc>
                 <a:tc>
                   <a:txBody>
-                    <a:bodyPr/>
+                    <a:bodyPr lIns="68400" rIns="68400" tIns="0" bIns="0" anchor="ctr"/>
                     <a:p>
                       <a:pPr algn="ctr">
                         <a:lnSpc>
@@ -7130,14 +7473,14 @@
       </p:grpSpPr>
       <p:sp>
         <p:nvSpPr>
-          <p:cNvPr id="81" name="CustomShape 1"/>
-          <p:cNvSpPr/>
+          <p:cNvPr id="87" name="TextShape 1"/>
+          <p:cNvSpPr txBox="1"/>
           <p:nvPr/>
         </p:nvSpPr>
         <p:spPr>
           <a:xfrm>
             <a:off x="0" y="0"/>
-            <a:ext cx="12191400" cy="1324800"/>
+            <a:ext cx="12191760" cy="1325160"/>
           </a:xfrm>
           <a:prstGeom prst="rect">
             <a:avLst/>
@@ -7147,14 +7490,8 @@
             <a:noFill/>
           </a:ln>
         </p:spPr>
-        <p:style>
-          <a:lnRef idx="0"/>
-          <a:fillRef idx="0"/>
-          <a:effectRef idx="0"/>
-          <a:fontRef idx="minor"/>
-        </p:style>
-        <p:txBody>
-          <a:bodyPr lIns="90000" rIns="90000" tIns="45000" bIns="45000" anchor="ctr"/>
+        <p:txBody>
+          <a:bodyPr anchor="ctr"/>
           <a:p>
             <a:pPr algn="ctr">
               <a:lnSpc>
@@ -7176,13 +7513,13 @@
       </p:sp>
       <p:graphicFrame>
         <p:nvGraphicFramePr>
-          <p:cNvPr id="82" name="Table 2"/>
+          <p:cNvPr id="88" name="Table 2"/>
           <p:cNvGraphicFramePr/>
           <p:nvPr/>
         </p:nvGraphicFramePr>
         <p:xfrm>
           <a:off x="341280" y="1242000"/>
-          <a:ext cx="11494800" cy="4866120"/>
+          <a:ext cx="11495160" cy="4866480"/>
         </p:xfrm>
         <a:graphic>
           <a:graphicData uri="http://schemas.openxmlformats.org/drawingml/2006/table">
@@ -7193,10 +7530,10 @@
                 <a:gridCol w="9269640"/>
                 <a:gridCol w="1446480"/>
               </a:tblGrid>
-              <a:tr h="341280">
-                <a:tc>
-                  <a:txBody>
-                    <a:bodyPr/>
+              <a:tr h="371160">
+                <a:tc>
+                  <a:txBody>
+                    <a:bodyPr lIns="68400" rIns="68400" tIns="0" bIns="0"/>
                     <a:p>
                       <a:pPr algn="ctr">
                         <a:lnSpc>
@@ -7219,7 +7556,7 @@
                 </a:tc>
                 <a:tc>
                   <a:txBody>
-                    <a:bodyPr/>
+                    <a:bodyPr lIns="68400" rIns="68400" tIns="0" bIns="0"/>
                     <a:p>
                       <a:pPr algn="ctr">
                         <a:lnSpc>
@@ -7242,7 +7579,7 @@
                 </a:tc>
                 <a:tc>
                   <a:txBody>
-                    <a:bodyPr/>
+                    <a:bodyPr lIns="68400" rIns="68400" tIns="0" bIns="0"/>
                     <a:p>
                       <a:pPr algn="ctr">
                         <a:lnSpc>
@@ -7264,10 +7601,10 @@
                   <a:tcPr/>
                 </a:tc>
               </a:tr>
-              <a:tr h="305280">
-                <a:tc>
-                  <a:txBody>
-                    <a:bodyPr/>
+              <a:tr h="331920">
+                <a:tc>
+                  <a:txBody>
+                    <a:bodyPr lIns="68400" rIns="68400" tIns="0" bIns="0"/>
                     <a:p>
                       <a:pPr algn="ctr">
                         <a:lnSpc>
@@ -7290,7 +7627,7 @@
                 </a:tc>
                 <a:tc>
                   <a:txBody>
-                    <a:bodyPr/>
+                    <a:bodyPr lIns="68400" rIns="68400" tIns="0" bIns="0"/>
                     <a:p>
                       <a:pPr algn="ctr">
                         <a:lnSpc>
@@ -7313,7 +7650,7 @@
                 </a:tc>
                 <a:tc>
                   <a:txBody>
-                    <a:bodyPr/>
+                    <a:bodyPr lIns="68400" rIns="68400" tIns="0" bIns="0"/>
                     <a:p>
                       <a:pPr algn="ctr">
                         <a:lnSpc>
@@ -7335,10 +7672,10 @@
                   <a:tcPr/>
                 </a:tc>
               </a:tr>
-              <a:tr h="473040">
-                <a:tc>
-                  <a:txBody>
-                    <a:bodyPr/>
+              <a:tr h="432720">
+                <a:tc>
+                  <a:txBody>
+                    <a:bodyPr lIns="68400" rIns="68400" tIns="0" bIns="0" anchor="ctr"/>
                     <a:p>
                       <a:pPr algn="ctr">
                         <a:lnSpc>
@@ -7361,7 +7698,7 @@
                 </a:tc>
                 <a:tc>
                   <a:txBody>
-                    <a:bodyPr/>
+                    <a:bodyPr lIns="68400" rIns="68400" tIns="0" bIns="0" anchor="ctr"/>
                     <a:p>
                       <a:pPr algn="ctr">
                         <a:lnSpc>
@@ -7384,7 +7721,7 @@
                 </a:tc>
                 <a:tc>
                   <a:txBody>
-                    <a:bodyPr/>
+                    <a:bodyPr lIns="68400" rIns="68400" tIns="0" bIns="0" anchor="ctr"/>
                     <a:p>
                       <a:pPr algn="ctr">
                         <a:lnSpc>
@@ -7406,10 +7743,10 @@
                   <a:tcPr/>
                 </a:tc>
               </a:tr>
-              <a:tr h="341280">
-                <a:tc>
-                  <a:txBody>
-                    <a:bodyPr/>
+              <a:tr h="371160">
+                <a:tc>
+                  <a:txBody>
+                    <a:bodyPr lIns="68400" rIns="68400" tIns="0" bIns="0" anchor="ctr"/>
                     <a:p>
                       <a:pPr algn="ctr">
                         <a:lnSpc>
@@ -7432,7 +7769,7 @@
                 </a:tc>
                 <a:tc>
                   <a:txBody>
-                    <a:bodyPr/>
+                    <a:bodyPr lIns="68400" rIns="68400" tIns="0" bIns="0" anchor="ctr"/>
                     <a:p>
                       <a:pPr algn="ctr">
                         <a:lnSpc>
@@ -7455,7 +7792,7 @@
                 </a:tc>
                 <a:tc>
                   <a:txBody>
-                    <a:bodyPr/>
+                    <a:bodyPr lIns="68400" rIns="68400" tIns="0" bIns="0" anchor="ctr"/>
                     <a:p>
                       <a:pPr algn="ctr">
                         <a:lnSpc>
@@ -7477,10 +7814,10 @@
                   <a:tcPr/>
                 </a:tc>
               </a:tr>
-              <a:tr h="279360">
-                <a:tc>
-                  <a:txBody>
-                    <a:bodyPr/>
+              <a:tr h="264240">
+                <a:tc>
+                  <a:txBody>
+                    <a:bodyPr lIns="68400" rIns="68400" tIns="0" bIns="0"/>
                     <a:p>
                       <a:pPr algn="ctr">
                         <a:lnSpc>
@@ -7503,7 +7840,7 @@
                 </a:tc>
                 <a:tc>
                   <a:txBody>
-                    <a:bodyPr/>
+                    <a:bodyPr lIns="68400" rIns="68400" tIns="0" bIns="0"/>
                     <a:p>
                       <a:pPr algn="ctr">
                         <a:lnSpc>
@@ -7526,7 +7863,7 @@
                 </a:tc>
                 <a:tc>
                   <a:txBody>
-                    <a:bodyPr/>
+                    <a:bodyPr lIns="68400" rIns="68400" tIns="0" bIns="0"/>
                     <a:p>
                       <a:pPr algn="ctr">
                         <a:lnSpc>
@@ -7548,10 +7885,10 @@
                   <a:tcPr/>
                 </a:tc>
               </a:tr>
-              <a:tr h="473040">
-                <a:tc>
-                  <a:txBody>
-                    <a:bodyPr/>
+              <a:tr h="371160">
+                <a:tc>
+                  <a:txBody>
+                    <a:bodyPr lIns="68400" rIns="68400" tIns="0" bIns="0" anchor="ctr"/>
                     <a:p>
                       <a:pPr algn="ctr">
                         <a:lnSpc>
@@ -7574,7 +7911,7 @@
                 </a:tc>
                 <a:tc>
                   <a:txBody>
-                    <a:bodyPr/>
+                    <a:bodyPr lIns="68400" rIns="68400" tIns="0" bIns="0" anchor="ctr"/>
                     <a:p>
                       <a:pPr algn="ctr">
                         <a:lnSpc>
@@ -7597,7 +7934,7 @@
                 </a:tc>
                 <a:tc>
                   <a:txBody>
-                    <a:bodyPr/>
+                    <a:bodyPr lIns="68400" rIns="68400" tIns="0" bIns="0" anchor="ctr"/>
                     <a:p>
                       <a:pPr algn="ctr">
                         <a:lnSpc>
@@ -7619,10 +7956,10 @@
                   <a:tcPr/>
                 </a:tc>
               </a:tr>
-              <a:tr h="473040">
-                <a:tc>
-                  <a:txBody>
-                    <a:bodyPr/>
+              <a:tr h="432720">
+                <a:tc>
+                  <a:txBody>
+                    <a:bodyPr lIns="68400" rIns="68400" tIns="0" bIns="0" anchor="ctr"/>
                     <a:p>
                       <a:pPr algn="ctr">
                         <a:lnSpc>
@@ -7645,7 +7982,7 @@
                 </a:tc>
                 <a:tc>
                   <a:txBody>
-                    <a:bodyPr/>
+                    <a:bodyPr lIns="68400" rIns="68400" tIns="0" bIns="0" anchor="ctr"/>
                     <a:p>
                       <a:pPr algn="ctr">
                         <a:lnSpc>
@@ -7668,7 +8005,7 @@
                 </a:tc>
                 <a:tc>
                   <a:txBody>
-                    <a:bodyPr/>
+                    <a:bodyPr lIns="68400" rIns="68400" tIns="0" bIns="0" anchor="ctr"/>
                     <a:p>
                       <a:pPr algn="ctr">
                         <a:lnSpc>
@@ -7690,10 +8027,10 @@
                   <a:tcPr/>
                 </a:tc>
               </a:tr>
-              <a:tr h="473040">
-                <a:tc>
-                  <a:txBody>
-                    <a:bodyPr/>
+              <a:tr h="432720">
+                <a:tc>
+                  <a:txBody>
+                    <a:bodyPr lIns="68400" rIns="68400" tIns="0" bIns="0" anchor="ctr"/>
                     <a:p>
                       <a:pPr algn="ctr">
                         <a:lnSpc>
@@ -7716,7 +8053,7 @@
                 </a:tc>
                 <a:tc>
                   <a:txBody>
-                    <a:bodyPr/>
+                    <a:bodyPr lIns="68400" rIns="68400" tIns="0" bIns="0" anchor="ctr"/>
                     <a:p>
                       <a:pPr algn="ctr">
                         <a:lnSpc>
@@ -7739,7 +8076,7 @@
                 </a:tc>
                 <a:tc>
                   <a:txBody>
-                    <a:bodyPr/>
+                    <a:bodyPr lIns="68400" rIns="68400" tIns="0" bIns="0" anchor="ctr"/>
                     <a:p>
                       <a:pPr algn="ctr">
                         <a:lnSpc>
@@ -7761,10 +8098,10 @@
                   <a:tcPr/>
                 </a:tc>
               </a:tr>
-              <a:tr h="341280">
-                <a:tc>
-                  <a:txBody>
-                    <a:bodyPr/>
+              <a:tr h="371160">
+                <a:tc>
+                  <a:txBody>
+                    <a:bodyPr lIns="68400" rIns="68400" tIns="0" bIns="0" anchor="ctr"/>
                     <a:p>
                       <a:pPr algn="ctr">
                         <a:lnSpc>
@@ -7787,7 +8124,7 @@
                 </a:tc>
                 <a:tc>
                   <a:txBody>
-                    <a:bodyPr/>
+                    <a:bodyPr lIns="68400" rIns="68400" tIns="0" bIns="0" anchor="ctr"/>
                     <a:p>
                       <a:pPr algn="ctr">
                         <a:lnSpc>
@@ -7810,7 +8147,7 @@
                 </a:tc>
                 <a:tc>
                   <a:txBody>
-                    <a:bodyPr/>
+                    <a:bodyPr lIns="68400" rIns="68400" tIns="0" bIns="0" anchor="ctr"/>
                     <a:p>
                       <a:pPr algn="ctr">
                         <a:lnSpc>
@@ -7832,10 +8169,10 @@
                   <a:tcPr/>
                 </a:tc>
               </a:tr>
-              <a:tr h="341280">
-                <a:tc>
-                  <a:txBody>
-                    <a:bodyPr/>
+              <a:tr h="371160">
+                <a:tc>
+                  <a:txBody>
+                    <a:bodyPr lIns="68400" rIns="68400" tIns="0" bIns="0" anchor="ctr"/>
                     <a:p>
                       <a:pPr algn="ctr">
                         <a:lnSpc>
@@ -7858,7 +8195,7 @@
                 </a:tc>
                 <a:tc>
                   <a:txBody>
-                    <a:bodyPr/>
+                    <a:bodyPr lIns="68400" rIns="68400" tIns="0" bIns="0" anchor="ctr"/>
                     <a:p>
                       <a:pPr algn="ctr">
                         <a:lnSpc>
@@ -7881,7 +8218,7 @@
                 </a:tc>
                 <a:tc>
                   <a:txBody>
-                    <a:bodyPr/>
+                    <a:bodyPr lIns="68400" rIns="68400" tIns="0" bIns="0" anchor="ctr"/>
                     <a:p>
                       <a:pPr algn="ctr">
                         <a:lnSpc>
@@ -7903,10 +8240,10 @@
                   <a:tcPr/>
                 </a:tc>
               </a:tr>
-              <a:tr h="341280">
-                <a:tc>
-                  <a:txBody>
-                    <a:bodyPr/>
+              <a:tr h="371160">
+                <a:tc>
+                  <a:txBody>
+                    <a:bodyPr lIns="68400" rIns="68400" tIns="0" bIns="0" anchor="ctr"/>
                     <a:p>
                       <a:pPr algn="ctr">
                         <a:lnSpc>
@@ -7929,7 +8266,7 @@
                 </a:tc>
                 <a:tc>
                   <a:txBody>
-                    <a:bodyPr/>
+                    <a:bodyPr lIns="68400" rIns="68400" tIns="0" bIns="0" anchor="ctr"/>
                     <a:p>
                       <a:pPr algn="ctr">
                         <a:lnSpc>
@@ -7952,7 +8289,7 @@
                 </a:tc>
                 <a:tc>
                   <a:txBody>
-                    <a:bodyPr/>
+                    <a:bodyPr lIns="68400" rIns="68400" tIns="0" bIns="0" anchor="ctr"/>
                     <a:p>
                       <a:pPr algn="ctr">
                         <a:lnSpc>
@@ -7974,10 +8311,10 @@
                   <a:tcPr/>
                 </a:tc>
               </a:tr>
-              <a:tr h="682920">
-                <a:tc>
-                  <a:txBody>
-                    <a:bodyPr/>
+              <a:tr h="745200">
+                <a:tc>
+                  <a:txBody>
+                    <a:bodyPr lIns="68400" rIns="68400" tIns="0" bIns="0" anchor="ctr"/>
                     <a:p>
                       <a:pPr algn="ctr">
                         <a:lnSpc>
@@ -8000,7 +8337,7 @@
                 </a:tc>
                 <a:tc>
                   <a:txBody>
-                    <a:bodyPr/>
+                    <a:bodyPr lIns="68400" rIns="68400" tIns="0" bIns="0" anchor="ctr"/>
                     <a:p>
                       <a:pPr algn="ctr">
                         <a:lnSpc>
@@ -8023,7 +8360,7 @@
                 </a:tc>
                 <a:tc>
                   <a:txBody>
-                    <a:bodyPr/>
+                    <a:bodyPr lIns="68400" rIns="68400" tIns="0" bIns="0" anchor="ctr"/>
                     <a:p>
                       <a:pPr algn="ctr">
                         <a:lnSpc>
@@ -8100,14 +8437,14 @@
       </p:grpSpPr>
       <p:sp>
         <p:nvSpPr>
-          <p:cNvPr id="83" name="CustomShape 1"/>
-          <p:cNvSpPr/>
+          <p:cNvPr id="89" name="TextShape 1"/>
+          <p:cNvSpPr txBox="1"/>
           <p:nvPr/>
         </p:nvSpPr>
         <p:spPr>
           <a:xfrm>
             <a:off x="0" y="0"/>
-            <a:ext cx="12191400" cy="1324800"/>
+            <a:ext cx="12191760" cy="1325160"/>
           </a:xfrm>
           <a:prstGeom prst="rect">
             <a:avLst/>
@@ -8117,14 +8454,8 @@
             <a:noFill/>
           </a:ln>
         </p:spPr>
-        <p:style>
-          <a:lnRef idx="0"/>
-          <a:fillRef idx="0"/>
-          <a:effectRef idx="0"/>
-          <a:fontRef idx="minor"/>
-        </p:style>
-        <p:txBody>
-          <a:bodyPr lIns="90000" rIns="90000" tIns="45000" bIns="45000" anchor="ctr"/>
+        <p:txBody>
+          <a:bodyPr anchor="ctr"/>
           <a:p>
             <a:pPr algn="ctr">
               <a:lnSpc>
@@ -8146,13 +8477,13 @@
       </p:sp>
       <p:graphicFrame>
         <p:nvGraphicFramePr>
-          <p:cNvPr id="84" name="Table 2"/>
+          <p:cNvPr id="90" name="Table 2"/>
           <p:cNvGraphicFramePr/>
           <p:nvPr/>
         </p:nvGraphicFramePr>
         <p:xfrm>
           <a:off x="341280" y="1242000"/>
-          <a:ext cx="11517840" cy="4750920"/>
+          <a:ext cx="11518200" cy="4751280"/>
         </p:xfrm>
         <a:graphic>
           <a:graphicData uri="http://schemas.openxmlformats.org/drawingml/2006/table">
@@ -8163,10 +8494,10 @@
                 <a:gridCol w="9117360"/>
                 <a:gridCol w="1446480"/>
               </a:tblGrid>
-              <a:tr h="389520">
-                <a:tc>
-                  <a:txBody>
-                    <a:bodyPr/>
+              <a:tr h="391320">
+                <a:tc>
+                  <a:txBody>
+                    <a:bodyPr lIns="68400" rIns="68400" tIns="0" bIns="0"/>
                     <a:p>
                       <a:pPr algn="ctr">
                         <a:lnSpc>
@@ -8189,7 +8520,7 @@
                 </a:tc>
                 <a:tc>
                   <a:txBody>
-                    <a:bodyPr/>
+                    <a:bodyPr lIns="68400" rIns="68400" tIns="0" bIns="0"/>
                     <a:p>
                       <a:pPr algn="ctr">
                         <a:lnSpc>
@@ -8212,7 +8543,7 @@
                 </a:tc>
                 <a:tc>
                   <a:txBody>
-                    <a:bodyPr/>
+                    <a:bodyPr lIns="68400" rIns="68400" tIns="0" bIns="0"/>
                     <a:p>
                       <a:pPr algn="ctr">
                         <a:lnSpc>
@@ -8234,10 +8565,10 @@
                   <a:tcPr/>
                 </a:tc>
               </a:tr>
-              <a:tr h="386640">
-                <a:tc>
-                  <a:txBody>
-                    <a:bodyPr/>
+              <a:tr h="388440">
+                <a:tc>
+                  <a:txBody>
+                    <a:bodyPr lIns="68400" rIns="68400" tIns="0" bIns="0"/>
                     <a:p>
                       <a:pPr algn="ctr">
                         <a:lnSpc>
@@ -8260,7 +8591,7 @@
                 </a:tc>
                 <a:tc>
                   <a:txBody>
-                    <a:bodyPr/>
+                    <a:bodyPr lIns="68400" rIns="68400" tIns="0" bIns="0"/>
                     <a:p>
                       <a:pPr algn="ctr">
                         <a:lnSpc>
@@ -8283,7 +8614,7 @@
                 </a:tc>
                 <a:tc>
                   <a:txBody>
-                    <a:bodyPr/>
+                    <a:bodyPr lIns="68400" rIns="68400" tIns="0" bIns="0"/>
                     <a:p>
                       <a:pPr algn="ctr">
                         <a:lnSpc>
@@ -8305,10 +8636,10 @@
                   <a:tcPr/>
                 </a:tc>
               </a:tr>
-              <a:tr h="327960">
-                <a:tc>
-                  <a:txBody>
-                    <a:bodyPr/>
+              <a:tr h="305280">
+                <a:tc>
+                  <a:txBody>
+                    <a:bodyPr lIns="68400" rIns="68400" tIns="0" bIns="0" anchor="ctr"/>
                     <a:p>
                       <a:pPr algn="ctr">
                         <a:lnSpc>
@@ -8331,7 +8662,7 @@
                 </a:tc>
                 <a:tc>
                   <a:txBody>
-                    <a:bodyPr/>
+                    <a:bodyPr lIns="68400" rIns="68400" tIns="0" bIns="0" anchor="ctr"/>
                     <a:p>
                       <a:pPr algn="ctr">
                         <a:lnSpc>
@@ -8354,7 +8685,7 @@
                 </a:tc>
                 <a:tc>
                   <a:txBody>
-                    <a:bodyPr/>
+                    <a:bodyPr lIns="68400" rIns="68400" tIns="0" bIns="0" anchor="ctr"/>
                     <a:p>
                       <a:pPr algn="ctr">
                         <a:lnSpc>
@@ -8376,10 +8707,10 @@
                   <a:tcPr/>
                 </a:tc>
               </a:tr>
-              <a:tr h="608040">
-                <a:tc>
-                  <a:txBody>
-                    <a:bodyPr/>
+              <a:tr h="610920">
+                <a:tc>
+                  <a:txBody>
+                    <a:bodyPr lIns="68400" rIns="68400" tIns="0" bIns="0" anchor="ctr"/>
                     <a:p>
                       <a:pPr algn="ctr">
                         <a:lnSpc>
@@ -8402,7 +8733,7 @@
                 </a:tc>
                 <a:tc>
                   <a:txBody>
-                    <a:bodyPr/>
+                    <a:bodyPr lIns="68400" rIns="68400" tIns="0" bIns="0" anchor="ctr"/>
                     <a:p>
                       <a:pPr algn="ctr">
                         <a:lnSpc>
@@ -8425,7 +8756,7 @@
                 </a:tc>
                 <a:tc>
                   <a:txBody>
-                    <a:bodyPr/>
+                    <a:bodyPr lIns="68400" rIns="68400" tIns="0" bIns="0" anchor="ctr"/>
                     <a:p>
                       <a:pPr algn="ctr">
                         <a:lnSpc>
@@ -8447,10 +8778,10 @@
                   <a:tcPr/>
                 </a:tc>
               </a:tr>
-              <a:tr h="608040">
-                <a:tc>
-                  <a:txBody>
-                    <a:bodyPr/>
+              <a:tr h="610920">
+                <a:tc>
+                  <a:txBody>
+                    <a:bodyPr lIns="68400" rIns="68400" tIns="0" bIns="0" anchor="ctr"/>
                     <a:p>
                       <a:pPr algn="ctr">
                         <a:lnSpc>
@@ -8473,7 +8804,7 @@
                 </a:tc>
                 <a:tc>
                   <a:txBody>
-                    <a:bodyPr/>
+                    <a:bodyPr lIns="68400" rIns="68400" tIns="0" bIns="0" anchor="ctr"/>
                     <a:p>
                       <a:pPr algn="ctr">
                         <a:lnSpc>
@@ -8496,7 +8827,7 @@
                 </a:tc>
                 <a:tc>
                   <a:txBody>
-                    <a:bodyPr/>
+                    <a:bodyPr lIns="68400" rIns="68400" tIns="0" bIns="0" anchor="ctr"/>
                     <a:p>
                       <a:pPr algn="ctr">
                         <a:lnSpc>
@@ -8518,10 +8849,10 @@
                   <a:tcPr/>
                 </a:tc>
               </a:tr>
-              <a:tr h="608040">
-                <a:tc>
-                  <a:txBody>
-                    <a:bodyPr/>
+              <a:tr h="610920">
+                <a:tc>
+                  <a:txBody>
+                    <a:bodyPr lIns="68400" rIns="68400" tIns="0" bIns="0" anchor="ctr"/>
                     <a:p>
                       <a:pPr algn="ctr">
                         <a:lnSpc>
@@ -8544,7 +8875,7 @@
                 </a:tc>
                 <a:tc>
                   <a:txBody>
-                    <a:bodyPr/>
+                    <a:bodyPr lIns="68400" rIns="68400" tIns="0" bIns="0" anchor="ctr"/>
                     <a:p>
                       <a:pPr algn="ctr">
                         <a:lnSpc>
@@ -8567,7 +8898,7 @@
                 </a:tc>
                 <a:tc>
                   <a:txBody>
-                    <a:bodyPr/>
+                    <a:bodyPr lIns="68400" rIns="68400" tIns="0" bIns="0" anchor="ctr"/>
                     <a:p>
                       <a:pPr algn="ctr">
                         <a:lnSpc>
@@ -8589,10 +8920,10 @@
                   <a:tcPr/>
                 </a:tc>
               </a:tr>
-              <a:tr h="608040">
-                <a:tc>
-                  <a:txBody>
-                    <a:bodyPr/>
+              <a:tr h="610920">
+                <a:tc>
+                  <a:txBody>
+                    <a:bodyPr lIns="68400" rIns="68400" tIns="0" bIns="0" anchor="ctr"/>
                     <a:p>
                       <a:pPr algn="ctr">
                         <a:lnSpc>
@@ -8615,7 +8946,7 @@
                 </a:tc>
                 <a:tc>
                   <a:txBody>
-                    <a:bodyPr/>
+                    <a:bodyPr lIns="68400" rIns="68400" tIns="0" bIns="0" anchor="ctr"/>
                     <a:p>
                       <a:pPr algn="ctr">
                         <a:lnSpc>
@@ -8638,7 +8969,7 @@
                 </a:tc>
                 <a:tc>
                   <a:txBody>
-                    <a:bodyPr/>
+                    <a:bodyPr lIns="68400" rIns="68400" tIns="0" bIns="0" anchor="ctr"/>
                     <a:p>
                       <a:pPr algn="ctr">
                         <a:lnSpc>
@@ -8660,10 +8991,10 @@
                   <a:tcPr/>
                 </a:tc>
               </a:tr>
-              <a:tr h="608040">
-                <a:tc>
-                  <a:txBody>
-                    <a:bodyPr/>
+              <a:tr h="610920">
+                <a:tc>
+                  <a:txBody>
+                    <a:bodyPr lIns="68400" rIns="68400" tIns="0" bIns="0" anchor="ctr"/>
                     <a:p>
                       <a:pPr algn="ctr">
                         <a:lnSpc>
@@ -8686,7 +9017,7 @@
                 </a:tc>
                 <a:tc>
                   <a:txBody>
-                    <a:bodyPr/>
+                    <a:bodyPr lIns="68400" rIns="68400" tIns="0" bIns="0" anchor="ctr"/>
                     <a:p>
                       <a:pPr algn="ctr">
                         <a:lnSpc>
@@ -8709,7 +9040,7 @@
                 </a:tc>
                 <a:tc>
                   <a:txBody>
-                    <a:bodyPr/>
+                    <a:bodyPr lIns="68400" rIns="68400" tIns="0" bIns="0" anchor="ctr"/>
                     <a:p>
                       <a:pPr algn="ctr">
                         <a:lnSpc>
@@ -8731,10 +9062,10 @@
                   <a:tcPr/>
                 </a:tc>
               </a:tr>
-              <a:tr h="606600">
-                <a:tc>
-                  <a:txBody>
-                    <a:bodyPr/>
+              <a:tr h="611640">
+                <a:tc>
+                  <a:txBody>
+                    <a:bodyPr lIns="68400" rIns="68400" tIns="0" bIns="0" anchor="ctr"/>
                     <a:p>
                       <a:pPr algn="ctr">
                         <a:lnSpc>
@@ -8757,7 +9088,7 @@
                 </a:tc>
                 <a:tc>
                   <a:txBody>
-                    <a:bodyPr/>
+                    <a:bodyPr lIns="68400" rIns="68400" tIns="0" bIns="0" anchor="ctr"/>
                     <a:p>
                       <a:pPr algn="ctr">
                         <a:lnSpc>
@@ -8780,7 +9111,7 @@
                 </a:tc>
                 <a:tc>
                   <a:txBody>
-                    <a:bodyPr/>
+                    <a:bodyPr lIns="68400" rIns="68400" tIns="0" bIns="0" anchor="ctr"/>
                     <a:p>
                       <a:pPr algn="ctr">
                         <a:lnSpc>
@@ -8857,14 +9188,14 @@
       </p:grpSpPr>
       <p:sp>
         <p:nvSpPr>
-          <p:cNvPr id="85" name="CustomShape 1"/>
-          <p:cNvSpPr/>
+          <p:cNvPr id="91" name="TextShape 1"/>
+          <p:cNvSpPr txBox="1"/>
           <p:nvPr/>
         </p:nvSpPr>
         <p:spPr>
           <a:xfrm>
             <a:off x="0" y="0"/>
-            <a:ext cx="12191400" cy="1324800"/>
+            <a:ext cx="12191760" cy="1325160"/>
           </a:xfrm>
           <a:prstGeom prst="rect">
             <a:avLst/>
@@ -8874,14 +9205,8 @@
             <a:noFill/>
           </a:ln>
         </p:spPr>
-        <p:style>
-          <a:lnRef idx="0"/>
-          <a:fillRef idx="0"/>
-          <a:effectRef idx="0"/>
-          <a:fontRef idx="minor"/>
-        </p:style>
-        <p:txBody>
-          <a:bodyPr lIns="90000" rIns="90000" tIns="45000" bIns="45000" anchor="ctr"/>
+        <p:txBody>
+          <a:bodyPr anchor="ctr"/>
           <a:p>
             <a:pPr algn="ctr">
               <a:lnSpc>
@@ -8903,13 +9228,13 @@
       </p:sp>
       <p:graphicFrame>
         <p:nvGraphicFramePr>
-          <p:cNvPr id="86" name="Table 2"/>
+          <p:cNvPr id="92" name="Table 2"/>
           <p:cNvGraphicFramePr/>
           <p:nvPr/>
         </p:nvGraphicFramePr>
         <p:xfrm>
           <a:off x="341280" y="1242000"/>
-          <a:ext cx="11480760" cy="4409640"/>
+          <a:ext cx="11481120" cy="4410000"/>
         </p:xfrm>
         <a:graphic>
           <a:graphicData uri="http://schemas.openxmlformats.org/drawingml/2006/table">
@@ -8919,10 +9244,10 @@
                 <a:gridCol w="781560"/>
                 <a:gridCol w="10699560"/>
               </a:tblGrid>
-              <a:tr h="327960">
-                <a:tc>
-                  <a:txBody>
-                    <a:bodyPr/>
+              <a:tr h="236520">
+                <a:tc>
+                  <a:txBody>
+                    <a:bodyPr lIns="68400" rIns="68400" tIns="0" bIns="0"/>
                     <a:p>
                       <a:pPr algn="ctr">
                         <a:lnSpc>
@@ -8945,7 +9270,7 @@
                 </a:tc>
                 <a:tc>
                   <a:txBody>
-                    <a:bodyPr/>
+                    <a:bodyPr lIns="68400" rIns="68400" tIns="0" bIns="0"/>
                     <a:p>
                       <a:pPr algn="ctr">
                         <a:lnSpc>
@@ -8967,10 +9292,10 @@
                   <a:tcPr/>
                 </a:tc>
               </a:tr>
-              <a:tr h="387360">
-                <a:tc>
-                  <a:txBody>
-                    <a:bodyPr/>
+              <a:tr h="295920">
+                <a:tc>
+                  <a:txBody>
+                    <a:bodyPr lIns="68400" rIns="68400" tIns="0" bIns="0"/>
                     <a:p>
                       <a:pPr algn="ctr">
                         <a:lnSpc>
@@ -8994,7 +9319,7 @@
                 </a:tc>
                 <a:tc>
                   <a:txBody>
-                    <a:bodyPr/>
+                    <a:bodyPr lIns="68400" rIns="68400" tIns="0" bIns="0"/>
                     <a:p>
                       <a:pPr algn="ctr">
                         <a:lnSpc>
@@ -9017,10 +9342,10 @@
                   <a:tcPr/>
                 </a:tc>
               </a:tr>
-              <a:tr h="1019520">
-                <a:tc>
-                  <a:txBody>
-                    <a:bodyPr/>
+              <a:tr h="928080">
+                <a:tc>
+                  <a:txBody>
+                    <a:bodyPr lIns="68400" rIns="68400" tIns="0" bIns="0"/>
                     <a:p>
                       <a:pPr algn="ctr">
                         <a:lnSpc>
@@ -9044,7 +9369,7 @@
                 </a:tc>
                 <a:tc>
                   <a:txBody>
-                    <a:bodyPr/>
+                    <a:bodyPr lIns="68400" rIns="68400" tIns="0" bIns="0"/>
                     <a:p>
                       <a:pPr algn="ctr">
                         <a:lnSpc>
@@ -9067,10 +9392,10 @@
                   <a:tcPr/>
                 </a:tc>
               </a:tr>
-              <a:tr h="703440">
-                <a:tc>
-                  <a:txBody>
-                    <a:bodyPr/>
+              <a:tr h="612000">
+                <a:tc>
+                  <a:txBody>
+                    <a:bodyPr lIns="68400" rIns="68400" tIns="0" bIns="0"/>
                     <a:p>
                       <a:pPr algn="ctr">
                         <a:lnSpc>
@@ -9094,7 +9419,7 @@
                 </a:tc>
                 <a:tc>
                   <a:txBody>
-                    <a:bodyPr/>
+                    <a:bodyPr lIns="68400" rIns="68400" tIns="0" bIns="0"/>
                     <a:p>
                       <a:pPr algn="ctr">
                         <a:lnSpc>
@@ -9117,10 +9442,10 @@
                   <a:tcPr/>
                 </a:tc>
               </a:tr>
-              <a:tr h="387360">
-                <a:tc>
-                  <a:txBody>
-                    <a:bodyPr/>
+              <a:tr h="295920">
+                <a:tc>
+                  <a:txBody>
+                    <a:bodyPr lIns="68400" rIns="68400" tIns="0" bIns="0"/>
                     <a:p>
                       <a:pPr algn="ctr">
                         <a:lnSpc>
@@ -9144,7 +9469,7 @@
                 </a:tc>
                 <a:tc>
                   <a:txBody>
-                    <a:bodyPr/>
+                    <a:bodyPr lIns="68400" rIns="68400" tIns="0" bIns="0"/>
                     <a:p>
                       <a:pPr algn="ctr">
                         <a:lnSpc>
@@ -9167,10 +9492,10 @@
                   <a:tcPr/>
                 </a:tc>
               </a:tr>
-              <a:tr h="703440">
-                <a:tc>
-                  <a:txBody>
-                    <a:bodyPr/>
+              <a:tr h="612000">
+                <a:tc>
+                  <a:txBody>
+                    <a:bodyPr lIns="68400" rIns="68400" tIns="0" bIns="0"/>
                     <a:p>
                       <a:pPr algn="ctr">
                         <a:lnSpc>
@@ -9194,7 +9519,7 @@
                 </a:tc>
                 <a:tc>
                   <a:txBody>
-                    <a:bodyPr/>
+                    <a:bodyPr lIns="68400" rIns="68400" tIns="0" bIns="0"/>
                     <a:p>
                       <a:pPr algn="ctr">
                         <a:lnSpc>
@@ -9217,10 +9542,10 @@
                   <a:tcPr/>
                 </a:tc>
               </a:tr>
-              <a:tr h="703440">
-                <a:tc>
-                  <a:txBody>
-                    <a:bodyPr/>
+              <a:tr h="612000">
+                <a:tc>
+                  <a:txBody>
+                    <a:bodyPr lIns="68400" rIns="68400" tIns="0" bIns="0"/>
                     <a:p>
                       <a:pPr algn="ctr">
                         <a:lnSpc>
@@ -9244,7 +9569,7 @@
                 </a:tc>
                 <a:tc>
                   <a:txBody>
-                    <a:bodyPr/>
+                    <a:bodyPr lIns="68400" rIns="68400" tIns="0" bIns="0"/>
                     <a:p>
                       <a:pPr algn="ctr">
                         <a:lnSpc>
@@ -9267,10 +9592,10 @@
                   <a:tcPr/>
                 </a:tc>
               </a:tr>
-              <a:tr h="1019520">
-                <a:tc>
-                  <a:txBody>
-                    <a:bodyPr/>
+              <a:tr h="928080">
+                <a:tc>
+                  <a:txBody>
+                    <a:bodyPr lIns="68400" rIns="68400" tIns="0" bIns="0"/>
                     <a:p>
                       <a:pPr algn="ctr">
                         <a:lnSpc>
@@ -9294,7 +9619,7 @@
                 </a:tc>
                 <a:tc>
                   <a:txBody>
-                    <a:bodyPr/>
+                    <a:bodyPr lIns="68400" rIns="68400" tIns="0" bIns="0"/>
                     <a:p>
                       <a:pPr algn="ctr">
                         <a:lnSpc>
@@ -9317,10 +9642,10 @@
                   <a:tcPr/>
                 </a:tc>
               </a:tr>
-              <a:tr h="387360">
-                <a:tc>
-                  <a:txBody>
-                    <a:bodyPr/>
+              <a:tr h="295920">
+                <a:tc>
+                  <a:txBody>
+                    <a:bodyPr lIns="68400" rIns="68400" tIns="0" bIns="0"/>
                     <a:p>
                       <a:pPr algn="ctr">
                         <a:lnSpc>
@@ -9344,7 +9669,7 @@
                 </a:tc>
                 <a:tc>
                   <a:txBody>
-                    <a:bodyPr/>
+                    <a:bodyPr lIns="68400" rIns="68400" tIns="0" bIns="0"/>
                     <a:p>
                       <a:pPr algn="ctr">
                         <a:lnSpc>
@@ -9367,10 +9692,10 @@
                   <a:tcPr/>
                 </a:tc>
               </a:tr>
-              <a:tr h="703440">
-                <a:tc>
-                  <a:txBody>
-                    <a:bodyPr/>
+              <a:tr h="612000">
+                <a:tc>
+                  <a:txBody>
+                    <a:bodyPr lIns="68400" rIns="68400" tIns="0" bIns="0"/>
                     <a:p>
                       <a:pPr algn="ctr">
                         <a:lnSpc>
@@ -9394,7 +9719,7 @@
                 </a:tc>
                 <a:tc>
                   <a:txBody>
-                    <a:bodyPr/>
+                    <a:bodyPr lIns="68400" rIns="68400" tIns="0" bIns="0"/>
                     <a:p>
                       <a:pPr algn="ctr">
                         <a:lnSpc>
@@ -9472,14 +9797,14 @@
       </p:grpSpPr>
       <p:sp>
         <p:nvSpPr>
-          <p:cNvPr id="87" name="CustomShape 1"/>
-          <p:cNvSpPr/>
+          <p:cNvPr id="93" name="TextShape 1"/>
+          <p:cNvSpPr txBox="1"/>
           <p:nvPr/>
         </p:nvSpPr>
         <p:spPr>
           <a:xfrm>
             <a:off x="0" y="0"/>
-            <a:ext cx="12191400" cy="1324800"/>
+            <a:ext cx="12191760" cy="1325160"/>
           </a:xfrm>
           <a:prstGeom prst="rect">
             <a:avLst/>
@@ -9489,14 +9814,8 @@
             <a:noFill/>
           </a:ln>
         </p:spPr>
-        <p:style>
-          <a:lnRef idx="0"/>
-          <a:fillRef idx="0"/>
-          <a:effectRef idx="0"/>
-          <a:fontRef idx="minor"/>
-        </p:style>
-        <p:txBody>
-          <a:bodyPr lIns="90000" rIns="90000" tIns="45000" bIns="45000" anchor="ctr"/>
+        <p:txBody>
+          <a:bodyPr anchor="ctr"/>
           <a:p>
             <a:pPr algn="ctr">
               <a:lnSpc>
@@ -9518,13 +9837,13 @@
       </p:sp>
       <p:graphicFrame>
         <p:nvGraphicFramePr>
-          <p:cNvPr id="88" name="Table 2"/>
+          <p:cNvPr id="94" name="Table 2"/>
           <p:cNvGraphicFramePr/>
           <p:nvPr/>
         </p:nvGraphicFramePr>
         <p:xfrm>
           <a:off x="341280" y="1232640"/>
-          <a:ext cx="11517840" cy="4321080"/>
+          <a:ext cx="11518200" cy="4321440"/>
         </p:xfrm>
         <a:graphic>
           <a:graphicData uri="http://schemas.openxmlformats.org/drawingml/2006/table">
@@ -9534,10 +9853,10 @@
                 <a:gridCol w="698760"/>
                 <a:gridCol w="10819440"/>
               </a:tblGrid>
-              <a:tr h="327960">
-                <a:tc>
-                  <a:txBody>
-                    <a:bodyPr/>
+              <a:tr h="236520">
+                <a:tc>
+                  <a:txBody>
+                    <a:bodyPr lIns="68400" rIns="68400" tIns="0" bIns="0"/>
                     <a:p>
                       <a:pPr algn="ctr">
                         <a:lnSpc>
@@ -9560,7 +9879,7 @@
                 </a:tc>
                 <a:tc>
                   <a:txBody>
-                    <a:bodyPr/>
+                    <a:bodyPr lIns="68400" rIns="68400" tIns="0" bIns="0"/>
                     <a:p>
                       <a:pPr algn="ctr">
                         <a:lnSpc>
@@ -9582,10 +9901,10 @@
                   <a:tcPr/>
                 </a:tc>
               </a:tr>
-              <a:tr h="357120">
-                <a:tc>
-                  <a:txBody>
-                    <a:bodyPr/>
+              <a:tr h="265680">
+                <a:tc>
+                  <a:txBody>
+                    <a:bodyPr lIns="68400" rIns="68400" tIns="0" bIns="0"/>
                     <a:p>
                       <a:pPr algn="ctr">
                         <a:lnSpc>
@@ -9609,7 +9928,7 @@
                 </a:tc>
                 <a:tc>
                   <a:txBody>
-                    <a:bodyPr/>
+                    <a:bodyPr lIns="68400" rIns="68400" tIns="0" bIns="0"/>
                     <a:p>
                       <a:pPr algn="ctr">
                         <a:lnSpc>
@@ -9632,10 +9951,10 @@
                   <a:tcPr/>
                 </a:tc>
               </a:tr>
-              <a:tr h="640800">
-                <a:tc>
-                  <a:txBody>
-                    <a:bodyPr/>
+              <a:tr h="549360">
+                <a:tc>
+                  <a:txBody>
+                    <a:bodyPr lIns="68400" rIns="68400" tIns="0" bIns="0"/>
                     <a:p>
                       <a:pPr algn="ctr">
                         <a:lnSpc>
@@ -9659,7 +9978,7 @@
                 </a:tc>
                 <a:tc>
                   <a:txBody>
-                    <a:bodyPr/>
+                    <a:bodyPr lIns="68400" rIns="68400" tIns="0" bIns="0"/>
                     <a:p>
                       <a:pPr algn="ctr">
                         <a:lnSpc>
@@ -9682,10 +10001,10 @@
                   <a:tcPr/>
                 </a:tc>
               </a:tr>
-              <a:tr h="640800">
-                <a:tc>
-                  <a:txBody>
-                    <a:bodyPr/>
+              <a:tr h="549360">
+                <a:tc>
+                  <a:txBody>
+                    <a:bodyPr lIns="68400" rIns="68400" tIns="0" bIns="0"/>
                     <a:p>
                       <a:pPr algn="ctr">
                         <a:lnSpc>
@@ -9709,7 +10028,7 @@
                 </a:tc>
                 <a:tc>
                   <a:txBody>
-                    <a:bodyPr/>
+                    <a:bodyPr lIns="68400" rIns="68400" tIns="0" bIns="0"/>
                     <a:p>
                       <a:pPr algn="ctr">
                         <a:lnSpc>
@@ -9732,10 +10051,10 @@
                   <a:tcPr/>
                 </a:tc>
               </a:tr>
-              <a:tr h="924480">
-                <a:tc>
-                  <a:txBody>
-                    <a:bodyPr/>
+              <a:tr h="833040">
+                <a:tc>
+                  <a:txBody>
+                    <a:bodyPr lIns="68400" rIns="68400" tIns="0" bIns="0"/>
                     <a:p>
                       <a:pPr algn="ctr">
                         <a:lnSpc>
@@ -9759,7 +10078,7 @@
                 </a:tc>
                 <a:tc>
                   <a:txBody>
-                    <a:bodyPr/>
+                    <a:bodyPr lIns="68400" rIns="68400" tIns="0" bIns="0"/>
                     <a:p>
                       <a:pPr algn="ctr">
                         <a:lnSpc>
@@ -9782,10 +10101,10 @@
                   <a:tcPr/>
                 </a:tc>
               </a:tr>
-              <a:tr h="357120">
-                <a:tc>
-                  <a:txBody>
-                    <a:bodyPr/>
+              <a:tr h="265680">
+                <a:tc>
+                  <a:txBody>
+                    <a:bodyPr lIns="68400" rIns="68400" tIns="0" bIns="0"/>
                     <a:p>
                       <a:pPr algn="ctr">
                         <a:lnSpc>
@@ -9809,7 +10128,7 @@
                 </a:tc>
                 <a:tc>
                   <a:txBody>
-                    <a:bodyPr/>
+                    <a:bodyPr lIns="68400" rIns="68400" tIns="0" bIns="0"/>
                     <a:p>
                       <a:pPr algn="ctr">
                         <a:lnSpc>
@@ -9832,10 +10151,10 @@
                   <a:tcPr/>
                 </a:tc>
               </a:tr>
-              <a:tr h="640800">
-                <a:tc>
-                  <a:txBody>
-                    <a:bodyPr/>
+              <a:tr h="549360">
+                <a:tc>
+                  <a:txBody>
+                    <a:bodyPr lIns="68400" rIns="68400" tIns="0" bIns="0"/>
                     <a:p>
                       <a:pPr algn="ctr">
                         <a:lnSpc>
@@ -9859,7 +10178,7 @@
                 </a:tc>
                 <a:tc>
                   <a:txBody>
-                    <a:bodyPr/>
+                    <a:bodyPr lIns="68400" rIns="68400" tIns="0" bIns="0"/>
                     <a:p>
                       <a:pPr algn="ctr">
                         <a:lnSpc>
@@ -9882,10 +10201,10 @@
                   <a:tcPr/>
                 </a:tc>
               </a:tr>
-              <a:tr h="924480">
-                <a:tc>
-                  <a:txBody>
-                    <a:bodyPr/>
+              <a:tr h="833040">
+                <a:tc>
+                  <a:txBody>
+                    <a:bodyPr lIns="68400" rIns="68400" tIns="0" bIns="0"/>
                     <a:p>
                       <a:pPr algn="ctr">
                         <a:lnSpc>
@@ -9909,7 +10228,7 @@
                 </a:tc>
                 <a:tc>
                   <a:txBody>
-                    <a:bodyPr/>
+                    <a:bodyPr lIns="68400" rIns="68400" tIns="0" bIns="0"/>
                     <a:p>
                       <a:pPr algn="ctr">
                         <a:lnSpc>
@@ -9932,10 +10251,10 @@
                   <a:tcPr/>
                 </a:tc>
               </a:tr>
-              <a:tr h="357120">
-                <a:tc>
-                  <a:txBody>
-                    <a:bodyPr/>
+              <a:tr h="265680">
+                <a:tc>
+                  <a:txBody>
+                    <a:bodyPr lIns="68400" rIns="68400" tIns="0" bIns="0"/>
                     <a:p>
                       <a:pPr algn="ctr">
                         <a:lnSpc>
@@ -9959,7 +10278,7 @@
                 </a:tc>
                 <a:tc>
                   <a:txBody>
-                    <a:bodyPr/>
+                    <a:bodyPr lIns="68400" rIns="68400" tIns="0" bIns="0"/>
                     <a:p>
                       <a:pPr algn="ctr">
                         <a:lnSpc>
@@ -9982,10 +10301,10 @@
                   <a:tcPr/>
                 </a:tc>
               </a:tr>
-              <a:tr h="640800">
-                <a:tc>
-                  <a:txBody>
-                    <a:bodyPr/>
+              <a:tr h="549360">
+                <a:tc>
+                  <a:txBody>
+                    <a:bodyPr lIns="68400" rIns="68400" tIns="0" bIns="0"/>
                     <a:p>
                       <a:pPr algn="ctr">
                         <a:lnSpc>
@@ -10009,7 +10328,7 @@
                 </a:tc>
                 <a:tc>
                   <a:txBody>
-                    <a:bodyPr/>
+                    <a:bodyPr lIns="68400" rIns="68400" tIns="0" bIns="0"/>
                     <a:p>
                       <a:pPr algn="ctr">
                         <a:lnSpc>
@@ -10087,14 +10406,14 @@
       </p:grpSpPr>
       <p:sp>
         <p:nvSpPr>
-          <p:cNvPr id="89" name="CustomShape 1"/>
-          <p:cNvSpPr/>
+          <p:cNvPr id="95" name="TextShape 1"/>
+          <p:cNvSpPr txBox="1"/>
           <p:nvPr/>
         </p:nvSpPr>
         <p:spPr>
           <a:xfrm>
             <a:off x="0" y="0"/>
-            <a:ext cx="12191400" cy="1324800"/>
+            <a:ext cx="12191760" cy="1325160"/>
           </a:xfrm>
           <a:prstGeom prst="rect">
             <a:avLst/>
@@ -10104,14 +10423,8 @@
             <a:noFill/>
           </a:ln>
         </p:spPr>
-        <p:style>
-          <a:lnRef idx="0"/>
-          <a:fillRef idx="0"/>
-          <a:effectRef idx="0"/>
-          <a:fontRef idx="minor"/>
-        </p:style>
-        <p:txBody>
-          <a:bodyPr lIns="90000" rIns="90000" tIns="45000" bIns="45000" anchor="ctr"/>
+        <p:txBody>
+          <a:bodyPr anchor="ctr"/>
           <a:p>
             <a:pPr algn="ctr">
               <a:lnSpc>
@@ -10133,19 +10446,19 @@
       </p:sp>
       <p:pic>
         <p:nvPicPr>
-          <p:cNvPr id="90" name="Inhaltsplatzhalter 3" descr=""/>
+          <p:cNvPr id="96" name="Inhaltsplatzhalter 3" descr=""/>
           <p:cNvPicPr/>
           <p:nvPr/>
         </p:nvPicPr>
         <p:blipFill>
           <a:blip r:embed="rId1"/>
-          <a:srcRect l="0" t="-363" r="0" b="0"/>
+          <a:srcRect l="0" t="-369" r="0" b="0"/>
           <a:stretch/>
         </p:blipFill>
         <p:spPr>
           <a:xfrm>
             <a:off x="846000" y="1274760"/>
-            <a:ext cx="10485360" cy="5016240"/>
+            <a:ext cx="10485720" cy="5016600"/>
           </a:xfrm>
           <a:prstGeom prst="rect">
             <a:avLst/>
@@ -10206,14 +10519,14 @@
       </p:grpSpPr>
       <p:sp>
         <p:nvSpPr>
-          <p:cNvPr id="91" name="CustomShape 1"/>
-          <p:cNvSpPr/>
+          <p:cNvPr id="97" name="TextShape 1"/>
+          <p:cNvSpPr txBox="1"/>
           <p:nvPr/>
         </p:nvSpPr>
         <p:spPr>
           <a:xfrm>
             <a:off x="0" y="0"/>
-            <a:ext cx="12191400" cy="1324800"/>
+            <a:ext cx="12191760" cy="1325160"/>
           </a:xfrm>
           <a:prstGeom prst="rect">
             <a:avLst/>
@@ -10223,14 +10536,8 @@
             <a:noFill/>
           </a:ln>
         </p:spPr>
-        <p:style>
-          <a:lnRef idx="0"/>
-          <a:fillRef idx="0"/>
-          <a:effectRef idx="0"/>
-          <a:fontRef idx="minor"/>
-        </p:style>
-        <p:txBody>
-          <a:bodyPr lIns="90000" rIns="90000" tIns="45000" bIns="45000" anchor="ctr"/>
+        <p:txBody>
+          <a:bodyPr anchor="ctr"/>
           <a:p>
             <a:pPr algn="ctr">
               <a:lnSpc>
@@ -10252,7 +10559,7 @@
       </p:sp>
       <p:pic>
         <p:nvPicPr>
-          <p:cNvPr id="92" name="Inhaltsplatzhalter 3" descr=""/>
+          <p:cNvPr id="98" name="Inhaltsplatzhalter 3" descr=""/>
           <p:cNvPicPr/>
           <p:nvPr/>
         </p:nvPicPr>
@@ -10263,7 +10570,7 @@
         <p:spPr>
           <a:xfrm>
             <a:off x="843840" y="1296360"/>
-            <a:ext cx="10523880" cy="5007960"/>
+            <a:ext cx="10524240" cy="5008320"/>
           </a:xfrm>
           <a:prstGeom prst="rect">
             <a:avLst/>
